--- a/semester2 PPT/uge 9 js del3.pptx
+++ b/semester2 PPT/uge 9 js del3.pptx
@@ -6,37 +6,32 @@
     <p:sldMasterId id="2147483674" r:id="rId2"/>
   </p:sldMasterIdLst>
   <p:notesMasterIdLst>
-    <p:notesMasterId r:id="rId28"/>
+    <p:notesMasterId r:id="rId23"/>
   </p:notesMasterIdLst>
   <p:handoutMasterIdLst>
-    <p:handoutMasterId r:id="rId29"/>
+    <p:handoutMasterId r:id="rId24"/>
   </p:handoutMasterIdLst>
   <p:sldIdLst>
     <p:sldId id="352" r:id="rId3"/>
-    <p:sldId id="330" r:id="rId4"/>
-    <p:sldId id="331" r:id="rId5"/>
-    <p:sldId id="332" r:id="rId6"/>
-    <p:sldId id="320" r:id="rId7"/>
-    <p:sldId id="321" r:id="rId8"/>
-    <p:sldId id="260" r:id="rId9"/>
-    <p:sldId id="261" r:id="rId10"/>
-    <p:sldId id="263" r:id="rId11"/>
-    <p:sldId id="265" r:id="rId12"/>
-    <p:sldId id="268" r:id="rId13"/>
-    <p:sldId id="296" r:id="rId14"/>
-    <p:sldId id="267" r:id="rId15"/>
-    <p:sldId id="273" r:id="rId16"/>
-    <p:sldId id="274" r:id="rId17"/>
-    <p:sldId id="278" r:id="rId18"/>
-    <p:sldId id="279" r:id="rId19"/>
-    <p:sldId id="280" r:id="rId20"/>
-    <p:sldId id="281" r:id="rId21"/>
-    <p:sldId id="287" r:id="rId22"/>
-    <p:sldId id="288" r:id="rId23"/>
-    <p:sldId id="297" r:id="rId24"/>
-    <p:sldId id="290" r:id="rId25"/>
-    <p:sldId id="353" r:id="rId26"/>
-    <p:sldId id="354" r:id="rId27"/>
+    <p:sldId id="260" r:id="rId4"/>
+    <p:sldId id="261" r:id="rId5"/>
+    <p:sldId id="263" r:id="rId6"/>
+    <p:sldId id="265" r:id="rId7"/>
+    <p:sldId id="268" r:id="rId8"/>
+    <p:sldId id="296" r:id="rId9"/>
+    <p:sldId id="267" r:id="rId10"/>
+    <p:sldId id="273" r:id="rId11"/>
+    <p:sldId id="274" r:id="rId12"/>
+    <p:sldId id="278" r:id="rId13"/>
+    <p:sldId id="279" r:id="rId14"/>
+    <p:sldId id="280" r:id="rId15"/>
+    <p:sldId id="281" r:id="rId16"/>
+    <p:sldId id="287" r:id="rId17"/>
+    <p:sldId id="288" r:id="rId18"/>
+    <p:sldId id="297" r:id="rId19"/>
+    <p:sldId id="290" r:id="rId20"/>
+    <p:sldId id="353" r:id="rId21"/>
+    <p:sldId id="354" r:id="rId22"/>
   </p:sldIdLst>
   <p:sldSz cx="9144000" cy="5143500" type="screen16x9"/>
   <p:notesSz cx="6858000" cy="9144000"/>
@@ -385,7 +380,7 @@
           <a:p>
             <a:fld id="{52A87A73-31F0-48EC-A8E8-5D7B334567DC}" type="datetimeFigureOut">
               <a:rPr lang="en-CA" smtClean="0"/>
-              <a:t>2025-01-21</a:t>
+              <a:t>2025-02-14</a:t>
             </a:fld>
             <a:endParaRPr lang="en-CA"/>
           </a:p>
@@ -991,7 +986,7 @@
           <a:p>
             <a:fld id="{7643FEBE-CA83-1A44-B79A-0336720BF64B}" type="slidenum">
               <a:rPr lang="en-DK" smtClean="0"/>
-              <a:t>23</a:t>
+              <a:t>18</a:t>
             </a:fld>
             <a:endParaRPr lang="en-DK"/>
           </a:p>
@@ -15755,7 +15750,7 @@
           <a:p>
             <a:fld id="{1D8BD707-D9CF-40AE-B4C6-C98DA3205C09}" type="datetimeFigureOut">
               <a:rPr lang="en-US"/>
-              <a:t>1/21/25</a:t>
+              <a:t>2/14/25</a:t>
             </a:fld>
             <a:endParaRPr lang="en-US"/>
           </a:p>
@@ -15908,7 +15903,7 @@
           <a:p>
             <a:fld id="{1D8BD707-D9CF-40AE-B4C6-C98DA3205C09}" type="datetimeFigureOut">
               <a:rPr lang="en-US"/>
-              <a:t>1/21/25</a:t>
+              <a:t>2/14/25</a:t>
             </a:fld>
             <a:endParaRPr lang="en-US"/>
           </a:p>
@@ -21491,1654 +21486,6 @@
               </a:spcBef>
             </a:pPr>
             <a:r>
-              <a:t>Selection</a:t>
-            </a:r>
-            <a:r>
-              <a:rPr spc="4"/>
-              <a:t> </a:t>
-            </a:r>
-            <a:r>
-              <a:rPr spc="-8"/>
-              <a:t>Methods</a:t>
-            </a:r>
-          </a:p>
-        </p:txBody>
-      </p:sp>
-      <p:sp>
-        <p:nvSpPr>
-          <p:cNvPr id="3" name="object 3"/>
-          <p:cNvSpPr txBox="1">
-            <a:spLocks noGrp="1"/>
-          </p:cNvSpPr>
-          <p:nvPr>
-            <p:ph type="body" idx="1"/>
-          </p:nvPr>
-        </p:nvSpPr>
-        <p:spPr>
-          <a:xfrm>
-            <a:off x="342900" y="900113"/>
-            <a:ext cx="6172200" cy="1610826"/>
-          </a:xfrm>
-          <a:prstGeom prst="rect">
-            <a:avLst/>
-          </a:prstGeom>
-        </p:spPr>
-        <p:txBody>
-          <a:bodyPr spcFirstLastPara="1" vert="horz" wrap="square" lIns="0" tIns="9525" rIns="0" bIns="0" rtlCol="0" anchor="t" anchorCtr="0">
-            <a:spAutoFit/>
-          </a:bodyPr>
-          <a:lstStyle/>
-          <a:p>
-            <a:pPr marL="9525">
-              <a:spcBef>
-                <a:spcPts val="75"/>
-              </a:spcBef>
-            </a:pPr>
-            <a:r>
-              <a:rPr sz="1800" spc="-139"/>
-              <a:t>The</a:t>
-            </a:r>
-            <a:r>
-              <a:rPr sz="1800" spc="-75"/>
-              <a:t> </a:t>
-            </a:r>
-            <a:r>
-              <a:rPr sz="1800" spc="-71"/>
-              <a:t>most</a:t>
-            </a:r>
-            <a:r>
-              <a:rPr sz="1800" spc="-83"/>
-              <a:t> </a:t>
-            </a:r>
-            <a:r>
-              <a:rPr sz="1800" spc="-26"/>
-              <a:t>important</a:t>
-            </a:r>
-            <a:r>
-              <a:rPr sz="1800" spc="-79"/>
-              <a:t> </a:t>
-            </a:r>
-            <a:r>
-              <a:rPr sz="1800" spc="-135"/>
-              <a:t>DOM</a:t>
-            </a:r>
-            <a:r>
-              <a:rPr sz="1800" spc="-83"/>
-              <a:t> </a:t>
-            </a:r>
-            <a:r>
-              <a:rPr sz="1800" spc="-8"/>
-              <a:t>methods</a:t>
-            </a:r>
-            <a:endParaRPr sz="1800"/>
-          </a:p>
-          <a:p>
-            <a:pPr marL="9525" marR="3810">
-              <a:lnSpc>
-                <a:spcPct val="100800"/>
-              </a:lnSpc>
-              <a:spcBef>
-                <a:spcPts val="1492"/>
-              </a:spcBef>
-            </a:pPr>
-            <a:r>
-              <a:rPr sz="1800" spc="-131"/>
-              <a:t>They</a:t>
-            </a:r>
-            <a:r>
-              <a:rPr sz="1800" spc="-90"/>
-              <a:t> </a:t>
-            </a:r>
-            <a:r>
-              <a:rPr sz="1800" spc="-45"/>
-              <a:t>allow</a:t>
-            </a:r>
-            <a:r>
-              <a:rPr sz="1800" spc="-86"/>
-              <a:t> you </a:t>
-            </a:r>
-            <a:r>
-              <a:rPr sz="1800"/>
-              <a:t>to</a:t>
-            </a:r>
-            <a:r>
-              <a:rPr sz="1800" spc="-86"/>
-              <a:t> </a:t>
-            </a:r>
-            <a:r>
-              <a:rPr sz="1800" spc="-79"/>
-              <a:t>select</a:t>
-            </a:r>
-            <a:r>
-              <a:rPr sz="1800" spc="-86"/>
-              <a:t> </a:t>
-            </a:r>
-            <a:r>
-              <a:rPr sz="1800" spc="-83"/>
-              <a:t>one </a:t>
-            </a:r>
-            <a:r>
-              <a:rPr sz="1800" spc="-15"/>
-              <a:t>or</a:t>
-            </a:r>
-            <a:r>
-              <a:rPr sz="1800" spc="-83"/>
-              <a:t> </a:t>
-            </a:r>
-            <a:r>
-              <a:rPr sz="1800" spc="-64"/>
-              <a:t>more</a:t>
-            </a:r>
-            <a:r>
-              <a:rPr sz="1800" spc="-83"/>
-              <a:t> </a:t>
-            </a:r>
-            <a:r>
-              <a:rPr sz="1800" spc="-64"/>
-              <a:t>document</a:t>
-            </a:r>
-            <a:r>
-              <a:rPr sz="1800" spc="-86"/>
-              <a:t> </a:t>
-            </a:r>
-            <a:r>
-              <a:rPr sz="1800" spc="-71"/>
-              <a:t>elements.</a:t>
-            </a:r>
-            <a:r>
-              <a:rPr sz="1800" spc="-90"/>
-              <a:t> </a:t>
-            </a:r>
-            <a:r>
-              <a:rPr sz="1800" spc="-139"/>
-              <a:t>The</a:t>
-            </a:r>
-            <a:r>
-              <a:rPr sz="1800" spc="-83"/>
-              <a:t> </a:t>
-            </a:r>
-            <a:r>
-              <a:rPr sz="1800" spc="-60"/>
-              <a:t>oldest</a:t>
-            </a:r>
-            <a:r>
-              <a:rPr sz="1800" spc="-86"/>
-              <a:t> </a:t>
-            </a:r>
-            <a:r>
-              <a:rPr sz="1800" spc="-98"/>
-              <a:t>3</a:t>
-            </a:r>
-            <a:r>
-              <a:rPr sz="1800" spc="-86"/>
-              <a:t> </a:t>
-            </a:r>
-            <a:r>
-              <a:rPr sz="1800" spc="-15"/>
-              <a:t>are: </a:t>
-            </a:r>
-            <a:r>
-              <a:rPr sz="1800" b="1" spc="-109"/>
-              <a:t>getElementById("</a:t>
-            </a:r>
-            <a:r>
-              <a:rPr sz="1800" i="1" spc="-109"/>
-              <a:t>id</a:t>
-            </a:r>
-            <a:r>
-              <a:rPr sz="1800" b="1" spc="-109"/>
-              <a:t>"),</a:t>
-            </a:r>
-            <a:r>
-              <a:rPr sz="1800" b="1" spc="34"/>
-              <a:t> </a:t>
-            </a:r>
-            <a:r>
-              <a:rPr sz="1800" b="1" spc="-146"/>
-              <a:t>getElementsByClassName("</a:t>
-            </a:r>
-            <a:r>
-              <a:rPr sz="1800" i="1" spc="-146"/>
-              <a:t>name</a:t>
-            </a:r>
-            <a:r>
-              <a:rPr sz="1800" b="1" spc="-146"/>
-              <a:t>")</a:t>
-            </a:r>
-            <a:r>
-              <a:rPr sz="1800" b="1" spc="30"/>
-              <a:t> </a:t>
-            </a:r>
-            <a:r>
-              <a:rPr sz="1800" spc="-19"/>
-              <a:t>and </a:t>
-            </a:r>
-            <a:r>
-              <a:rPr sz="1800" b="1" spc="-113"/>
-              <a:t>getElementsByTagName("</a:t>
-            </a:r>
-            <a:r>
-              <a:rPr sz="1800" i="1" spc="-113"/>
-              <a:t>name</a:t>
-            </a:r>
-            <a:r>
-              <a:rPr sz="1800" b="1" spc="-113"/>
-              <a:t>")</a:t>
-            </a:r>
-            <a:endParaRPr sz="1800"/>
-          </a:p>
-        </p:txBody>
-      </p:sp>
-      <p:pic>
-        <p:nvPicPr>
-          <p:cNvPr id="4" name="object 4"/>
-          <p:cNvPicPr/>
-          <p:nvPr/>
-        </p:nvPicPr>
-        <p:blipFill>
-          <a:blip r:embed="rId2" cstate="print"/>
-          <a:stretch>
-            <a:fillRect/>
-          </a:stretch>
-        </p:blipFill>
-        <p:spPr>
-          <a:xfrm>
-            <a:off x="1972340" y="2758530"/>
-            <a:ext cx="5193675" cy="2046420"/>
-          </a:xfrm>
-          <a:prstGeom prst="rect">
-            <a:avLst/>
-          </a:prstGeom>
-        </p:spPr>
-      </p:pic>
-    </p:spTree>
-  </p:cSld>
-  <p:clrMapOvr>
-    <a:masterClrMapping/>
-  </p:clrMapOvr>
-</p:sld>
-</file>
-
-<file path=ppt/slides/slide11.xml><?xml version="1.0" encoding="utf-8"?>
-<p:sld xmlns:a="http://schemas.openxmlformats.org/drawingml/2006/main" xmlns:r="http://schemas.openxmlformats.org/officeDocument/2006/relationships" xmlns:p="http://schemas.openxmlformats.org/presentationml/2006/main">
-  <p:cSld>
-    <p:spTree>
-      <p:nvGrpSpPr>
-        <p:cNvPr id="1" name=""/>
-        <p:cNvGrpSpPr/>
-        <p:nvPr/>
-      </p:nvGrpSpPr>
-      <p:grpSpPr>
-        <a:xfrm>
-          <a:off x="0" y="0"/>
-          <a:ext cx="0" cy="0"/>
-          <a:chOff x="0" y="0"/>
-          <a:chExt cx="0" cy="0"/>
-        </a:xfrm>
-      </p:grpSpPr>
-      <p:sp>
-        <p:nvSpPr>
-          <p:cNvPr id="3" name="object 3"/>
-          <p:cNvSpPr txBox="1">
-            <a:spLocks noGrp="1"/>
-          </p:cNvSpPr>
-          <p:nvPr>
-            <p:ph type="title"/>
-          </p:nvPr>
-        </p:nvSpPr>
-        <p:spPr>
-          <a:xfrm>
-            <a:off x="516244" y="344043"/>
-            <a:ext cx="8708078" cy="576440"/>
-          </a:xfrm>
-          <a:prstGeom prst="rect">
-            <a:avLst/>
-          </a:prstGeom>
-        </p:spPr>
-        <p:txBody>
-          <a:bodyPr spcFirstLastPara="1" vert="horz" wrap="square" lIns="0" tIns="9525" rIns="0" bIns="0" rtlCol="0" anchor="t" anchorCtr="0">
-            <a:spAutoFit/>
-          </a:bodyPr>
-          <a:lstStyle/>
-          <a:p>
-            <a:pPr marL="9525">
-              <a:spcBef>
-                <a:spcPts val="75"/>
-              </a:spcBef>
-            </a:pPr>
-            <a:r>
-              <a:t>Query Selection</a:t>
-            </a:r>
-            <a:r>
-              <a:rPr spc="8"/>
-              <a:t> </a:t>
-            </a:r>
-            <a:r>
-              <a:rPr spc="-8"/>
-              <a:t>Methods(</a:t>
-            </a:r>
-            <a:r>
-              <a:rPr lang="en-US" spc="-8"/>
-              <a:t>recommend</a:t>
-            </a:r>
-            <a:r>
-              <a:rPr spc="-8"/>
-              <a:t>)</a:t>
-            </a:r>
-          </a:p>
-        </p:txBody>
-      </p:sp>
-      <p:sp>
-        <p:nvSpPr>
-          <p:cNvPr id="4" name="object 4"/>
-          <p:cNvSpPr txBox="1"/>
-          <p:nvPr/>
-        </p:nvSpPr>
-        <p:spPr>
-          <a:xfrm>
-            <a:off x="630544" y="1311783"/>
-            <a:ext cx="2667000" cy="1671611"/>
-          </a:xfrm>
-          <a:prstGeom prst="rect">
-            <a:avLst/>
-          </a:prstGeom>
-        </p:spPr>
-        <p:txBody>
-          <a:bodyPr vert="horz" wrap="square" lIns="0" tIns="9525" rIns="0" bIns="0" rtlCol="0">
-            <a:spAutoFit/>
-          </a:bodyPr>
-          <a:lstStyle/>
-          <a:p>
-            <a:pPr marL="9525" marR="3810">
-              <a:spcBef>
-                <a:spcPts val="75"/>
-              </a:spcBef>
-            </a:pPr>
-            <a:r>
-              <a:rPr sz="1800" spc="-139"/>
-              <a:t>The</a:t>
-            </a:r>
-            <a:r>
-              <a:rPr sz="1800" spc="-71"/>
-              <a:t> </a:t>
-            </a:r>
-            <a:r>
-              <a:rPr sz="1800" spc="-68"/>
-              <a:t>newer</a:t>
-            </a:r>
-            <a:r>
-              <a:rPr sz="1800" spc="-71"/>
-              <a:t> </a:t>
-            </a:r>
-            <a:r>
-              <a:rPr sz="1800" b="1" spc="-71"/>
-              <a:t>querySelector</a:t>
-            </a:r>
-            <a:r>
-              <a:rPr sz="1800" spc="-71"/>
-              <a:t>() </a:t>
-            </a:r>
-            <a:r>
-              <a:rPr sz="1800" spc="-94"/>
-              <a:t>and</a:t>
-            </a:r>
-            <a:r>
-              <a:rPr sz="1800" spc="-79"/>
-              <a:t> </a:t>
-            </a:r>
-            <a:r>
-              <a:rPr sz="1800" b="1" spc="-79"/>
-              <a:t>querySelectorAll</a:t>
-            </a:r>
-            <a:r>
-              <a:rPr sz="1800" spc="-79"/>
-              <a:t>() </a:t>
-            </a:r>
-            <a:r>
-              <a:rPr sz="1800" spc="-68"/>
-              <a:t>methods</a:t>
-            </a:r>
-            <a:r>
-              <a:rPr sz="1800" spc="-86"/>
-              <a:t> </a:t>
-            </a:r>
-            <a:r>
-              <a:rPr sz="1800" spc="-45"/>
-              <a:t>allow</a:t>
-            </a:r>
-            <a:r>
-              <a:rPr sz="1800" spc="-90"/>
-              <a:t> </a:t>
-            </a:r>
-            <a:r>
-              <a:rPr sz="1800" spc="-86"/>
-              <a:t>you </a:t>
-            </a:r>
-            <a:r>
-              <a:rPr sz="1800"/>
-              <a:t>to</a:t>
-            </a:r>
-            <a:r>
-              <a:rPr sz="1800" spc="-90"/>
-              <a:t> </a:t>
-            </a:r>
-            <a:r>
-              <a:rPr sz="1800" spc="-8"/>
-              <a:t>query for</a:t>
-            </a:r>
-            <a:r>
-              <a:rPr sz="1800" spc="-83"/>
-              <a:t> </a:t>
-            </a:r>
-            <a:r>
-              <a:rPr sz="1800" spc="-135"/>
-              <a:t>DOM</a:t>
-            </a:r>
-            <a:r>
-              <a:rPr sz="1800" spc="-83"/>
-              <a:t> </a:t>
-            </a:r>
-            <a:r>
-              <a:rPr sz="1800" spc="-75"/>
-              <a:t>elements</a:t>
-            </a:r>
-            <a:r>
-              <a:rPr sz="1800" spc="-83"/>
-              <a:t> </a:t>
-            </a:r>
-            <a:r>
-              <a:rPr sz="1800" spc="-94"/>
-              <a:t>much</a:t>
-            </a:r>
-            <a:r>
-              <a:rPr sz="1800" spc="-83"/>
-              <a:t> </a:t>
-            </a:r>
-            <a:r>
-              <a:rPr sz="1800" spc="-19"/>
-              <a:t>the </a:t>
-            </a:r>
-            <a:r>
-              <a:rPr sz="1800" spc="-135"/>
-              <a:t>same</a:t>
-            </a:r>
-            <a:r>
-              <a:rPr sz="1800" spc="-90"/>
-              <a:t> </a:t>
-            </a:r>
-            <a:r>
-              <a:rPr sz="1800" spc="-109"/>
-              <a:t>way</a:t>
-            </a:r>
-            <a:r>
-              <a:rPr sz="1800" spc="-86"/>
-              <a:t> you</a:t>
-            </a:r>
-            <a:r>
-              <a:rPr sz="1800" spc="-90"/>
-              <a:t> </a:t>
-            </a:r>
-            <a:r>
-              <a:rPr sz="1800" spc="-79"/>
-              <a:t>specify</a:t>
-            </a:r>
-            <a:r>
-              <a:rPr sz="1800" spc="-86"/>
-              <a:t> </a:t>
-            </a:r>
-            <a:r>
-              <a:rPr sz="1800" spc="-398"/>
-              <a:t>CSS</a:t>
-            </a:r>
-            <a:r>
-              <a:rPr sz="1800" spc="-8"/>
-              <a:t> styles</a:t>
-            </a:r>
-            <a:endParaRPr sz="1800"/>
-          </a:p>
-        </p:txBody>
-      </p:sp>
-      <p:pic>
-        <p:nvPicPr>
-          <p:cNvPr id="5" name="object 5"/>
-          <p:cNvPicPr/>
-          <p:nvPr/>
-        </p:nvPicPr>
-        <p:blipFill>
-          <a:blip r:embed="rId2" cstate="print"/>
-          <a:stretch>
-            <a:fillRect/>
-          </a:stretch>
-        </p:blipFill>
-        <p:spPr>
-          <a:xfrm>
-            <a:off x="3580164" y="984487"/>
-            <a:ext cx="5111976" cy="3750635"/>
-          </a:xfrm>
-          <a:prstGeom prst="rect">
-            <a:avLst/>
-          </a:prstGeom>
-        </p:spPr>
-      </p:pic>
-    </p:spTree>
-  </p:cSld>
-  <p:clrMapOvr>
-    <a:masterClrMapping/>
-  </p:clrMapOvr>
-</p:sld>
-</file>
-
-<file path=ppt/slides/slide12.xml><?xml version="1.0" encoding="utf-8"?>
-<p:sld xmlns:a="http://schemas.openxmlformats.org/drawingml/2006/main" xmlns:r="http://schemas.openxmlformats.org/officeDocument/2006/relationships" xmlns:p="http://schemas.openxmlformats.org/presentationml/2006/main">
-  <p:cSld>
-    <p:spTree>
-      <p:nvGrpSpPr>
-        <p:cNvPr id="1" name=""/>
-        <p:cNvGrpSpPr/>
-        <p:nvPr/>
-      </p:nvGrpSpPr>
-      <p:grpSpPr>
-        <a:xfrm>
-          <a:off x="0" y="0"/>
-          <a:ext cx="0" cy="0"/>
-          <a:chOff x="0" y="0"/>
-          <a:chExt cx="0" cy="0"/>
-        </a:xfrm>
-      </p:grpSpPr>
-      <p:sp>
-        <p:nvSpPr>
-          <p:cNvPr id="2" name="Title 1">
-            <a:extLst>
-              <a:ext uri="{FF2B5EF4-FFF2-40B4-BE49-F238E27FC236}">
-                <a16:creationId xmlns:a16="http://schemas.microsoft.com/office/drawing/2014/main" id="{4DC8DFB2-337A-47C3-8D0B-9EE0EFF89FFD}"/>
-              </a:ext>
-            </a:extLst>
-          </p:cNvPr>
-          <p:cNvSpPr>
-            <a:spLocks noGrp="1"/>
-          </p:cNvSpPr>
-          <p:nvPr>
-            <p:ph type="title"/>
-          </p:nvPr>
-        </p:nvSpPr>
-        <p:spPr/>
-        <p:txBody>
-          <a:bodyPr/>
-          <a:lstStyle/>
-          <a:p>
-            <a:r>
-              <a:rPr lang="en-CA" sz="3200"/>
-              <a:t>Some Essential Element Node Properties</a:t>
-            </a:r>
-          </a:p>
-        </p:txBody>
-      </p:sp>
-      <p:sp>
-        <p:nvSpPr>
-          <p:cNvPr id="3" name="Text Placeholder 2">
-            <a:extLst>
-              <a:ext uri="{FF2B5EF4-FFF2-40B4-BE49-F238E27FC236}">
-                <a16:creationId xmlns:a16="http://schemas.microsoft.com/office/drawing/2014/main" id="{8BF02019-E6D2-4D3A-ABAA-F387038A6E68}"/>
-              </a:ext>
-            </a:extLst>
-          </p:cNvPr>
-          <p:cNvSpPr>
-            <a:spLocks noGrp="1"/>
-          </p:cNvSpPr>
-          <p:nvPr>
-            <p:ph type="body" idx="1"/>
-          </p:nvPr>
-        </p:nvSpPr>
-        <p:spPr/>
-        <p:txBody>
-          <a:bodyPr/>
-          <a:lstStyle/>
-          <a:p>
-            <a:pPr algn="l"/>
-            <a:r>
-              <a:rPr lang="en-US" b="1" i="0" u="none" strike="noStrike" baseline="0" dirty="0" err="1">
-                <a:latin typeface="+mj-lt"/>
-              </a:rPr>
-              <a:t>classList</a:t>
-            </a:r>
-            <a:r>
-              <a:rPr lang="en-US" b="1" i="0" u="none" strike="noStrike" baseline="0" dirty="0">
-                <a:latin typeface="+mj-lt"/>
-              </a:rPr>
-              <a:t> </a:t>
-            </a:r>
-            <a:r>
-              <a:rPr lang="en-US" b="0" i="0" u="none" strike="noStrike" baseline="0" dirty="0">
-                <a:latin typeface="+mj-lt"/>
-              </a:rPr>
-              <a:t>A read-only list of CSS classes assigned to this element. This list has a variety of helper methods for manipulating this list.</a:t>
-            </a:r>
-          </a:p>
-          <a:p>
-            <a:pPr algn="l"/>
-            <a:r>
-              <a:rPr lang="en-US" b="1" i="0" u="none" strike="noStrike" baseline="0" dirty="0" err="1">
-                <a:latin typeface="+mj-lt"/>
-              </a:rPr>
-              <a:t>className</a:t>
-            </a:r>
-            <a:r>
-              <a:rPr lang="en-US" b="1" i="0" u="none" strike="noStrike" baseline="0" dirty="0">
-                <a:latin typeface="+mj-lt"/>
-              </a:rPr>
-              <a:t> </a:t>
-            </a:r>
-            <a:r>
-              <a:rPr lang="en-US" b="0" i="0" u="none" strike="noStrike" baseline="0" dirty="0">
-                <a:latin typeface="+mj-lt"/>
-              </a:rPr>
-              <a:t>The current value for the class attribute of this HTML element.</a:t>
-            </a:r>
-          </a:p>
-          <a:p>
-            <a:pPr algn="l"/>
-            <a:r>
-              <a:rPr lang="en-US" b="1" i="0" u="none" strike="noStrike" baseline="0" dirty="0">
-                <a:latin typeface="+mj-lt"/>
-              </a:rPr>
-              <a:t>id </a:t>
-            </a:r>
-            <a:r>
-              <a:rPr lang="en-US" b="0" i="0" u="none" strike="noStrike" baseline="0" dirty="0">
-                <a:latin typeface="+mj-lt"/>
-              </a:rPr>
-              <a:t>The current value for the id of this element.</a:t>
-            </a:r>
-          </a:p>
-          <a:p>
-            <a:pPr algn="l"/>
-            <a:r>
-              <a:rPr lang="en-US" b="1" i="0" u="none" strike="noStrike" baseline="0" dirty="0" err="1">
-                <a:latin typeface="+mj-lt"/>
-              </a:rPr>
-              <a:t>innerHTML</a:t>
-            </a:r>
-            <a:r>
-              <a:rPr lang="en-US" b="1" i="0" u="none" strike="noStrike" baseline="0" dirty="0">
-                <a:latin typeface="+mj-lt"/>
-              </a:rPr>
-              <a:t> </a:t>
-            </a:r>
-            <a:r>
-              <a:rPr lang="en-US" b="0" i="0" u="none" strike="noStrike" baseline="0" dirty="0">
-                <a:latin typeface="+mj-lt"/>
-              </a:rPr>
-              <a:t>Represents all the content (text and tags) of the element.</a:t>
-            </a:r>
-          </a:p>
-          <a:p>
-            <a:pPr algn="l"/>
-            <a:r>
-              <a:rPr lang="en-US" b="1" i="0" u="none" strike="noStrike" baseline="0" dirty="0">
-                <a:latin typeface="+mj-lt"/>
-              </a:rPr>
-              <a:t>style </a:t>
-            </a:r>
-            <a:r>
-              <a:rPr lang="en-US" b="0" i="0" u="none" strike="noStrike" baseline="0" dirty="0">
-                <a:latin typeface="+mj-lt"/>
-              </a:rPr>
-              <a:t>The style attribute of an element. This returns a </a:t>
-            </a:r>
-            <a:r>
-              <a:rPr lang="en-US" b="0" i="0" u="none" strike="noStrike" baseline="0" dirty="0" err="1">
-                <a:latin typeface="+mj-lt"/>
-              </a:rPr>
-              <a:t>CSSStyleDeclaration</a:t>
-            </a:r>
-            <a:r>
-              <a:rPr lang="en-US" b="0" i="0" u="none" strike="noStrike" baseline="0" dirty="0">
-                <a:latin typeface="+mj-lt"/>
-              </a:rPr>
-              <a:t> object that contains sub-properties that correspond to the various CSS properties.</a:t>
-            </a:r>
-          </a:p>
-          <a:p>
-            <a:pPr algn="l"/>
-            <a:r>
-              <a:rPr lang="en-US" b="1" i="0" u="none" strike="noStrike" baseline="0" dirty="0" err="1">
-                <a:latin typeface="+mj-lt"/>
-              </a:rPr>
-              <a:t>tagName</a:t>
-            </a:r>
-            <a:r>
-              <a:rPr lang="en-US" b="1" i="0" u="none" strike="noStrike" baseline="0" dirty="0">
-                <a:latin typeface="+mj-lt"/>
-              </a:rPr>
-              <a:t> </a:t>
-            </a:r>
-            <a:r>
-              <a:rPr lang="en-US" b="0" i="0" u="none" strike="noStrike" baseline="0" dirty="0">
-                <a:latin typeface="+mj-lt"/>
-              </a:rPr>
-              <a:t>The tag name for the element.</a:t>
-            </a:r>
-            <a:endParaRPr lang="en-CA" sz="1400" dirty="0">
-              <a:latin typeface="+mj-lt"/>
-            </a:endParaRPr>
-          </a:p>
-        </p:txBody>
-      </p:sp>
-    </p:spTree>
-    <p:extLst>
-      <p:ext uri="{BB962C8B-B14F-4D97-AF65-F5344CB8AC3E}">
-        <p14:creationId xmlns:p14="http://schemas.microsoft.com/office/powerpoint/2010/main" val="468013702"/>
-      </p:ext>
-    </p:extLst>
-  </p:cSld>
-  <p:clrMapOvr>
-    <a:masterClrMapping/>
-  </p:clrMapOvr>
-</p:sld>
-</file>
-
-<file path=ppt/slides/slide13.xml><?xml version="1.0" encoding="utf-8"?>
-<p:sld xmlns:a="http://schemas.openxmlformats.org/drawingml/2006/main" xmlns:r="http://schemas.openxmlformats.org/officeDocument/2006/relationships" xmlns:p="http://schemas.openxmlformats.org/presentationml/2006/main">
-  <p:cSld>
-    <p:spTree>
-      <p:nvGrpSpPr>
-        <p:cNvPr id="1" name=""/>
-        <p:cNvGrpSpPr/>
-        <p:nvPr/>
-      </p:nvGrpSpPr>
-      <p:grpSpPr>
-        <a:xfrm>
-          <a:off x="0" y="0"/>
-          <a:ext cx="0" cy="0"/>
-          <a:chOff x="0" y="0"/>
-          <a:chExt cx="0" cy="0"/>
-        </a:xfrm>
-      </p:grpSpPr>
-      <p:sp>
-        <p:nvSpPr>
-          <p:cNvPr id="2" name="object 2"/>
-          <p:cNvSpPr txBox="1">
-            <a:spLocks noGrp="1"/>
-          </p:cNvSpPr>
-          <p:nvPr>
-            <p:ph type="title"/>
-          </p:nvPr>
-        </p:nvSpPr>
-        <p:spPr>
-          <a:xfrm>
-            <a:off x="516243" y="331219"/>
-            <a:ext cx="8111513" cy="576440"/>
-          </a:xfrm>
-          <a:prstGeom prst="rect">
-            <a:avLst/>
-          </a:prstGeom>
-        </p:spPr>
-        <p:txBody>
-          <a:bodyPr spcFirstLastPara="1" vert="horz" wrap="square" lIns="0" tIns="9525" rIns="0" bIns="0" rtlCol="0" anchor="b" anchorCtr="0">
-            <a:spAutoFit/>
-          </a:bodyPr>
-          <a:lstStyle/>
-          <a:p>
-            <a:pPr marL="9525">
-              <a:spcBef>
-                <a:spcPts val="75"/>
-              </a:spcBef>
-            </a:pPr>
-            <a:r>
-              <a:rPr dirty="0"/>
-              <a:t>Changing</a:t>
-            </a:r>
-            <a:r>
-              <a:rPr spc="-38" dirty="0"/>
-              <a:t> </a:t>
-            </a:r>
-            <a:r>
-              <a:rPr dirty="0"/>
-              <a:t>an</a:t>
-            </a:r>
-            <a:r>
-              <a:rPr spc="-30" dirty="0"/>
-              <a:t> </a:t>
-            </a:r>
-            <a:r>
-              <a:rPr dirty="0"/>
-              <a:t>Element’s</a:t>
-            </a:r>
-            <a:r>
-              <a:rPr spc="-30" dirty="0"/>
-              <a:t> </a:t>
-            </a:r>
-            <a:r>
-              <a:rPr lang="da-DK" spc="-30" dirty="0"/>
-              <a:t>CSS </a:t>
-            </a:r>
-            <a:r>
-              <a:rPr spc="-8" dirty="0"/>
-              <a:t>Style</a:t>
-            </a:r>
-          </a:p>
-        </p:txBody>
-      </p:sp>
-      <p:sp>
-        <p:nvSpPr>
-          <p:cNvPr id="3" name="object 3"/>
-          <p:cNvSpPr txBox="1"/>
-          <p:nvPr/>
-        </p:nvSpPr>
-        <p:spPr>
-          <a:xfrm>
-            <a:off x="630545" y="1311783"/>
-            <a:ext cx="7881461" cy="2390046"/>
-          </a:xfrm>
-          <a:prstGeom prst="rect">
-            <a:avLst/>
-          </a:prstGeom>
-        </p:spPr>
-        <p:txBody>
-          <a:bodyPr vert="horz" wrap="square" lIns="0" tIns="7144" rIns="0" bIns="0" rtlCol="0" anchor="t">
-            <a:spAutoFit/>
-          </a:bodyPr>
-          <a:lstStyle/>
-          <a:p>
-            <a:pPr marL="9525" marR="3810">
-              <a:lnSpc>
-                <a:spcPct val="100800"/>
-              </a:lnSpc>
-              <a:spcBef>
-                <a:spcPts val="56"/>
-              </a:spcBef>
-            </a:pPr>
-            <a:r>
-              <a:rPr sz="1800" spc="-225" dirty="0"/>
-              <a:t>To</a:t>
-            </a:r>
-            <a:r>
-              <a:rPr sz="1800" spc="-90" dirty="0"/>
-              <a:t> </a:t>
-            </a:r>
-            <a:r>
-              <a:rPr sz="1800" spc="-68" dirty="0"/>
-              <a:t>programmatically</a:t>
-            </a:r>
-            <a:r>
-              <a:rPr sz="1800" spc="-83" dirty="0"/>
-              <a:t> </a:t>
-            </a:r>
-            <a:r>
-              <a:rPr sz="1800" spc="-41" dirty="0"/>
-              <a:t>modify</a:t>
-            </a:r>
-            <a:r>
-              <a:rPr sz="1800" spc="-83" dirty="0"/>
-              <a:t> </a:t>
-            </a:r>
-            <a:r>
-              <a:rPr sz="1800" spc="-26" dirty="0"/>
-              <a:t>the</a:t>
-            </a:r>
-            <a:r>
-              <a:rPr sz="1800" spc="-79" dirty="0"/>
-              <a:t> </a:t>
-            </a:r>
-            <a:r>
-              <a:rPr sz="1800" spc="-86" dirty="0"/>
-              <a:t>styles</a:t>
-            </a:r>
-            <a:r>
-              <a:rPr sz="1800" spc="-83" dirty="0"/>
-              <a:t> </a:t>
-            </a:r>
-            <a:r>
-              <a:rPr sz="1800" spc="-101" dirty="0"/>
-              <a:t>associated</a:t>
-            </a:r>
-            <a:r>
-              <a:rPr sz="1800" spc="-83" dirty="0"/>
-              <a:t> </a:t>
-            </a:r>
-            <a:r>
-              <a:rPr sz="1800" dirty="0"/>
-              <a:t>with</a:t>
-            </a:r>
-            <a:r>
-              <a:rPr sz="1800" spc="-83" dirty="0"/>
-              <a:t> </a:t>
-            </a:r>
-            <a:r>
-              <a:rPr sz="1800" spc="-146" dirty="0"/>
-              <a:t>a</a:t>
-            </a:r>
-            <a:r>
-              <a:rPr sz="1800" spc="-83" dirty="0"/>
-              <a:t> </a:t>
-            </a:r>
-            <a:r>
-              <a:rPr sz="1800" spc="-41" dirty="0"/>
-              <a:t>particular</a:t>
-            </a:r>
-            <a:r>
-              <a:rPr sz="1800" spc="-83" dirty="0"/>
-              <a:t> </a:t>
-            </a:r>
-            <a:r>
-              <a:rPr sz="1800" spc="-56" dirty="0"/>
-              <a:t>element</a:t>
-            </a:r>
-            <a:r>
-              <a:rPr sz="1800" spc="-86" dirty="0"/>
-              <a:t> </a:t>
-            </a:r>
-            <a:r>
-              <a:rPr sz="1800" spc="-83" dirty="0"/>
-              <a:t>one</a:t>
-            </a:r>
-            <a:r>
-              <a:rPr sz="1800" spc="-79" dirty="0"/>
-              <a:t> </a:t>
-            </a:r>
-            <a:r>
-              <a:rPr sz="1800" spc="-15" dirty="0"/>
-              <a:t>must </a:t>
-            </a:r>
-            <a:r>
-              <a:rPr sz="1800" spc="-116" dirty="0"/>
-              <a:t>change</a:t>
-            </a:r>
-            <a:r>
-              <a:rPr sz="1800" spc="-94" dirty="0"/>
-              <a:t> </a:t>
-            </a:r>
-            <a:r>
-              <a:rPr sz="1800" spc="-26" dirty="0"/>
-              <a:t>the</a:t>
-            </a:r>
-            <a:r>
-              <a:rPr sz="1800" spc="-94" dirty="0"/>
-              <a:t> </a:t>
-            </a:r>
-            <a:r>
-              <a:rPr sz="1800" spc="-49" dirty="0"/>
-              <a:t>properties</a:t>
-            </a:r>
-            <a:r>
-              <a:rPr sz="1800" spc="-98" dirty="0"/>
-              <a:t> </a:t>
-            </a:r>
-            <a:r>
-              <a:rPr sz="1800" dirty="0"/>
-              <a:t>of</a:t>
-            </a:r>
-            <a:r>
-              <a:rPr sz="1800" spc="-94" dirty="0"/>
-              <a:t> </a:t>
-            </a:r>
-            <a:r>
-              <a:rPr sz="1800" spc="-26" dirty="0"/>
-              <a:t>the</a:t>
-            </a:r>
-            <a:r>
-              <a:rPr sz="1800" spc="-94" dirty="0"/>
-              <a:t> </a:t>
-            </a:r>
-            <a:r>
-              <a:rPr sz="1800" spc="-64" dirty="0"/>
-              <a:t>style</a:t>
-            </a:r>
-            <a:r>
-              <a:rPr sz="1800" spc="-94" dirty="0"/>
-              <a:t> </a:t>
-            </a:r>
-            <a:r>
-              <a:rPr sz="1800" spc="-38" dirty="0"/>
-              <a:t>property</a:t>
-            </a:r>
-            <a:r>
-              <a:rPr sz="1800" spc="-98" dirty="0"/>
-              <a:t> </a:t>
-            </a:r>
-            <a:r>
-              <a:rPr sz="1800" spc="-8" dirty="0"/>
-              <a:t>for</a:t>
-            </a:r>
-            <a:r>
-              <a:rPr sz="1800" spc="-94" dirty="0"/>
-              <a:t> </a:t>
-            </a:r>
-            <a:r>
-              <a:rPr sz="1800" dirty="0"/>
-              <a:t>that</a:t>
-            </a:r>
-            <a:r>
-              <a:rPr sz="1800" spc="-101" dirty="0"/>
-              <a:t> </a:t>
-            </a:r>
-            <a:r>
-              <a:rPr sz="1800" spc="-8" dirty="0"/>
-              <a:t>element</a:t>
-            </a:r>
-            <a:endParaRPr sz="1800" dirty="0"/>
-          </a:p>
-          <a:p>
-            <a:pPr marL="9525" marR="91916">
-              <a:lnSpc>
-                <a:spcPct val="100800"/>
-              </a:lnSpc>
-              <a:spcBef>
-                <a:spcPts val="1496"/>
-              </a:spcBef>
-            </a:pPr>
-            <a:r>
-              <a:rPr sz="1800" spc="-120" dirty="0"/>
-              <a:t>For</a:t>
-            </a:r>
-            <a:r>
-              <a:rPr sz="1800" spc="-79" dirty="0"/>
-              <a:t> </a:t>
-            </a:r>
-            <a:r>
-              <a:rPr sz="1800" spc="-83" dirty="0"/>
-              <a:t>instance,</a:t>
-            </a:r>
-            <a:r>
-              <a:rPr sz="1800" spc="-79" dirty="0"/>
-              <a:t> </a:t>
-            </a:r>
-            <a:r>
-              <a:rPr sz="1800" dirty="0"/>
-              <a:t>to</a:t>
-            </a:r>
-            <a:r>
-              <a:rPr sz="1800" spc="-79" dirty="0"/>
-              <a:t> </a:t>
-            </a:r>
-            <a:r>
-              <a:rPr sz="1800" spc="-116" dirty="0"/>
-              <a:t>change</a:t>
-            </a:r>
-            <a:r>
-              <a:rPr sz="1800" spc="-75" dirty="0"/>
-              <a:t> </a:t>
-            </a:r>
-            <a:r>
-              <a:rPr sz="1800" spc="-105" dirty="0"/>
-              <a:t>an</a:t>
-            </a:r>
-            <a:r>
-              <a:rPr sz="1800" spc="-75" dirty="0"/>
-              <a:t> </a:t>
-            </a:r>
-            <a:r>
-              <a:rPr sz="1800" spc="-68" dirty="0"/>
-              <a:t>element’s</a:t>
-            </a:r>
-            <a:r>
-              <a:rPr sz="1800" spc="-79" dirty="0"/>
-              <a:t> </a:t>
-            </a:r>
-            <a:r>
-              <a:rPr lang="en-US" sz="1800" spc="-90" dirty="0"/>
-              <a:t>style</a:t>
-            </a:r>
-            <a:r>
-              <a:rPr sz="1800" spc="-19" dirty="0"/>
-              <a:t>, </a:t>
-            </a:r>
-            <a:r>
-              <a:rPr sz="1800" spc="-83" dirty="0"/>
-              <a:t>we</a:t>
-            </a:r>
-            <a:r>
-              <a:rPr sz="1800" spc="-79" dirty="0"/>
-              <a:t> </a:t>
-            </a:r>
-            <a:r>
-              <a:rPr sz="1800" spc="-75" dirty="0"/>
-              <a:t>could</a:t>
-            </a:r>
-            <a:r>
-              <a:rPr sz="1800" spc="-79" dirty="0"/>
-              <a:t> </a:t>
-            </a:r>
-            <a:r>
-              <a:rPr sz="1800" spc="-131" dirty="0"/>
-              <a:t>use</a:t>
-            </a:r>
-            <a:r>
-              <a:rPr sz="1800" spc="-75" dirty="0"/>
-              <a:t> </a:t>
-            </a:r>
-            <a:r>
-              <a:rPr sz="1800" spc="-26" dirty="0"/>
-              <a:t>the</a:t>
-            </a:r>
-            <a:r>
-              <a:rPr sz="1800" spc="-75" dirty="0"/>
-              <a:t> </a:t>
-            </a:r>
-            <a:r>
-              <a:rPr sz="1800" spc="-41" dirty="0"/>
-              <a:t>following</a:t>
-            </a:r>
-            <a:r>
-              <a:rPr sz="1800" spc="-86" dirty="0"/>
-              <a:t> </a:t>
-            </a:r>
-            <a:r>
-              <a:rPr sz="1800" spc="-8" dirty="0"/>
-              <a:t>code:</a:t>
-            </a:r>
-            <a:endParaRPr sz="1800" dirty="0"/>
-          </a:p>
-          <a:p>
-            <a:pPr marL="466725" marR="3010853">
-              <a:lnSpc>
-                <a:spcPct val="256700"/>
-              </a:lnSpc>
-              <a:spcBef>
-                <a:spcPts val="420"/>
-              </a:spcBef>
-            </a:pPr>
-            <a:r>
-              <a:rPr lang="en-GB" sz="1800" dirty="0">
-                <a:latin typeface="Times New Roman"/>
-                <a:cs typeface="Times New Roman"/>
-              </a:rPr>
-              <a:t>https://www.w3schools.com/</a:t>
-            </a:r>
-            <a:r>
-              <a:rPr lang="en-GB" sz="1800" dirty="0" err="1">
-                <a:latin typeface="Times New Roman"/>
-                <a:cs typeface="Times New Roman"/>
-              </a:rPr>
-              <a:t>js</a:t>
-            </a:r>
-            <a:r>
-              <a:rPr lang="en-GB" sz="1800" dirty="0">
-                <a:latin typeface="Times New Roman"/>
-                <a:cs typeface="Times New Roman"/>
-              </a:rPr>
-              <a:t>/</a:t>
-            </a:r>
-            <a:r>
-              <a:rPr lang="en-GB" sz="1800" dirty="0" err="1">
-                <a:latin typeface="Times New Roman"/>
-                <a:cs typeface="Times New Roman"/>
-              </a:rPr>
-              <a:t>tryit.asp?filename</a:t>
-            </a:r>
-            <a:r>
-              <a:rPr lang="en-GB" sz="1800" dirty="0">
-                <a:latin typeface="Times New Roman"/>
-                <a:cs typeface="Times New Roman"/>
-              </a:rPr>
-              <a:t>=</a:t>
-            </a:r>
-            <a:r>
-              <a:rPr lang="en-GB" sz="1800" dirty="0" err="1">
-                <a:latin typeface="Times New Roman"/>
-                <a:cs typeface="Times New Roman"/>
-              </a:rPr>
-              <a:t>tryjs_change_style</a:t>
-            </a:r>
-            <a:endParaRPr sz="1800" dirty="0">
-              <a:latin typeface="Times New Roman"/>
-              <a:cs typeface="Times New Roman"/>
-            </a:endParaRPr>
-          </a:p>
-        </p:txBody>
-      </p:sp>
-    </p:spTree>
-  </p:cSld>
-  <p:clrMapOvr>
-    <a:masterClrMapping/>
-  </p:clrMapOvr>
-</p:sld>
-</file>
-
-<file path=ppt/slides/slide14.xml><?xml version="1.0" encoding="utf-8"?>
-<p:sld xmlns:a="http://schemas.openxmlformats.org/drawingml/2006/main" xmlns:r="http://schemas.openxmlformats.org/officeDocument/2006/relationships" xmlns:p="http://schemas.openxmlformats.org/presentationml/2006/main">
-  <p:cSld>
-    <p:spTree>
-      <p:nvGrpSpPr>
-        <p:cNvPr id="1" name=""/>
-        <p:cNvGrpSpPr/>
-        <p:nvPr/>
-      </p:nvGrpSpPr>
-      <p:grpSpPr>
-        <a:xfrm>
-          <a:off x="0" y="0"/>
-          <a:ext cx="0" cy="0"/>
-          <a:chOff x="0" y="0"/>
-          <a:chExt cx="0" cy="0"/>
-        </a:xfrm>
-      </p:grpSpPr>
-      <p:sp>
-        <p:nvSpPr>
-          <p:cNvPr id="2" name="object 2"/>
-          <p:cNvSpPr txBox="1">
-            <a:spLocks noGrp="1"/>
-          </p:cNvSpPr>
-          <p:nvPr>
-            <p:ph type="title"/>
-          </p:nvPr>
-        </p:nvSpPr>
-        <p:spPr>
-          <a:xfrm>
-            <a:off x="516243" y="331220"/>
-            <a:ext cx="8111513" cy="765721"/>
-          </a:xfrm>
-          <a:prstGeom prst="rect">
-            <a:avLst/>
-          </a:prstGeom>
-        </p:spPr>
-        <p:txBody>
-          <a:bodyPr spcFirstLastPara="1" vert="horz" wrap="square" lIns="0" tIns="196976" rIns="0" bIns="0" rtlCol="0" anchor="b" anchorCtr="0">
-            <a:spAutoFit/>
-          </a:bodyPr>
-          <a:lstStyle/>
-          <a:p>
-            <a:pPr marL="93821">
-              <a:spcBef>
-                <a:spcPts val="75"/>
-              </a:spcBef>
-            </a:pPr>
-            <a:r>
-              <a:rPr dirty="0"/>
-              <a:t>DOM</a:t>
-            </a:r>
-            <a:r>
-              <a:rPr spc="-23" dirty="0"/>
-              <a:t> </a:t>
-            </a:r>
-            <a:r>
-              <a:rPr spc="-8" dirty="0"/>
-              <a:t>Manipulation</a:t>
-            </a:r>
-            <a:r>
-              <a:rPr lang="da-DK" spc="-8" dirty="0"/>
-              <a:t>-HTML</a:t>
-            </a:r>
-            <a:endParaRPr dirty="0"/>
-          </a:p>
-        </p:txBody>
-      </p:sp>
-      <p:sp>
-        <p:nvSpPr>
-          <p:cNvPr id="3" name="object 3"/>
-          <p:cNvSpPr txBox="1"/>
-          <p:nvPr/>
-        </p:nvSpPr>
-        <p:spPr>
-          <a:xfrm>
-            <a:off x="630544" y="1667638"/>
-            <a:ext cx="7187089" cy="1535870"/>
-          </a:xfrm>
-          <a:prstGeom prst="rect">
-            <a:avLst/>
-          </a:prstGeom>
-        </p:spPr>
-        <p:txBody>
-          <a:bodyPr vert="horz" wrap="square" lIns="0" tIns="9525" rIns="0" bIns="0" rtlCol="0">
-            <a:spAutoFit/>
-          </a:bodyPr>
-          <a:lstStyle/>
-          <a:p>
-            <a:pPr marL="9525" marR="3810">
-              <a:lnSpc>
-                <a:spcPct val="153700"/>
-              </a:lnSpc>
-              <a:spcBef>
-                <a:spcPts val="75"/>
-              </a:spcBef>
-            </a:pPr>
-            <a:r>
-              <a:rPr sz="1425" spc="-153" dirty="0"/>
-              <a:t>For</a:t>
-            </a:r>
-            <a:r>
-              <a:rPr sz="1425" spc="-116" dirty="0"/>
-              <a:t> </a:t>
-            </a:r>
-            <a:r>
-              <a:rPr sz="1425" spc="-105" dirty="0"/>
-              <a:t>instance,</a:t>
-            </a:r>
-            <a:r>
-              <a:rPr sz="1425" spc="-109" dirty="0"/>
-              <a:t> you </a:t>
-            </a:r>
-            <a:r>
-              <a:rPr sz="1425" spc="-94" dirty="0"/>
-              <a:t>could</a:t>
-            </a:r>
-            <a:r>
-              <a:rPr sz="1425" spc="-105" dirty="0"/>
-              <a:t> </a:t>
-            </a:r>
-            <a:r>
-              <a:rPr sz="1425" spc="-158" dirty="0"/>
-              <a:t>change</a:t>
-            </a:r>
-            <a:r>
-              <a:rPr sz="1425" spc="-113" dirty="0"/>
-              <a:t> </a:t>
-            </a:r>
-            <a:r>
-              <a:rPr sz="1425" spc="-30" dirty="0"/>
-              <a:t>the</a:t>
-            </a:r>
-            <a:r>
-              <a:rPr sz="1425" spc="-116" dirty="0"/>
-              <a:t> </a:t>
-            </a:r>
-            <a:r>
-              <a:rPr sz="1425" spc="-64" dirty="0"/>
-              <a:t>content</a:t>
-            </a:r>
-            <a:r>
-              <a:rPr sz="1425" spc="-109" dirty="0"/>
-              <a:t> </a:t>
-            </a:r>
-            <a:r>
-              <a:rPr sz="1425" dirty="0"/>
-              <a:t>of</a:t>
-            </a:r>
-            <a:r>
-              <a:rPr sz="1425" spc="-116" dirty="0"/>
-              <a:t> </a:t>
-            </a:r>
-            <a:r>
-              <a:rPr sz="1425" spc="-30" dirty="0"/>
-              <a:t>the</a:t>
-            </a:r>
-            <a:r>
-              <a:rPr sz="1425" spc="-113" dirty="0"/>
-              <a:t> </a:t>
-            </a:r>
-            <a:r>
-              <a:rPr sz="1425" spc="-124" dirty="0"/>
-              <a:t>&lt;div&gt;</a:t>
-            </a:r>
-            <a:r>
-              <a:rPr sz="1425" spc="-105" dirty="0"/>
-              <a:t> </a:t>
-            </a:r>
-            <a:r>
-              <a:rPr sz="1425" spc="-19" dirty="0"/>
-              <a:t>in </a:t>
-            </a:r>
-            <a:r>
-              <a:rPr sz="1425" spc="-131" dirty="0"/>
-              <a:t>using</a:t>
-            </a:r>
-            <a:r>
-              <a:rPr sz="1425" spc="-109" dirty="0"/>
-              <a:t> </a:t>
-            </a:r>
-            <a:r>
-              <a:rPr sz="1425" spc="-30" dirty="0"/>
-              <a:t>the</a:t>
-            </a:r>
-            <a:r>
-              <a:rPr sz="1425" spc="-113" dirty="0"/>
-              <a:t> </a:t>
-            </a:r>
-            <a:r>
-              <a:rPr sz="1425" spc="-8" dirty="0"/>
-              <a:t>following:</a:t>
-            </a:r>
-            <a:endParaRPr sz="1425" dirty="0"/>
-          </a:p>
-          <a:p>
-            <a:pPr>
-              <a:spcBef>
-                <a:spcPts val="15"/>
-              </a:spcBef>
-            </a:pPr>
-            <a:endParaRPr sz="1425" dirty="0"/>
-          </a:p>
-          <a:p>
-            <a:pPr marL="466725" marR="812483">
-              <a:lnSpc>
-                <a:spcPct val="121400"/>
-              </a:lnSpc>
-              <a:spcBef>
-                <a:spcPts val="4"/>
-              </a:spcBef>
-            </a:pPr>
-            <a:r>
-              <a:rPr sz="1425" spc="-98" dirty="0"/>
-              <a:t>const</a:t>
-            </a:r>
-            <a:r>
-              <a:rPr sz="1425" spc="-94" dirty="0"/>
-              <a:t> </a:t>
-            </a:r>
-            <a:r>
-              <a:rPr sz="1425" spc="-60" dirty="0"/>
-              <a:t>div</a:t>
-            </a:r>
-            <a:r>
-              <a:rPr sz="1425" spc="-94" dirty="0"/>
-              <a:t> </a:t>
-            </a:r>
-            <a:r>
-              <a:rPr sz="1425" spc="-191" dirty="0"/>
-              <a:t>=</a:t>
-            </a:r>
-            <a:r>
-              <a:rPr sz="1425" spc="-94" dirty="0"/>
-              <a:t> </a:t>
-            </a:r>
-            <a:r>
-              <a:rPr sz="1425" spc="-45" dirty="0" err="1"/>
-              <a:t>document.querySelector</a:t>
-            </a:r>
-            <a:r>
-              <a:rPr sz="1425" spc="-45" dirty="0"/>
-              <a:t>("#main"); </a:t>
-            </a:r>
-            <a:r>
-              <a:rPr sz="1425" spc="-139" dirty="0" err="1"/>
-              <a:t>div.</a:t>
-            </a:r>
-            <a:r>
-              <a:rPr sz="1425" b="1" spc="-139" dirty="0" err="1"/>
-              <a:t>innerHTML</a:t>
-            </a:r>
-            <a:r>
-              <a:rPr sz="1425" b="1" spc="-83" dirty="0"/>
-              <a:t> </a:t>
-            </a:r>
-            <a:r>
-              <a:rPr sz="1425" spc="-191" dirty="0"/>
-              <a:t>=</a:t>
-            </a:r>
-            <a:r>
-              <a:rPr sz="1425" spc="-75" dirty="0"/>
-              <a:t> </a:t>
-            </a:r>
-            <a:r>
-              <a:rPr sz="1425" spc="-105" dirty="0"/>
-              <a:t>'&lt;a</a:t>
-            </a:r>
-            <a:r>
-              <a:rPr sz="1425" spc="-86" dirty="0"/>
-              <a:t> </a:t>
-            </a:r>
-            <a:r>
-              <a:rPr sz="1425" spc="-75" dirty="0" err="1"/>
-              <a:t>href</a:t>
-            </a:r>
-            <a:r>
-              <a:rPr sz="1425" spc="-75" dirty="0"/>
-              <a:t>="#"&gt;&lt;</a:t>
-            </a:r>
-            <a:r>
-              <a:rPr sz="1425" spc="-75" dirty="0" err="1"/>
-              <a:t>img</a:t>
-            </a:r>
-            <a:r>
-              <a:rPr sz="1425" spc="-86" dirty="0"/>
-              <a:t> </a:t>
-            </a:r>
-            <a:r>
-              <a:rPr sz="1425" spc="-60" dirty="0" err="1"/>
-              <a:t>src</a:t>
-            </a:r>
-            <a:r>
-              <a:rPr sz="1425" spc="-60" dirty="0"/>
-              <a:t>="</a:t>
-            </a:r>
-            <a:r>
-              <a:rPr sz="1425" spc="-60" dirty="0" err="1"/>
-              <a:t>ab.gif</a:t>
-            </a:r>
-            <a:r>
-              <a:rPr sz="1425" spc="-60" dirty="0"/>
-              <a:t>"&gt;&lt;/a&gt;’;</a:t>
-            </a:r>
-            <a:endParaRPr sz="1425" dirty="0"/>
-          </a:p>
-          <a:p>
-            <a:pPr>
-              <a:spcBef>
-                <a:spcPts val="8"/>
-              </a:spcBef>
-            </a:pPr>
-            <a:endParaRPr sz="1425" dirty="0"/>
-          </a:p>
-          <a:p>
-            <a:pPr marL="9525"/>
-            <a:r>
-              <a:rPr sz="1425" spc="-165" dirty="0"/>
-              <a:t>This</a:t>
-            </a:r>
-            <a:r>
-              <a:rPr sz="1425" spc="-109" dirty="0"/>
-              <a:t> </a:t>
-            </a:r>
-            <a:r>
-              <a:rPr sz="1425" spc="-127" dirty="0"/>
-              <a:t>replaces</a:t>
-            </a:r>
-            <a:r>
-              <a:rPr sz="1425" spc="-105" dirty="0"/>
-              <a:t> </a:t>
-            </a:r>
-            <a:r>
-              <a:rPr sz="1425" spc="-30" dirty="0"/>
-              <a:t>the</a:t>
-            </a:r>
-            <a:r>
-              <a:rPr sz="1425" spc="-105" dirty="0"/>
-              <a:t> existing</a:t>
-            </a:r>
-            <a:r>
-              <a:rPr sz="1425" spc="-101" dirty="0"/>
-              <a:t> </a:t>
-            </a:r>
-            <a:r>
-              <a:rPr sz="1425" spc="-64" dirty="0"/>
-              <a:t>content</a:t>
-            </a:r>
-            <a:r>
-              <a:rPr sz="1425" spc="-101" dirty="0"/>
-              <a:t> </a:t>
-            </a:r>
-            <a:r>
-              <a:rPr sz="1425" dirty="0"/>
-              <a:t>with</a:t>
-            </a:r>
-            <a:r>
-              <a:rPr sz="1425" spc="-98" dirty="0"/>
-              <a:t> </a:t>
-            </a:r>
-            <a:r>
-              <a:rPr sz="1425" spc="-30" dirty="0"/>
-              <a:t>the</a:t>
-            </a:r>
-            <a:r>
-              <a:rPr sz="1425" spc="-109" dirty="0"/>
-              <a:t> </a:t>
-            </a:r>
-            <a:r>
-              <a:rPr sz="1425" spc="-98" dirty="0"/>
-              <a:t>new</a:t>
-            </a:r>
-            <a:r>
-              <a:rPr sz="1425" spc="-105" dirty="0"/>
-              <a:t> </a:t>
-            </a:r>
-            <a:r>
-              <a:rPr sz="1425" spc="-8" dirty="0"/>
-              <a:t>content.</a:t>
-            </a:r>
-            <a:endParaRPr sz="1425" dirty="0"/>
-          </a:p>
-        </p:txBody>
-      </p:sp>
-    </p:spTree>
-    <p:extLst>
-      <p:ext uri="{BB962C8B-B14F-4D97-AF65-F5344CB8AC3E}">
-        <p14:creationId xmlns:p14="http://schemas.microsoft.com/office/powerpoint/2010/main" val="389533580"/>
-      </p:ext>
-    </p:extLst>
-  </p:cSld>
-  <p:clrMapOvr>
-    <a:masterClrMapping/>
-  </p:clrMapOvr>
-</p:sld>
-</file>
-
-<file path=ppt/slides/slide15.xml><?xml version="1.0" encoding="utf-8"?>
-<p:sld xmlns:a="http://schemas.openxmlformats.org/drawingml/2006/main" xmlns:r="http://schemas.openxmlformats.org/officeDocument/2006/relationships" xmlns:p="http://schemas.openxmlformats.org/presentationml/2006/main">
-  <p:cSld>
-    <p:spTree>
-      <p:nvGrpSpPr>
-        <p:cNvPr id="1" name=""/>
-        <p:cNvGrpSpPr/>
-        <p:nvPr/>
-      </p:nvGrpSpPr>
-      <p:grpSpPr>
-        <a:xfrm>
-          <a:off x="0" y="0"/>
-          <a:ext cx="0" cy="0"/>
-          <a:chOff x="0" y="0"/>
-          <a:chExt cx="0" cy="0"/>
-        </a:xfrm>
-      </p:grpSpPr>
-      <p:sp>
-        <p:nvSpPr>
-          <p:cNvPr id="2" name="object 2"/>
-          <p:cNvSpPr txBox="1">
-            <a:spLocks noGrp="1"/>
-          </p:cNvSpPr>
-          <p:nvPr>
-            <p:ph type="title"/>
-          </p:nvPr>
-        </p:nvSpPr>
-        <p:spPr>
-          <a:xfrm>
-            <a:off x="342900" y="161926"/>
-            <a:ext cx="6172200" cy="576440"/>
-          </a:xfrm>
-          <a:prstGeom prst="rect">
-            <a:avLst/>
-          </a:prstGeom>
-        </p:spPr>
-        <p:txBody>
-          <a:bodyPr spcFirstLastPara="1" vert="horz" wrap="square" lIns="0" tIns="9525" rIns="0" bIns="0" rtlCol="0" anchor="b" anchorCtr="0">
-            <a:spAutoFit/>
-          </a:bodyPr>
-          <a:lstStyle/>
-          <a:p>
-            <a:pPr marL="9525">
-              <a:spcBef>
-                <a:spcPts val="75"/>
-              </a:spcBef>
-            </a:pPr>
-            <a:r>
               <a:rPr dirty="0"/>
               <a:t>DOM Manipulation</a:t>
             </a:r>
@@ -24077,7 +22424,7 @@
 </p:sld>
 </file>
 
-<file path=ppt/slides/slide16.xml><?xml version="1.0" encoding="utf-8"?>
+<file path=ppt/slides/slide11.xml><?xml version="1.0" encoding="utf-8"?>
 <p:sld xmlns:a="http://schemas.openxmlformats.org/drawingml/2006/main" xmlns:r="http://schemas.openxmlformats.org/officeDocument/2006/relationships" xmlns:p="http://schemas.openxmlformats.org/presentationml/2006/main">
   <p:cSld>
     <p:spTree>
@@ -24166,7 +22513,7 @@
 </p:sld>
 </file>
 
-<file path=ppt/slides/slide17.xml><?xml version="1.0" encoding="utf-8"?>
+<file path=ppt/slides/slide12.xml><?xml version="1.0" encoding="utf-8"?>
 <p:sld xmlns:a="http://schemas.openxmlformats.org/drawingml/2006/main" xmlns:r="http://schemas.openxmlformats.org/officeDocument/2006/relationships" xmlns:p="http://schemas.openxmlformats.org/presentationml/2006/main">
   <p:cSld>
     <p:spTree>
@@ -24728,7 +23075,7 @@
 </p:sld>
 </file>
 
-<file path=ppt/slides/slide18.xml><?xml version="1.0" encoding="utf-8"?>
+<file path=ppt/slides/slide13.xml><?xml version="1.0" encoding="utf-8"?>
 <p:sld xmlns:a="http://schemas.openxmlformats.org/drawingml/2006/main" xmlns:r="http://schemas.openxmlformats.org/officeDocument/2006/relationships" xmlns:p="http://schemas.openxmlformats.org/presentationml/2006/main">
   <p:cSld>
     <p:spTree>
@@ -24826,7 +23173,7 @@
 </p:sld>
 </file>
 
-<file path=ppt/slides/slide19.xml><?xml version="1.0" encoding="utf-8"?>
+<file path=ppt/slides/slide14.xml><?xml version="1.0" encoding="utf-8"?>
 <p:sld xmlns:a="http://schemas.openxmlformats.org/drawingml/2006/main" xmlns:r="http://schemas.openxmlformats.org/officeDocument/2006/relationships" xmlns:p="http://schemas.openxmlformats.org/presentationml/2006/main">
   <p:cSld>
     <p:spTree>
@@ -25158,122 +23505,7 @@
 </p:sld>
 </file>
 
-<file path=ppt/slides/slide2.xml><?xml version="1.0" encoding="utf-8"?>
-<p:sld xmlns:a="http://schemas.openxmlformats.org/drawingml/2006/main" xmlns:r="http://schemas.openxmlformats.org/officeDocument/2006/relationships" xmlns:p="http://schemas.openxmlformats.org/presentationml/2006/main">
-  <p:cSld>
-    <p:spTree>
-      <p:nvGrpSpPr>
-        <p:cNvPr id="1" name=""/>
-        <p:cNvGrpSpPr/>
-        <p:nvPr/>
-      </p:nvGrpSpPr>
-      <p:grpSpPr>
-        <a:xfrm>
-          <a:off x="0" y="0"/>
-          <a:ext cx="0" cy="0"/>
-          <a:chOff x="0" y="0"/>
-          <a:chExt cx="0" cy="0"/>
-        </a:xfrm>
-      </p:grpSpPr>
-      <p:sp>
-        <p:nvSpPr>
-          <p:cNvPr id="2" name="Title 1">
-            <a:extLst>
-              <a:ext uri="{FF2B5EF4-FFF2-40B4-BE49-F238E27FC236}">
-                <a16:creationId xmlns:a16="http://schemas.microsoft.com/office/drawing/2014/main" id="{3F01195E-E5B0-48E7-9B70-B2B11C432071}"/>
-              </a:ext>
-            </a:extLst>
-          </p:cNvPr>
-          <p:cNvSpPr>
-            <a:spLocks noGrp="1"/>
-          </p:cNvSpPr>
-          <p:nvPr>
-            <p:ph type="title"/>
-          </p:nvPr>
-        </p:nvSpPr>
-        <p:spPr/>
-        <p:txBody>
-          <a:bodyPr/>
-          <a:lstStyle/>
-          <a:p>
-            <a:r>
-              <a:rPr lang="en-CA" dirty="0"/>
-              <a:t>Functions</a:t>
-            </a:r>
-          </a:p>
-        </p:txBody>
-      </p:sp>
-      <p:sp>
-        <p:nvSpPr>
-          <p:cNvPr id="3" name="Text Placeholder 2">
-            <a:extLst>
-              <a:ext uri="{FF2B5EF4-FFF2-40B4-BE49-F238E27FC236}">
-                <a16:creationId xmlns:a16="http://schemas.microsoft.com/office/drawing/2014/main" id="{4B327BEF-1C34-4764-A969-7879DCF360D5}"/>
-              </a:ext>
-            </a:extLst>
-          </p:cNvPr>
-          <p:cNvSpPr>
-            <a:spLocks noGrp="1"/>
-          </p:cNvSpPr>
-          <p:nvPr>
-            <p:ph type="body" idx="1"/>
-          </p:nvPr>
-        </p:nvSpPr>
-        <p:spPr/>
-        <p:txBody>
-          <a:bodyPr/>
-          <a:lstStyle/>
-          <a:p>
-            <a:pPr marL="114300" indent="0">
-              <a:buNone/>
-            </a:pPr>
-            <a:r>
-              <a:rPr lang="en-US" sz="1800" b="1" dirty="0">
-                <a:solidFill>
-                  <a:srgbClr val="009A9A"/>
-                </a:solidFill>
-                <a:latin typeface="+mj-lt"/>
-              </a:rPr>
-              <a:t>Functions</a:t>
-            </a:r>
-            <a:r>
-              <a:rPr lang="en-US" sz="1800" dirty="0"/>
-              <a:t> are defined by using the reserved word </a:t>
-            </a:r>
-            <a:r>
-              <a:rPr lang="en-US" sz="1800" b="1" dirty="0"/>
-              <a:t>function</a:t>
-            </a:r>
-            <a:r>
-              <a:rPr lang="en-US" sz="1800" dirty="0"/>
-              <a:t> and then the function name and (optional) parameters. </a:t>
-            </a:r>
-          </a:p>
-          <a:p>
-            <a:pPr marL="114300" indent="0">
-              <a:buNone/>
-            </a:pPr>
-            <a:r>
-              <a:rPr lang="en-US" sz="1800" dirty="0"/>
-              <a:t>Functions do not require a return type, nor do the parameters require type specifications.</a:t>
-            </a:r>
-          </a:p>
-        </p:txBody>
-      </p:sp>
-    </p:spTree>
-    <p:extLst>
-      <p:ext uri="{BB962C8B-B14F-4D97-AF65-F5344CB8AC3E}">
-        <p14:creationId xmlns:p14="http://schemas.microsoft.com/office/powerpoint/2010/main" val="3152640866"/>
-      </p:ext>
-    </p:extLst>
-  </p:cSld>
-  <p:clrMapOvr>
-    <a:masterClrMapping/>
-  </p:clrMapOvr>
-</p:sld>
-</file>
-
-<file path=ppt/slides/slide20.xml><?xml version="1.0" encoding="utf-8"?>
+<file path=ppt/slides/slide15.xml><?xml version="1.0" encoding="utf-8"?>
 <p:sld xmlns:a="http://schemas.openxmlformats.org/drawingml/2006/main" xmlns:r="http://schemas.openxmlformats.org/officeDocument/2006/relationships" xmlns:p="http://schemas.openxmlformats.org/presentationml/2006/main">
   <p:cSld>
     <p:spTree>
@@ -26005,7 +24237,7 @@
 </p:sld>
 </file>
 
-<file path=ppt/slides/slide21.xml><?xml version="1.0" encoding="utf-8"?>
+<file path=ppt/slides/slide16.xml><?xml version="1.0" encoding="utf-8"?>
 <p:sld xmlns:a="http://schemas.openxmlformats.org/drawingml/2006/main" xmlns:r="http://schemas.openxmlformats.org/officeDocument/2006/relationships" xmlns:p="http://schemas.openxmlformats.org/presentationml/2006/main">
   <p:cSld>
     <p:spTree>
@@ -26649,7 +24881,7 @@
 </p:sld>
 </file>
 
-<file path=ppt/slides/slide22.xml><?xml version="1.0" encoding="utf-8"?>
+<file path=ppt/slides/slide17.xml><?xml version="1.0" encoding="utf-8"?>
 <p:sld xmlns:a="http://schemas.openxmlformats.org/drawingml/2006/main" xmlns:r="http://schemas.openxmlformats.org/officeDocument/2006/relationships" xmlns:p="http://schemas.openxmlformats.org/presentationml/2006/main">
   <p:cSld>
     <p:spTree>
@@ -26770,7 +25002,7 @@
 </p:sld>
 </file>
 
-<file path=ppt/slides/slide23.xml><?xml version="1.0" encoding="utf-8"?>
+<file path=ppt/slides/slide18.xml><?xml version="1.0" encoding="utf-8"?>
 <p:sld xmlns:a="http://schemas.openxmlformats.org/drawingml/2006/main" xmlns:r="http://schemas.openxmlformats.org/officeDocument/2006/relationships" xmlns:p="http://schemas.openxmlformats.org/presentationml/2006/main">
   <p:cSld>
     <p:spTree>
@@ -27913,7 +26145,7 @@
 </p:sld>
 </file>
 
-<file path=ppt/slides/slide24.xml><?xml version="1.0" encoding="utf-8"?>
+<file path=ppt/slides/slide19.xml><?xml version="1.0" encoding="utf-8"?>
 <p:sld xmlns:a="http://schemas.openxmlformats.org/drawingml/2006/main" xmlns:r="http://schemas.openxmlformats.org/officeDocument/2006/relationships" xmlns:p="http://schemas.openxmlformats.org/presentationml/2006/main">
   <p:cSld>
     <p:spTree>
@@ -28026,7 +26258,477 @@
 </p:sld>
 </file>
 
-<file path=ppt/slides/slide25.xml><?xml version="1.0" encoding="utf-8"?>
+<file path=ppt/slides/slide2.xml><?xml version="1.0" encoding="utf-8"?>
+<p:sld xmlns:a="http://schemas.openxmlformats.org/drawingml/2006/main" xmlns:r="http://schemas.openxmlformats.org/officeDocument/2006/relationships" xmlns:p="http://schemas.openxmlformats.org/presentationml/2006/main">
+  <p:cSld>
+    <p:spTree>
+      <p:nvGrpSpPr>
+        <p:cNvPr id="1" name=""/>
+        <p:cNvGrpSpPr/>
+        <p:nvPr/>
+      </p:nvGrpSpPr>
+      <p:grpSpPr>
+        <a:xfrm>
+          <a:off x="0" y="0"/>
+          <a:ext cx="0" cy="0"/>
+          <a:chOff x="0" y="0"/>
+          <a:chExt cx="0" cy="0"/>
+        </a:xfrm>
+      </p:grpSpPr>
+      <p:sp>
+        <p:nvSpPr>
+          <p:cNvPr id="2" name="object 2"/>
+          <p:cNvSpPr txBox="1">
+            <a:spLocks noGrp="1"/>
+          </p:cNvSpPr>
+          <p:nvPr>
+            <p:ph type="title"/>
+          </p:nvPr>
+        </p:nvSpPr>
+        <p:spPr>
+          <a:xfrm>
+            <a:off x="457200" y="243388"/>
+            <a:ext cx="8229600" cy="741099"/>
+          </a:xfrm>
+          <a:prstGeom prst="rect">
+            <a:avLst/>
+          </a:prstGeom>
+        </p:spPr>
+        <p:txBody>
+          <a:bodyPr spcFirstLastPara="1" vert="horz" wrap="square" lIns="0" tIns="172592" rIns="0" bIns="0" rtlCol="0" anchor="b" anchorCtr="0">
+            <a:spAutoFit/>
+          </a:bodyPr>
+          <a:lstStyle/>
+          <a:p>
+            <a:pPr marL="3471386">
+              <a:buSzPts val="3600"/>
+            </a:pPr>
+            <a:r>
+              <a:rPr dirty="0">
+                <a:sym typeface="Arial"/>
+              </a:rPr>
+              <a:t>DOM</a:t>
+            </a:r>
+          </a:p>
+        </p:txBody>
+      </p:sp>
+      <p:sp>
+        <p:nvSpPr>
+          <p:cNvPr id="3" name="object 3"/>
+          <p:cNvSpPr txBox="1"/>
+          <p:nvPr/>
+        </p:nvSpPr>
+        <p:spPr>
+          <a:xfrm>
+            <a:off x="592456" y="1651635"/>
+            <a:ext cx="3296126" cy="600805"/>
+          </a:xfrm>
+          <a:prstGeom prst="rect">
+            <a:avLst/>
+          </a:prstGeom>
+        </p:spPr>
+        <p:txBody>
+          <a:bodyPr vert="horz" wrap="square" lIns="0" tIns="36195" rIns="0" bIns="0" rtlCol="0">
+            <a:spAutoFit/>
+          </a:bodyPr>
+          <a:lstStyle/>
+          <a:p>
+            <a:pPr marL="9525" marR="3810">
+              <a:lnSpc>
+                <a:spcPts val="2175"/>
+              </a:lnSpc>
+              <a:spcBef>
+                <a:spcPts val="285"/>
+              </a:spcBef>
+            </a:pPr>
+            <a:r>
+              <a:rPr sz="1950" spc="-101"/>
+              <a:t>Når</a:t>
+            </a:r>
+            <a:r>
+              <a:rPr sz="1950" spc="-75"/>
+              <a:t> </a:t>
+            </a:r>
+            <a:r>
+              <a:rPr sz="1950" spc="-83"/>
+              <a:t>browseren </a:t>
+            </a:r>
+            <a:r>
+              <a:rPr sz="1950" spc="-68"/>
+              <a:t>loader</a:t>
+            </a:r>
+            <a:r>
+              <a:rPr sz="1950" spc="-75"/>
+              <a:t> websiden, </a:t>
+            </a:r>
+            <a:r>
+              <a:rPr sz="1950" spc="-116"/>
+              <a:t>skaber</a:t>
+            </a:r>
+            <a:r>
+              <a:rPr sz="1950" spc="-79"/>
+              <a:t> </a:t>
+            </a:r>
+            <a:r>
+              <a:rPr sz="1950" spc="-94"/>
+              <a:t>den</a:t>
+            </a:r>
+            <a:r>
+              <a:rPr sz="1950" spc="-83"/>
+              <a:t> </a:t>
+            </a:r>
+            <a:r>
+              <a:rPr sz="1950" spc="-116"/>
+              <a:t>sidens</a:t>
+            </a:r>
+            <a:r>
+              <a:rPr sz="1950" spc="-83"/>
+              <a:t> </a:t>
+            </a:r>
+            <a:r>
+              <a:rPr sz="1950" spc="139"/>
+              <a:t>'DOM</a:t>
+            </a:r>
+            <a:r>
+              <a:rPr sz="1950" spc="139">
+                <a:latin typeface="Times New Roman"/>
+                <a:cs typeface="Times New Roman"/>
+              </a:rPr>
+              <a:t>’</a:t>
+            </a:r>
+            <a:r>
+              <a:rPr sz="1950" spc="139"/>
+              <a:t>,</a:t>
+            </a:r>
+            <a:endParaRPr sz="1950"/>
+          </a:p>
+        </p:txBody>
+      </p:sp>
+      <p:sp>
+        <p:nvSpPr>
+          <p:cNvPr id="4" name="object 4"/>
+          <p:cNvSpPr txBox="1"/>
+          <p:nvPr/>
+        </p:nvSpPr>
+        <p:spPr>
+          <a:xfrm>
+            <a:off x="592456" y="2250567"/>
+            <a:ext cx="1137761" cy="309700"/>
+          </a:xfrm>
+          <a:prstGeom prst="rect">
+            <a:avLst/>
+          </a:prstGeom>
+        </p:spPr>
+        <p:txBody>
+          <a:bodyPr vert="horz" wrap="square" lIns="0" tIns="9525" rIns="0" bIns="0" rtlCol="0">
+            <a:spAutoFit/>
+          </a:bodyPr>
+          <a:lstStyle/>
+          <a:p>
+            <a:pPr marL="9525">
+              <a:spcBef>
+                <a:spcPts val="75"/>
+              </a:spcBef>
+            </a:pPr>
+            <a:r>
+              <a:rPr sz="1950" spc="-64"/>
+              <a:t>der</a:t>
+            </a:r>
+            <a:r>
+              <a:rPr sz="1950" spc="-79"/>
+              <a:t> </a:t>
+            </a:r>
+            <a:r>
+              <a:rPr sz="1950" spc="-75"/>
+              <a:t>står</a:t>
+            </a:r>
+            <a:r>
+              <a:rPr sz="1950" spc="-79"/>
+              <a:t> </a:t>
+            </a:r>
+            <a:r>
+              <a:rPr sz="1950" spc="-19"/>
+              <a:t>for</a:t>
+            </a:r>
+            <a:endParaRPr sz="1950"/>
+          </a:p>
+        </p:txBody>
+      </p:sp>
+      <p:sp>
+        <p:nvSpPr>
+          <p:cNvPr id="5" name="object 5"/>
+          <p:cNvSpPr txBox="1"/>
+          <p:nvPr/>
+        </p:nvSpPr>
+        <p:spPr>
+          <a:xfrm>
+            <a:off x="1776889" y="2270199"/>
+            <a:ext cx="1049179" cy="294953"/>
+          </a:xfrm>
+          <a:prstGeom prst="rect">
+            <a:avLst/>
+          </a:prstGeom>
+          <a:solidFill>
+            <a:srgbClr val="00FF00"/>
+          </a:solidFill>
+        </p:spPr>
+        <p:txBody>
+          <a:bodyPr vert="horz" wrap="square" lIns="0" tIns="0" rIns="0" bIns="0" rtlCol="0">
+            <a:spAutoFit/>
+          </a:bodyPr>
+          <a:lstStyle/>
+          <a:p>
+            <a:pPr>
+              <a:lnSpc>
+                <a:spcPts val="2261"/>
+              </a:lnSpc>
+            </a:pPr>
+            <a:r>
+              <a:rPr sz="1950" spc="-90" dirty="0"/>
+              <a:t>Document</a:t>
+            </a:r>
+            <a:endParaRPr sz="1950" dirty="0"/>
+          </a:p>
+        </p:txBody>
+      </p:sp>
+      <p:sp>
+        <p:nvSpPr>
+          <p:cNvPr id="6" name="object 6"/>
+          <p:cNvSpPr txBox="1"/>
+          <p:nvPr/>
+        </p:nvSpPr>
+        <p:spPr>
+          <a:xfrm>
+            <a:off x="2825925" y="2270199"/>
+            <a:ext cx="1492091" cy="294953"/>
+          </a:xfrm>
+          <a:prstGeom prst="rect">
+            <a:avLst/>
+          </a:prstGeom>
+          <a:solidFill>
+            <a:srgbClr val="FFFF00"/>
+          </a:solidFill>
+        </p:spPr>
+        <p:txBody>
+          <a:bodyPr vert="horz" wrap="square" lIns="0" tIns="0" rIns="0" bIns="0" rtlCol="0">
+            <a:spAutoFit/>
+          </a:bodyPr>
+          <a:lstStyle/>
+          <a:p>
+            <a:pPr marL="55721">
+              <a:lnSpc>
+                <a:spcPts val="2261"/>
+              </a:lnSpc>
+            </a:pPr>
+            <a:r>
+              <a:rPr sz="1950" spc="-75" dirty="0">
+                <a:highlight>
+                  <a:srgbClr val="00FF00"/>
+                </a:highlight>
+              </a:rPr>
+              <a:t>Object</a:t>
+            </a:r>
+            <a:r>
+              <a:rPr sz="1950" spc="-94" dirty="0">
+                <a:highlight>
+                  <a:srgbClr val="00FF00"/>
+                </a:highlight>
+              </a:rPr>
+              <a:t> </a:t>
+            </a:r>
+            <a:r>
+              <a:rPr sz="1950" spc="-41" dirty="0">
+                <a:highlight>
+                  <a:srgbClr val="00FF00"/>
+                </a:highlight>
+              </a:rPr>
+              <a:t>Model.</a:t>
+            </a:r>
+            <a:endParaRPr sz="1950" dirty="0">
+              <a:highlight>
+                <a:srgbClr val="00FF00"/>
+              </a:highlight>
+            </a:endParaRPr>
+          </a:p>
+        </p:txBody>
+      </p:sp>
+      <p:sp>
+        <p:nvSpPr>
+          <p:cNvPr id="7" name="object 7"/>
+          <p:cNvSpPr txBox="1"/>
+          <p:nvPr/>
+        </p:nvSpPr>
+        <p:spPr>
+          <a:xfrm>
+            <a:off x="592456" y="2575179"/>
+            <a:ext cx="3602831" cy="1171796"/>
+          </a:xfrm>
+          <a:prstGeom prst="rect">
+            <a:avLst/>
+          </a:prstGeom>
+        </p:spPr>
+        <p:txBody>
+          <a:bodyPr vert="horz" wrap="square" lIns="0" tIns="42863" rIns="0" bIns="0" rtlCol="0">
+            <a:spAutoFit/>
+          </a:bodyPr>
+          <a:lstStyle/>
+          <a:p>
+            <a:pPr marL="9525" marR="271939">
+              <a:lnSpc>
+                <a:spcPts val="2108"/>
+              </a:lnSpc>
+              <a:spcBef>
+                <a:spcPts val="338"/>
+              </a:spcBef>
+            </a:pPr>
+            <a:r>
+              <a:rPr sz="1950" spc="-143"/>
+              <a:t>DOM</a:t>
+            </a:r>
+            <a:r>
+              <a:rPr sz="1950" spc="-86"/>
+              <a:t> </a:t>
+            </a:r>
+            <a:r>
+              <a:rPr sz="1950" spc="-53"/>
+              <a:t>er</a:t>
+            </a:r>
+            <a:r>
+              <a:rPr sz="1950" spc="-83"/>
+              <a:t> </a:t>
+            </a:r>
+            <a:r>
+              <a:rPr sz="1950" spc="-101"/>
+              <a:t>en</a:t>
+            </a:r>
+            <a:r>
+              <a:rPr sz="1950" spc="-90"/>
+              <a:t> </a:t>
+            </a:r>
+            <a:r>
+              <a:rPr sz="1950" spc="-34"/>
+              <a:t>struktureret</a:t>
+            </a:r>
+            <a:r>
+              <a:rPr sz="1950" spc="-86"/>
+              <a:t> </a:t>
+            </a:r>
+            <a:r>
+              <a:rPr sz="1950" spc="-71"/>
+              <a:t>model</a:t>
+            </a:r>
+            <a:r>
+              <a:rPr sz="1950" spc="-86"/>
+              <a:t> </a:t>
+            </a:r>
+            <a:r>
+              <a:rPr sz="1950" spc="-19"/>
+              <a:t>af </a:t>
+            </a:r>
+            <a:r>
+              <a:rPr sz="1950" spc="-8"/>
+              <a:t>websiden,</a:t>
+            </a:r>
+            <a:endParaRPr sz="1950"/>
+          </a:p>
+          <a:p>
+            <a:pPr marL="9525" marR="3810" indent="55721">
+              <a:lnSpc>
+                <a:spcPts val="2108"/>
+              </a:lnSpc>
+              <a:spcBef>
+                <a:spcPts val="428"/>
+              </a:spcBef>
+            </a:pPr>
+            <a:r>
+              <a:rPr sz="1950" spc="-101"/>
+              <a:t>en</a:t>
+            </a:r>
+            <a:r>
+              <a:rPr sz="1950" spc="-90"/>
+              <a:t> </a:t>
+            </a:r>
+            <a:r>
+              <a:rPr sz="1950" spc="-56"/>
+              <a:t>træ-</a:t>
+            </a:r>
+            <a:r>
+              <a:rPr sz="1950" spc="-26"/>
+              <a:t>struktur</a:t>
+            </a:r>
+            <a:r>
+              <a:rPr sz="1950" spc="-83"/>
+              <a:t> </a:t>
+            </a:r>
+            <a:r>
+              <a:rPr sz="1950" spc="-86"/>
+              <a:t>opsætning,</a:t>
+            </a:r>
+            <a:r>
+              <a:rPr sz="1950" spc="-83"/>
+              <a:t> </a:t>
+            </a:r>
+            <a:r>
+              <a:rPr sz="1950" spc="-127"/>
+              <a:t>som</a:t>
+            </a:r>
+            <a:r>
+              <a:rPr sz="1950" spc="-90"/>
+              <a:t> </a:t>
+            </a:r>
+            <a:r>
+              <a:rPr sz="1950" spc="-19"/>
+              <a:t>du </a:t>
+            </a:r>
+            <a:r>
+              <a:rPr sz="1950" spc="-94"/>
+              <a:t>kender</a:t>
+            </a:r>
+            <a:r>
+              <a:rPr sz="1950" spc="-83"/>
+              <a:t> </a:t>
+            </a:r>
+            <a:r>
+              <a:rPr sz="1950" spc="-45"/>
+              <a:t>fra</a:t>
+            </a:r>
+            <a:r>
+              <a:rPr sz="1950" spc="-86"/>
+              <a:t> </a:t>
+            </a:r>
+            <a:r>
+              <a:rPr sz="1950" spc="-109"/>
+              <a:t>f.eks.</a:t>
+            </a:r>
+            <a:r>
+              <a:rPr sz="1950" spc="-79"/>
+              <a:t> </a:t>
+            </a:r>
+            <a:r>
+              <a:rPr sz="1950" spc="-83"/>
+              <a:t>Windows</a:t>
+            </a:r>
+            <a:r>
+              <a:rPr sz="1950" spc="-90"/>
+              <a:t> </a:t>
+            </a:r>
+            <a:r>
+              <a:rPr sz="1950" spc="-8"/>
+              <a:t>stifinder.</a:t>
+            </a:r>
+            <a:endParaRPr sz="1950"/>
+          </a:p>
+        </p:txBody>
+      </p:sp>
+    </p:spTree>
+  </p:cSld>
+  <p:clrMapOvr>
+    <a:masterClrMapping/>
+  </p:clrMapOvr>
+</p:sld>
+</file>
+
+<file path=ppt/slides/slide20.xml><?xml version="1.0" encoding="utf-8"?>
 <p:sld xmlns:a="http://schemas.openxmlformats.org/drawingml/2006/main" xmlns:r="http://schemas.openxmlformats.org/officeDocument/2006/relationships" xmlns:p="http://schemas.openxmlformats.org/presentationml/2006/main">
   <p:cSld>
     <p:spTree>
@@ -28128,2161 +26830,6 @@
       </p:grpSpPr>
       <p:sp>
         <p:nvSpPr>
-          <p:cNvPr id="2" name="Title 1">
-            <a:extLst>
-              <a:ext uri="{FF2B5EF4-FFF2-40B4-BE49-F238E27FC236}">
-                <a16:creationId xmlns:a16="http://schemas.microsoft.com/office/drawing/2014/main" id="{1CAAF57E-FE9C-4D59-B34D-0B2717C69875}"/>
-              </a:ext>
-            </a:extLst>
-          </p:cNvPr>
-          <p:cNvSpPr>
-            <a:spLocks noGrp="1"/>
-          </p:cNvSpPr>
-          <p:nvPr>
-            <p:ph type="title"/>
-          </p:nvPr>
-        </p:nvSpPr>
-        <p:spPr/>
-        <p:txBody>
-          <a:bodyPr/>
-          <a:lstStyle/>
-          <a:p>
-            <a:r>
-              <a:rPr lang="en-CA" dirty="0"/>
-              <a:t>Declaring and calling functions</a:t>
-            </a:r>
-          </a:p>
-        </p:txBody>
-      </p:sp>
-      <p:sp>
-        <p:nvSpPr>
-          <p:cNvPr id="3" name="Text Placeholder 2">
-            <a:extLst>
-              <a:ext uri="{FF2B5EF4-FFF2-40B4-BE49-F238E27FC236}">
-                <a16:creationId xmlns:a16="http://schemas.microsoft.com/office/drawing/2014/main" id="{C87C19D0-4FB1-4B30-841A-1D4121876676}"/>
-              </a:ext>
-            </a:extLst>
-          </p:cNvPr>
-          <p:cNvSpPr>
-            <a:spLocks noGrp="1"/>
-          </p:cNvSpPr>
-          <p:nvPr>
-            <p:ph type="body" idx="1"/>
-          </p:nvPr>
-        </p:nvSpPr>
-        <p:spPr/>
-        <p:txBody>
-          <a:bodyPr/>
-          <a:lstStyle/>
-          <a:p>
-            <a:pPr marL="114300" indent="0">
-              <a:buNone/>
-            </a:pPr>
-            <a:r>
-              <a:rPr lang="en-CA" sz="1800" b="0" i="0" u="none" strike="noStrike" baseline="0" dirty="0">
-                <a:latin typeface="+mj-lt"/>
-              </a:rPr>
-              <a:t>A function to calculate a subtotal </a:t>
-            </a:r>
-            <a:r>
-              <a:rPr lang="en-US" sz="1800" b="0" i="0" u="none" strike="noStrike" baseline="0" dirty="0">
-                <a:latin typeface="+mj-lt"/>
-              </a:rPr>
-              <a:t>as the price of a product multiplied by the quantity might be defined as follows:</a:t>
-            </a:r>
-          </a:p>
-          <a:p>
-            <a:pPr marL="571500" lvl="1" indent="0">
-              <a:buNone/>
-            </a:pPr>
-            <a:r>
-              <a:rPr lang="en-CA" sz="1800" b="1" i="0" u="none" strike="noStrike" baseline="0" dirty="0">
-                <a:latin typeface="Calibri" panose="020F0502020204030204" pitchFamily="34" charset="0"/>
-                <a:cs typeface="Calibri" panose="020F0502020204030204" pitchFamily="34" charset="0"/>
-              </a:rPr>
-              <a:t>function subtotal(</a:t>
-            </a:r>
-            <a:r>
-              <a:rPr lang="en-CA" sz="1800" b="1" i="0" u="none" strike="noStrike" baseline="0" dirty="0" err="1">
-                <a:latin typeface="Calibri" panose="020F0502020204030204" pitchFamily="34" charset="0"/>
-                <a:cs typeface="Calibri" panose="020F0502020204030204" pitchFamily="34" charset="0"/>
-              </a:rPr>
-              <a:t>price,quantity</a:t>
-            </a:r>
-            <a:r>
-              <a:rPr lang="en-CA" sz="1800" b="1" i="0" u="none" strike="noStrike" baseline="0" dirty="0">
-                <a:latin typeface="Calibri" panose="020F0502020204030204" pitchFamily="34" charset="0"/>
-                <a:cs typeface="Calibri" panose="020F0502020204030204" pitchFamily="34" charset="0"/>
-              </a:rPr>
-              <a:t>) {</a:t>
-            </a:r>
-          </a:p>
-          <a:p>
-            <a:pPr marL="571500" lvl="1" indent="0">
-              <a:buNone/>
-            </a:pPr>
-            <a:r>
-              <a:rPr lang="en-CA" sz="1800" b="1" i="0" u="none" strike="noStrike" baseline="0" dirty="0">
-                <a:latin typeface="Calibri" panose="020F0502020204030204" pitchFamily="34" charset="0"/>
-                <a:cs typeface="Calibri" panose="020F0502020204030204" pitchFamily="34" charset="0"/>
-              </a:rPr>
-              <a:t>	return price * quantity;</a:t>
-            </a:r>
-          </a:p>
-          <a:p>
-            <a:pPr marL="571500" lvl="1" indent="0">
-              <a:buNone/>
-            </a:pPr>
-            <a:r>
-              <a:rPr lang="en-CA" sz="1800" b="1" i="0" u="none" strike="noStrike" baseline="0" dirty="0">
-                <a:latin typeface="Calibri" panose="020F0502020204030204" pitchFamily="34" charset="0"/>
-                <a:cs typeface="Calibri" panose="020F0502020204030204" pitchFamily="34" charset="0"/>
-              </a:rPr>
-              <a:t>}</a:t>
-            </a:r>
-            <a:endParaRPr lang="en-CA" sz="1800" b="1" dirty="0">
-              <a:latin typeface="Calibri" panose="020F0502020204030204" pitchFamily="34" charset="0"/>
-              <a:cs typeface="Calibri" panose="020F0502020204030204" pitchFamily="34" charset="0"/>
-            </a:endParaRPr>
-          </a:p>
-          <a:p>
-            <a:pPr marL="114300" indent="0" algn="l">
-              <a:buNone/>
-            </a:pPr>
-            <a:r>
-              <a:rPr lang="en-US" sz="1800" b="0" i="0" u="none" strike="noStrike" baseline="0" dirty="0">
-                <a:solidFill>
-                  <a:srgbClr val="000000"/>
-                </a:solidFill>
-                <a:latin typeface="+mj-lt"/>
-              </a:rPr>
-              <a:t>The above is formally called a </a:t>
-            </a:r>
-            <a:r>
-              <a:rPr lang="en-US" sz="1800" b="1" i="0" u="none" strike="noStrike" baseline="0" dirty="0">
-                <a:solidFill>
-                  <a:srgbClr val="009A9A"/>
-                </a:solidFill>
-                <a:latin typeface="+mj-lt"/>
-              </a:rPr>
-              <a:t>function declaration</a:t>
-            </a:r>
-            <a:r>
-              <a:rPr lang="en-US" sz="1800" b="0" i="0" u="none" strike="noStrike" baseline="0" dirty="0">
-                <a:solidFill>
-                  <a:srgbClr val="000000"/>
-                </a:solidFill>
-                <a:latin typeface="+mj-lt"/>
-              </a:rPr>
-              <a:t>. Such a declared function can be called or </a:t>
-            </a:r>
-            <a:r>
-              <a:rPr lang="en-US" sz="1800" b="0" i="1" u="none" strike="noStrike" baseline="0" dirty="0">
-                <a:solidFill>
-                  <a:srgbClr val="000000"/>
-                </a:solidFill>
-                <a:latin typeface="+mj-lt"/>
-              </a:rPr>
-              <a:t>invoked </a:t>
-            </a:r>
-            <a:r>
-              <a:rPr lang="en-US" sz="1800" b="0" i="0" u="none" strike="noStrike" baseline="0" dirty="0">
-                <a:solidFill>
-                  <a:srgbClr val="000000"/>
-                </a:solidFill>
-                <a:latin typeface="+mj-lt"/>
-              </a:rPr>
-              <a:t>by using the </a:t>
-            </a:r>
-            <a:r>
-              <a:rPr lang="en-US" sz="1800" b="0" i="0" u="none" strike="noStrike" baseline="0" dirty="0">
-                <a:solidFill>
-                  <a:srgbClr val="FF0000"/>
-                </a:solidFill>
-                <a:latin typeface="+mj-lt"/>
-              </a:rPr>
-              <a:t>()</a:t>
-            </a:r>
-            <a:r>
-              <a:rPr lang="en-US" sz="1800" b="0" i="0" u="none" strike="noStrike" baseline="0" dirty="0">
-                <a:solidFill>
-                  <a:srgbClr val="000000"/>
-                </a:solidFill>
-                <a:latin typeface="+mj-lt"/>
-              </a:rPr>
-              <a:t> operator.</a:t>
-            </a:r>
-          </a:p>
-          <a:p>
-            <a:pPr marL="571500" lvl="1" indent="0">
-              <a:buNone/>
-            </a:pPr>
-            <a:r>
-              <a:rPr lang="en-CA" sz="1800" b="1" dirty="0">
-                <a:latin typeface="Calibri" panose="020F0502020204030204" pitchFamily="34" charset="0"/>
-                <a:cs typeface="Calibri" panose="020F0502020204030204" pitchFamily="34" charset="0"/>
-              </a:rPr>
-              <a:t>let result = subtotal(10,2);</a:t>
-            </a:r>
-          </a:p>
-        </p:txBody>
-      </p:sp>
-    </p:spTree>
-    <p:extLst>
-      <p:ext uri="{BB962C8B-B14F-4D97-AF65-F5344CB8AC3E}">
-        <p14:creationId xmlns:p14="http://schemas.microsoft.com/office/powerpoint/2010/main" val="481129186"/>
-      </p:ext>
-    </p:extLst>
-  </p:cSld>
-  <p:clrMapOvr>
-    <a:masterClrMapping/>
-  </p:clrMapOvr>
-</p:sld>
-</file>
-
-<file path=ppt/slides/slide4.xml><?xml version="1.0" encoding="utf-8"?>
-<p:sld xmlns:a="http://schemas.openxmlformats.org/drawingml/2006/main" xmlns:r="http://schemas.openxmlformats.org/officeDocument/2006/relationships" xmlns:p="http://schemas.openxmlformats.org/presentationml/2006/main">
-  <p:cSld>
-    <p:spTree>
-      <p:nvGrpSpPr>
-        <p:cNvPr id="1" name=""/>
-        <p:cNvGrpSpPr/>
-        <p:nvPr/>
-      </p:nvGrpSpPr>
-      <p:grpSpPr>
-        <a:xfrm>
-          <a:off x="0" y="0"/>
-          <a:ext cx="0" cy="0"/>
-          <a:chOff x="0" y="0"/>
-          <a:chExt cx="0" cy="0"/>
-        </a:xfrm>
-      </p:grpSpPr>
-      <p:sp>
-        <p:nvSpPr>
-          <p:cNvPr id="2" name="Title 1">
-            <a:extLst>
-              <a:ext uri="{FF2B5EF4-FFF2-40B4-BE49-F238E27FC236}">
-                <a16:creationId xmlns:a16="http://schemas.microsoft.com/office/drawing/2014/main" id="{37AC09DD-F244-49C3-B8CA-895DB3BBB839}"/>
-              </a:ext>
-            </a:extLst>
-          </p:cNvPr>
-          <p:cNvSpPr>
-            <a:spLocks noGrp="1"/>
-          </p:cNvSpPr>
-          <p:nvPr>
-            <p:ph type="title"/>
-          </p:nvPr>
-        </p:nvSpPr>
-        <p:spPr/>
-        <p:txBody>
-          <a:bodyPr/>
-          <a:lstStyle/>
-          <a:p>
-            <a:r>
-              <a:rPr lang="en-CA" dirty="0"/>
-              <a:t>Function expressions</a:t>
-            </a:r>
-          </a:p>
-        </p:txBody>
-      </p:sp>
-      <p:sp>
-        <p:nvSpPr>
-          <p:cNvPr id="3" name="Text Placeholder 2">
-            <a:extLst>
-              <a:ext uri="{FF2B5EF4-FFF2-40B4-BE49-F238E27FC236}">
-                <a16:creationId xmlns:a16="http://schemas.microsoft.com/office/drawing/2014/main" id="{FC90E4E0-8E74-40E7-A3C4-092B64756FE3}"/>
-              </a:ext>
-            </a:extLst>
-          </p:cNvPr>
-          <p:cNvSpPr>
-            <a:spLocks noGrp="1"/>
-          </p:cNvSpPr>
-          <p:nvPr>
-            <p:ph type="body" idx="1"/>
-          </p:nvPr>
-        </p:nvSpPr>
-        <p:spPr>
-          <a:xfrm>
-            <a:off x="457201" y="1081088"/>
-            <a:ext cx="3338944" cy="3532476"/>
-          </a:xfrm>
-        </p:spPr>
-        <p:txBody>
-          <a:bodyPr/>
-          <a:lstStyle/>
-          <a:p>
-            <a:pPr marL="114300" indent="0" algn="l">
-              <a:buNone/>
-            </a:pPr>
-            <a:r>
-              <a:rPr lang="en-US" b="0" i="0" u="none" strike="noStrike" baseline="0" dirty="0">
-                <a:solidFill>
-                  <a:srgbClr val="000000"/>
-                </a:solidFill>
-                <a:latin typeface="+mj-lt"/>
-              </a:rPr>
-              <a:t>The object nature of functions can be further seen in the next example, which creates a function using a </a:t>
-            </a:r>
-            <a:r>
-              <a:rPr lang="en-US" b="1" i="0" u="none" strike="noStrike" baseline="0" dirty="0">
-                <a:solidFill>
-                  <a:srgbClr val="009A9A"/>
-                </a:solidFill>
-                <a:latin typeface="+mj-lt"/>
-              </a:rPr>
-              <a:t>function expression</a:t>
-            </a:r>
-            <a:r>
-              <a:rPr lang="en-US" b="0" i="0" u="none" strike="noStrike" baseline="0" dirty="0">
-                <a:solidFill>
-                  <a:srgbClr val="000000"/>
-                </a:solidFill>
-                <a:latin typeface="+mj-lt"/>
-              </a:rPr>
-              <a:t>.</a:t>
-            </a:r>
-          </a:p>
-          <a:p>
-            <a:pPr marL="114300" indent="0" algn="l">
-              <a:buNone/>
-            </a:pPr>
-            <a:r>
-              <a:rPr lang="da-DK" dirty="0">
-                <a:solidFill>
-                  <a:srgbClr val="000000"/>
-                </a:solidFill>
-                <a:latin typeface="+mj-lt"/>
-              </a:rPr>
-              <a:t> </a:t>
-            </a:r>
-            <a:endParaRPr lang="en-CA" sz="1400" dirty="0">
-              <a:latin typeface="+mj-lt"/>
-            </a:endParaRPr>
-          </a:p>
-        </p:txBody>
-      </p:sp>
-      <p:sp>
-        <p:nvSpPr>
-          <p:cNvPr id="4" name="TextBox 3" descr="LISTING 4.2 Embedded styles example">
-            <a:extLst>
-              <a:ext uri="{FF2B5EF4-FFF2-40B4-BE49-F238E27FC236}">
-                <a16:creationId xmlns:a16="http://schemas.microsoft.com/office/drawing/2014/main" id="{210D9829-80CE-47F6-AE89-43594570E1AA}"/>
-              </a:ext>
-            </a:extLst>
-          </p:cNvPr>
-          <p:cNvSpPr txBox="1"/>
-          <p:nvPr/>
-        </p:nvSpPr>
-        <p:spPr>
-          <a:xfrm>
-            <a:off x="3796145" y="1081087"/>
-            <a:ext cx="4890656" cy="2981325"/>
-          </a:xfrm>
-          <a:prstGeom prst="rect">
-            <a:avLst/>
-          </a:prstGeom>
-          <a:solidFill>
-            <a:srgbClr val="E6F0F5"/>
-          </a:solidFill>
-        </p:spPr>
-        <p:txBody>
-          <a:bodyPr wrap="square" numCol="1" rtlCol="0">
-            <a:noAutofit/>
-          </a:bodyPr>
-          <a:lstStyle/>
-          <a:p>
-            <a:pPr algn="l"/>
-            <a:r>
-              <a:rPr lang="en-US" b="0" i="1" u="none" strike="noStrike" baseline="0" dirty="0">
-                <a:solidFill>
-                  <a:schemeClr val="tx1"/>
-                </a:solidFill>
-                <a:latin typeface="Calibri" panose="020F0502020204030204" pitchFamily="34" charset="0"/>
-                <a:cs typeface="Calibri" panose="020F0502020204030204" pitchFamily="34" charset="0"/>
-              </a:rPr>
-              <a:t>// defines a function using an anonymous function expression</a:t>
-            </a:r>
-          </a:p>
-          <a:p>
-            <a:pPr algn="l"/>
-            <a:r>
-              <a:rPr lang="en-CA" b="0" i="0" u="none" strike="noStrike" baseline="0" dirty="0">
-                <a:solidFill>
-                  <a:schemeClr val="tx1"/>
-                </a:solidFill>
-                <a:latin typeface="Calibri" panose="020F0502020204030204" pitchFamily="34" charset="0"/>
-                <a:cs typeface="Calibri" panose="020F0502020204030204" pitchFamily="34" charset="0"/>
-              </a:rPr>
-              <a:t>const </a:t>
-            </a:r>
-            <a:r>
-              <a:rPr lang="en-CA" b="0" i="0" u="none" strike="noStrike" baseline="0" dirty="0" err="1">
-                <a:solidFill>
-                  <a:srgbClr val="7030A0"/>
-                </a:solidFill>
-                <a:latin typeface="Calibri" panose="020F0502020204030204" pitchFamily="34" charset="0"/>
-                <a:cs typeface="Calibri" panose="020F0502020204030204" pitchFamily="34" charset="0"/>
-              </a:rPr>
-              <a:t>calculateSubtotal</a:t>
-            </a:r>
-            <a:r>
-              <a:rPr lang="en-CA" b="0" i="0" u="none" strike="noStrike" baseline="0" dirty="0">
-                <a:solidFill>
-                  <a:schemeClr val="tx1"/>
-                </a:solidFill>
-                <a:latin typeface="Calibri" panose="020F0502020204030204" pitchFamily="34" charset="0"/>
-                <a:cs typeface="Calibri" panose="020F0502020204030204" pitchFamily="34" charset="0"/>
-              </a:rPr>
-              <a:t> = function (</a:t>
-            </a:r>
-            <a:r>
-              <a:rPr lang="en-CA" b="0" i="0" u="none" strike="noStrike" baseline="0" dirty="0" err="1">
-                <a:solidFill>
-                  <a:schemeClr val="tx1"/>
-                </a:solidFill>
-                <a:latin typeface="Calibri" panose="020F0502020204030204" pitchFamily="34" charset="0"/>
-                <a:cs typeface="Calibri" panose="020F0502020204030204" pitchFamily="34" charset="0"/>
-              </a:rPr>
-              <a:t>price,quantity</a:t>
-            </a:r>
-            <a:r>
-              <a:rPr lang="en-CA" b="0" i="0" u="none" strike="noStrike" baseline="0" dirty="0">
-                <a:solidFill>
-                  <a:schemeClr val="tx1"/>
-                </a:solidFill>
-                <a:latin typeface="Calibri" panose="020F0502020204030204" pitchFamily="34" charset="0"/>
-                <a:cs typeface="Calibri" panose="020F0502020204030204" pitchFamily="34" charset="0"/>
-              </a:rPr>
-              <a:t>) {</a:t>
-            </a:r>
-          </a:p>
-          <a:p>
-            <a:pPr algn="l"/>
-            <a:r>
-              <a:rPr lang="en-CA" b="0" i="0" u="none" strike="noStrike" baseline="0" dirty="0">
-                <a:solidFill>
-                  <a:schemeClr val="tx1"/>
-                </a:solidFill>
-                <a:latin typeface="Calibri" panose="020F0502020204030204" pitchFamily="34" charset="0"/>
-                <a:cs typeface="Calibri" panose="020F0502020204030204" pitchFamily="34" charset="0"/>
-              </a:rPr>
-              <a:t>	return price * quantity;</a:t>
-            </a:r>
-          </a:p>
-          <a:p>
-            <a:pPr algn="l"/>
-            <a:r>
-              <a:rPr lang="en-CA" b="0" i="0" u="none" strike="noStrike" baseline="0" dirty="0">
-                <a:solidFill>
-                  <a:schemeClr val="tx1"/>
-                </a:solidFill>
-                <a:latin typeface="Calibri" panose="020F0502020204030204" pitchFamily="34" charset="0"/>
-                <a:cs typeface="Calibri" panose="020F0502020204030204" pitchFamily="34" charset="0"/>
-              </a:rPr>
-              <a:t>};</a:t>
-            </a:r>
-          </a:p>
-          <a:p>
-            <a:pPr algn="l"/>
-            <a:endParaRPr lang="en-CA" b="0" i="0" u="none" strike="noStrike" baseline="0" dirty="0">
-              <a:solidFill>
-                <a:schemeClr val="tx1"/>
-              </a:solidFill>
-              <a:latin typeface="Calibri" panose="020F0502020204030204" pitchFamily="34" charset="0"/>
-              <a:cs typeface="Calibri" panose="020F0502020204030204" pitchFamily="34" charset="0"/>
-            </a:endParaRPr>
-          </a:p>
-          <a:p>
-            <a:pPr algn="l"/>
-            <a:r>
-              <a:rPr lang="en-CA" b="0" i="1" u="none" strike="noStrike" baseline="0" dirty="0">
-                <a:solidFill>
-                  <a:schemeClr val="tx1"/>
-                </a:solidFill>
-                <a:latin typeface="Calibri" panose="020F0502020204030204" pitchFamily="34" charset="0"/>
-                <a:cs typeface="Calibri" panose="020F0502020204030204" pitchFamily="34" charset="0"/>
-              </a:rPr>
-              <a:t>// invokes the function</a:t>
-            </a:r>
-          </a:p>
-          <a:p>
-            <a:pPr algn="l"/>
-            <a:r>
-              <a:rPr lang="en-CA" b="0" i="0" u="none" strike="noStrike" baseline="0" dirty="0">
-                <a:solidFill>
-                  <a:schemeClr val="tx1"/>
-                </a:solidFill>
-                <a:latin typeface="Calibri" panose="020F0502020204030204" pitchFamily="34" charset="0"/>
-                <a:cs typeface="Calibri" panose="020F0502020204030204" pitchFamily="34" charset="0"/>
-              </a:rPr>
-              <a:t>let result = </a:t>
-            </a:r>
-            <a:r>
-              <a:rPr lang="en-CA" b="0" i="0" u="none" strike="noStrike" baseline="0" dirty="0" err="1">
-                <a:solidFill>
-                  <a:srgbClr val="7030A0"/>
-                </a:solidFill>
-                <a:latin typeface="Calibri" panose="020F0502020204030204" pitchFamily="34" charset="0"/>
-                <a:cs typeface="Calibri" panose="020F0502020204030204" pitchFamily="34" charset="0"/>
-              </a:rPr>
-              <a:t>calculateSubtota</a:t>
-            </a:r>
-            <a:r>
-              <a:rPr lang="en-CA" b="0" i="0" u="none" strike="noStrike" baseline="0" dirty="0" err="1">
-                <a:solidFill>
-                  <a:schemeClr val="tx1"/>
-                </a:solidFill>
-                <a:latin typeface="Calibri" panose="020F0502020204030204" pitchFamily="34" charset="0"/>
-                <a:cs typeface="Calibri" panose="020F0502020204030204" pitchFamily="34" charset="0"/>
-              </a:rPr>
-              <a:t>l</a:t>
-            </a:r>
-            <a:r>
-              <a:rPr lang="en-CA" b="0" i="0" u="none" strike="noStrike" baseline="0" dirty="0">
-                <a:solidFill>
-                  <a:schemeClr val="tx1"/>
-                </a:solidFill>
-                <a:latin typeface="Calibri" panose="020F0502020204030204" pitchFamily="34" charset="0"/>
-                <a:cs typeface="Calibri" panose="020F0502020204030204" pitchFamily="34" charset="0"/>
-              </a:rPr>
-              <a:t>(10,2);</a:t>
-            </a:r>
-          </a:p>
-          <a:p>
-            <a:pPr algn="l"/>
-            <a:endParaRPr lang="en-CA" b="0" i="1" u="none" strike="noStrike" baseline="0" dirty="0">
-              <a:solidFill>
-                <a:schemeClr val="tx1"/>
-              </a:solidFill>
-              <a:latin typeface="Calibri" panose="020F0502020204030204" pitchFamily="34" charset="0"/>
-              <a:cs typeface="Calibri" panose="020F0502020204030204" pitchFamily="34" charset="0"/>
-            </a:endParaRPr>
-          </a:p>
-          <a:p>
-            <a:pPr algn="l"/>
-            <a:r>
-              <a:rPr lang="en-CA" b="0" i="1" u="none" strike="noStrike" baseline="0" dirty="0">
-                <a:solidFill>
-                  <a:schemeClr val="tx1"/>
-                </a:solidFill>
-                <a:latin typeface="Calibri" panose="020F0502020204030204" pitchFamily="34" charset="0"/>
-                <a:cs typeface="Calibri" panose="020F0502020204030204" pitchFamily="34" charset="0"/>
-              </a:rPr>
-              <a:t>// define another function</a:t>
-            </a:r>
-          </a:p>
-          <a:p>
-            <a:pPr algn="l"/>
-            <a:r>
-              <a:rPr lang="en-US" b="0" i="0" u="none" strike="noStrike" baseline="0" dirty="0">
-                <a:solidFill>
-                  <a:schemeClr val="tx1"/>
-                </a:solidFill>
-                <a:latin typeface="Calibri" panose="020F0502020204030204" pitchFamily="34" charset="0"/>
-                <a:cs typeface="Calibri" panose="020F0502020204030204" pitchFamily="34" charset="0"/>
-              </a:rPr>
-              <a:t>const warn = function(msg) { alert(msg); };</a:t>
-            </a:r>
-          </a:p>
-          <a:p>
-            <a:pPr algn="l"/>
-            <a:endParaRPr lang="en-CA" b="0" i="1" u="none" strike="noStrike" baseline="0" dirty="0">
-              <a:solidFill>
-                <a:schemeClr val="tx1"/>
-              </a:solidFill>
-              <a:latin typeface="Calibri" panose="020F0502020204030204" pitchFamily="34" charset="0"/>
-              <a:cs typeface="Calibri" panose="020F0502020204030204" pitchFamily="34" charset="0"/>
-            </a:endParaRPr>
-          </a:p>
-          <a:p>
-            <a:pPr algn="l"/>
-            <a:r>
-              <a:rPr lang="en-CA" b="0" i="1" u="none" strike="noStrike" baseline="0" dirty="0">
-                <a:solidFill>
-                  <a:schemeClr val="tx1"/>
-                </a:solidFill>
-                <a:latin typeface="Calibri" panose="020F0502020204030204" pitchFamily="34" charset="0"/>
-                <a:cs typeface="Calibri" panose="020F0502020204030204" pitchFamily="34" charset="0"/>
-              </a:rPr>
-              <a:t>// now invoke that function</a:t>
-            </a:r>
-          </a:p>
-          <a:p>
-            <a:pPr algn="l"/>
-            <a:r>
-              <a:rPr lang="en-US" b="0" i="0" u="none" strike="noStrike" baseline="0" dirty="0">
-                <a:solidFill>
-                  <a:schemeClr val="tx1"/>
-                </a:solidFill>
-                <a:latin typeface="Calibri" panose="020F0502020204030204" pitchFamily="34" charset="0"/>
-                <a:cs typeface="Calibri" panose="020F0502020204030204" pitchFamily="34" charset="0"/>
-              </a:rPr>
-              <a:t>warn("This doesn't return anything");</a:t>
-            </a:r>
-            <a:endParaRPr lang="en-CA" sz="500" b="0" i="0" u="none" strike="noStrike" baseline="0" dirty="0">
-              <a:solidFill>
-                <a:schemeClr val="tx1"/>
-              </a:solidFill>
-              <a:latin typeface="Calibri" panose="020F0502020204030204" pitchFamily="34" charset="0"/>
-              <a:cs typeface="Calibri" panose="020F0502020204030204" pitchFamily="34" charset="0"/>
-            </a:endParaRPr>
-          </a:p>
-        </p:txBody>
-      </p:sp>
-      <p:sp>
-        <p:nvSpPr>
-          <p:cNvPr id="5" name="TextBox 4">
-            <a:extLst>
-              <a:ext uri="{FF2B5EF4-FFF2-40B4-BE49-F238E27FC236}">
-                <a16:creationId xmlns:a16="http://schemas.microsoft.com/office/drawing/2014/main" id="{C303AB96-E712-426B-897C-8B2CB331A36F}"/>
-              </a:ext>
-            </a:extLst>
-          </p:cNvPr>
-          <p:cNvSpPr txBox="1"/>
-          <p:nvPr/>
-        </p:nvSpPr>
-        <p:spPr>
-          <a:xfrm>
-            <a:off x="3796145" y="4159012"/>
-            <a:ext cx="4818929" cy="276185"/>
-          </a:xfrm>
-          <a:prstGeom prst="rect">
-            <a:avLst/>
-          </a:prstGeom>
-          <a:noFill/>
-        </p:spPr>
-        <p:txBody>
-          <a:bodyPr wrap="square" rtlCol="0">
-            <a:spAutoFit/>
-          </a:bodyPr>
-          <a:lstStyle/>
-          <a:p>
-            <a:r>
-              <a:rPr lang="en-US" sz="1200" b="1" i="0" u="none" strike="noStrike" baseline="0" dirty="0">
-                <a:solidFill>
-                  <a:srgbClr val="009A9A"/>
-                </a:solidFill>
-                <a:latin typeface="+mj-lt"/>
-              </a:rPr>
-              <a:t>LISTING 8.11 </a:t>
-            </a:r>
-            <a:r>
-              <a:rPr lang="en-US" sz="1200" b="0" i="0" u="none" strike="noStrike" baseline="0" dirty="0">
-                <a:solidFill>
-                  <a:srgbClr val="000000"/>
-                </a:solidFill>
-                <a:latin typeface="+mj-lt"/>
-              </a:rPr>
-              <a:t>Sample function expressions</a:t>
-            </a:r>
-            <a:endParaRPr lang="en-CA" sz="1200" dirty="0">
-              <a:latin typeface="+mj-lt"/>
-            </a:endParaRPr>
-          </a:p>
-        </p:txBody>
-      </p:sp>
-    </p:spTree>
-    <p:extLst>
-      <p:ext uri="{BB962C8B-B14F-4D97-AF65-F5344CB8AC3E}">
-        <p14:creationId xmlns:p14="http://schemas.microsoft.com/office/powerpoint/2010/main" val="577903673"/>
-      </p:ext>
-    </p:extLst>
-  </p:cSld>
-  <p:clrMapOvr>
-    <a:masterClrMapping/>
-  </p:clrMapOvr>
-</p:sld>
-</file>
-
-<file path=ppt/slides/slide5.xml><?xml version="1.0" encoding="utf-8"?>
-<p:sld xmlns:a="http://schemas.openxmlformats.org/drawingml/2006/main" xmlns:r="http://schemas.openxmlformats.org/officeDocument/2006/relationships" xmlns:p="http://schemas.openxmlformats.org/presentationml/2006/main">
-  <p:cSld>
-    <p:spTree>
-      <p:nvGrpSpPr>
-        <p:cNvPr id="1" name=""/>
-        <p:cNvGrpSpPr/>
-        <p:nvPr/>
-      </p:nvGrpSpPr>
-      <p:grpSpPr>
-        <a:xfrm>
-          <a:off x="0" y="0"/>
-          <a:ext cx="0" cy="0"/>
-          <a:chOff x="0" y="0"/>
-          <a:chExt cx="0" cy="0"/>
-        </a:xfrm>
-      </p:grpSpPr>
-      <p:sp>
-        <p:nvSpPr>
-          <p:cNvPr id="2" name="Title 1">
-            <a:extLst>
-              <a:ext uri="{FF2B5EF4-FFF2-40B4-BE49-F238E27FC236}">
-                <a16:creationId xmlns:a16="http://schemas.microsoft.com/office/drawing/2014/main" id="{9B535C9A-E8E3-457A-88CA-0170A105388F}"/>
-              </a:ext>
-            </a:extLst>
-          </p:cNvPr>
-          <p:cNvSpPr>
-            <a:spLocks noGrp="1"/>
-          </p:cNvSpPr>
-          <p:nvPr>
-            <p:ph type="title"/>
-          </p:nvPr>
-        </p:nvSpPr>
-        <p:spPr/>
-        <p:txBody>
-          <a:bodyPr/>
-          <a:lstStyle/>
-          <a:p>
-            <a:r>
-              <a:rPr lang="en-CA" dirty="0"/>
-              <a:t>Objects</a:t>
-            </a:r>
-          </a:p>
-        </p:txBody>
-      </p:sp>
-      <p:sp>
-        <p:nvSpPr>
-          <p:cNvPr id="3" name="Text Placeholder 2">
-            <a:extLst>
-              <a:ext uri="{FF2B5EF4-FFF2-40B4-BE49-F238E27FC236}">
-                <a16:creationId xmlns:a16="http://schemas.microsoft.com/office/drawing/2014/main" id="{63D3C225-A771-45AA-8A2D-F73C7C9C9AD0}"/>
-              </a:ext>
-            </a:extLst>
-          </p:cNvPr>
-          <p:cNvSpPr>
-            <a:spLocks noGrp="1"/>
-          </p:cNvSpPr>
-          <p:nvPr>
-            <p:ph type="body" idx="1"/>
-          </p:nvPr>
-        </p:nvSpPr>
-        <p:spPr/>
-        <p:txBody>
-          <a:bodyPr/>
-          <a:lstStyle/>
-          <a:p>
-            <a:pPr marL="114300" indent="0" algn="l">
-              <a:buNone/>
-            </a:pPr>
-            <a:r>
-              <a:rPr lang="en-CA" sz="1800" b="0" i="0" u="none" strike="noStrike" baseline="0" dirty="0">
-                <a:latin typeface="+mj-lt"/>
-              </a:rPr>
-              <a:t>We have already </a:t>
-            </a:r>
-            <a:r>
-              <a:rPr lang="en-US" sz="1800" b="0" i="0" u="none" strike="noStrike" baseline="0" dirty="0">
-                <a:latin typeface="+mj-lt"/>
-              </a:rPr>
-              <a:t>encountered a few of the built-in objects in JavaScript, namely, arrays along with the Math, Date, and document objects.</a:t>
-            </a:r>
-          </a:p>
-          <a:p>
-            <a:pPr marL="114300" indent="0" algn="l">
-              <a:buNone/>
-            </a:pPr>
-            <a:r>
-              <a:rPr lang="en-US" sz="1800" dirty="0">
-                <a:latin typeface="+mj-lt"/>
-              </a:rPr>
-              <a:t>In th</a:t>
-            </a:r>
-            <a:r>
-              <a:rPr lang="en-US" sz="1800" b="0" i="0" u="none" strike="noStrike" baseline="0" dirty="0">
-                <a:latin typeface="+mj-lt"/>
-              </a:rPr>
-              <a:t>is section, we will learn how to create our</a:t>
-            </a:r>
-            <a:r>
-              <a:rPr lang="en-US" sz="1800" dirty="0">
-                <a:latin typeface="+mj-lt"/>
-              </a:rPr>
-              <a:t> o</a:t>
-            </a:r>
-            <a:r>
-              <a:rPr lang="en-US" sz="1800" b="0" i="0" u="none" strike="noStrike" baseline="0" dirty="0">
-                <a:latin typeface="+mj-lt"/>
-              </a:rPr>
-              <a:t>wn objects and examine some of the unique features of objects within JavaScript.</a:t>
-            </a:r>
-          </a:p>
-          <a:p>
-            <a:pPr marL="114300" indent="0" algn="l">
-              <a:buNone/>
-            </a:pPr>
-            <a:r>
-              <a:rPr lang="en-US" sz="1800" b="0" i="0" u="none" strike="noStrike" baseline="0" dirty="0">
-                <a:solidFill>
-                  <a:srgbClr val="000000"/>
-                </a:solidFill>
-                <a:latin typeface="+mj-lt"/>
-              </a:rPr>
-              <a:t>In JavaScript, </a:t>
-            </a:r>
-            <a:r>
-              <a:rPr lang="en-US" sz="1800" b="1" i="0" u="none" strike="noStrike" baseline="0" dirty="0">
-                <a:solidFill>
-                  <a:srgbClr val="009A9A"/>
-                </a:solidFill>
-                <a:latin typeface="+mj-lt"/>
-              </a:rPr>
-              <a:t>objects </a:t>
-            </a:r>
-            <a:r>
-              <a:rPr lang="en-US" sz="1800" b="0" i="0" u="none" strike="noStrike" baseline="0" dirty="0">
-                <a:solidFill>
-                  <a:srgbClr val="000000"/>
-                </a:solidFill>
-                <a:latin typeface="+mj-lt"/>
-              </a:rPr>
-              <a:t>are a collection of named values (which are called </a:t>
-            </a:r>
-            <a:r>
-              <a:rPr lang="en-US" sz="1800" b="1" i="0" u="none" strike="noStrike" baseline="0" dirty="0">
-                <a:solidFill>
-                  <a:srgbClr val="009A9A"/>
-                </a:solidFill>
-                <a:latin typeface="+mj-lt"/>
-              </a:rPr>
-              <a:t>properties </a:t>
-            </a:r>
-            <a:r>
-              <a:rPr lang="en-CA" sz="1800" b="0" i="0" u="none" strike="noStrike" baseline="0" dirty="0">
-                <a:solidFill>
-                  <a:srgbClr val="000000"/>
-                </a:solidFill>
-                <a:latin typeface="+mj-lt"/>
-              </a:rPr>
-              <a:t>in JavaScript).</a:t>
-            </a:r>
-          </a:p>
-          <a:p>
-            <a:pPr marL="114300" indent="0" algn="l">
-              <a:buNone/>
-            </a:pPr>
-            <a:r>
-              <a:rPr lang="en-US" sz="1800" dirty="0">
-                <a:solidFill>
-                  <a:srgbClr val="000000"/>
-                </a:solidFill>
-                <a:latin typeface="+mj-lt"/>
-              </a:rPr>
-              <a:t>Unlike languages such as C++ or Java, objects in JavaScript are </a:t>
-            </a:r>
-            <a:r>
-              <a:rPr lang="en-US" sz="1800" i="1" dirty="0">
-                <a:solidFill>
-                  <a:srgbClr val="000000"/>
-                </a:solidFill>
-                <a:latin typeface="+mj-lt"/>
-              </a:rPr>
-              <a:t>not</a:t>
-            </a:r>
-            <a:r>
-              <a:rPr lang="en-US" sz="1800" dirty="0">
-                <a:solidFill>
-                  <a:srgbClr val="000000"/>
-                </a:solidFill>
-                <a:latin typeface="+mj-lt"/>
-              </a:rPr>
-              <a:t> created from classes. JavaScript is a prototype based language, in that new objects are created from already existing prototype objects.</a:t>
-            </a:r>
-            <a:endParaRPr lang="en-CA" sz="1800" dirty="0">
-              <a:solidFill>
-                <a:srgbClr val="000000"/>
-              </a:solidFill>
-              <a:latin typeface="+mj-lt"/>
-            </a:endParaRPr>
-          </a:p>
-        </p:txBody>
-      </p:sp>
-    </p:spTree>
-    <p:extLst>
-      <p:ext uri="{BB962C8B-B14F-4D97-AF65-F5344CB8AC3E}">
-        <p14:creationId xmlns:p14="http://schemas.microsoft.com/office/powerpoint/2010/main" val="3685030525"/>
-      </p:ext>
-    </p:extLst>
-  </p:cSld>
-  <p:clrMapOvr>
-    <a:masterClrMapping/>
-  </p:clrMapOvr>
-</p:sld>
-</file>
-
-<file path=ppt/slides/slide6.xml><?xml version="1.0" encoding="utf-8"?>
-<p:sld xmlns:a="http://schemas.openxmlformats.org/drawingml/2006/main" xmlns:r="http://schemas.openxmlformats.org/officeDocument/2006/relationships" xmlns:p="http://schemas.openxmlformats.org/presentationml/2006/main">
-  <p:cSld>
-    <p:spTree>
-      <p:nvGrpSpPr>
-        <p:cNvPr id="1" name=""/>
-        <p:cNvGrpSpPr/>
-        <p:nvPr/>
-      </p:nvGrpSpPr>
-      <p:grpSpPr>
-        <a:xfrm>
-          <a:off x="0" y="0"/>
-          <a:ext cx="0" cy="0"/>
-          <a:chOff x="0" y="0"/>
-          <a:chExt cx="0" cy="0"/>
-        </a:xfrm>
-      </p:grpSpPr>
-      <p:sp>
-        <p:nvSpPr>
-          <p:cNvPr id="2" name="Title 1">
-            <a:extLst>
-              <a:ext uri="{FF2B5EF4-FFF2-40B4-BE49-F238E27FC236}">
-                <a16:creationId xmlns:a16="http://schemas.microsoft.com/office/drawing/2014/main" id="{1DF01379-9333-4F7C-B9DD-71B65299C57D}"/>
-              </a:ext>
-            </a:extLst>
-          </p:cNvPr>
-          <p:cNvSpPr>
-            <a:spLocks noGrp="1"/>
-          </p:cNvSpPr>
-          <p:nvPr>
-            <p:ph type="title"/>
-          </p:nvPr>
-        </p:nvSpPr>
-        <p:spPr/>
-        <p:txBody>
-          <a:bodyPr/>
-          <a:lstStyle/>
-          <a:p>
-            <a:r>
-              <a:rPr lang="en-US" sz="2800" dirty="0"/>
-              <a:t>Object Creation Using Object Literal Notation</a:t>
-            </a:r>
-            <a:endParaRPr lang="en-CA" sz="2800" dirty="0"/>
-          </a:p>
-        </p:txBody>
-      </p:sp>
-      <p:sp>
-        <p:nvSpPr>
-          <p:cNvPr id="3" name="Text Placeholder 2">
-            <a:extLst>
-              <a:ext uri="{FF2B5EF4-FFF2-40B4-BE49-F238E27FC236}">
-                <a16:creationId xmlns:a16="http://schemas.microsoft.com/office/drawing/2014/main" id="{38F07E97-6655-4BB8-B3C8-1414A80C8B39}"/>
-              </a:ext>
-            </a:extLst>
-          </p:cNvPr>
-          <p:cNvSpPr>
-            <a:spLocks noGrp="1"/>
-          </p:cNvSpPr>
-          <p:nvPr>
-            <p:ph type="body" idx="1"/>
-          </p:nvPr>
-        </p:nvSpPr>
-        <p:spPr>
-          <a:xfrm>
-            <a:off x="457201" y="1081088"/>
-            <a:ext cx="4114800" cy="3532476"/>
-          </a:xfrm>
-        </p:spPr>
-        <p:txBody>
-          <a:bodyPr/>
-          <a:lstStyle/>
-          <a:p>
-            <a:pPr marL="114300" indent="0" algn="l">
-              <a:buNone/>
-            </a:pPr>
-            <a:r>
-              <a:rPr lang="en-US" sz="1800" b="0" i="0" u="none" strike="noStrike" baseline="0" dirty="0">
-                <a:solidFill>
-                  <a:srgbClr val="000000"/>
-                </a:solidFill>
-                <a:latin typeface="+mj-lt"/>
-              </a:rPr>
-              <a:t>The most common way is to use </a:t>
-            </a:r>
-            <a:r>
-              <a:rPr lang="en-US" sz="1800" b="1" i="0" u="none" strike="noStrike" baseline="0" dirty="0">
-                <a:solidFill>
-                  <a:srgbClr val="009A9A"/>
-                </a:solidFill>
-                <a:latin typeface="+mj-lt"/>
-              </a:rPr>
-              <a:t>object literal notation </a:t>
-            </a:r>
-            <a:r>
-              <a:rPr lang="en-US" sz="1800" b="0" i="0" u="none" strike="noStrike" baseline="0" dirty="0">
-                <a:solidFill>
-                  <a:srgbClr val="000000"/>
-                </a:solidFill>
-                <a:latin typeface="+mj-lt"/>
-              </a:rPr>
-              <a:t>(which we also saw earlier with arrays)</a:t>
-            </a:r>
-          </a:p>
-          <a:p>
-            <a:pPr marL="114300" indent="0" algn="l">
-              <a:buNone/>
-            </a:pPr>
-            <a:r>
-              <a:rPr lang="en-CA" sz="1800" b="0" i="0" u="none" strike="noStrike" baseline="0" dirty="0">
-                <a:solidFill>
-                  <a:srgbClr val="000000"/>
-                </a:solidFill>
-                <a:latin typeface="+mj-lt"/>
-              </a:rPr>
-              <a:t>An </a:t>
-            </a:r>
-            <a:r>
-              <a:rPr lang="en-US" sz="1800" b="0" i="0" u="none" strike="noStrike" baseline="0" dirty="0">
-                <a:solidFill>
-                  <a:srgbClr val="000000"/>
-                </a:solidFill>
-                <a:latin typeface="+mj-lt"/>
-              </a:rPr>
-              <a:t>object is represented by a list of key-value pairs with colons between the key and value, with commas separating </a:t>
-            </a:r>
-            <a:r>
-              <a:rPr lang="en-US" sz="1800" dirty="0">
-                <a:solidFill>
-                  <a:srgbClr val="000000"/>
-                </a:solidFill>
-                <a:latin typeface="+mj-lt"/>
-              </a:rPr>
-              <a:t>key-value pairs. </a:t>
-            </a:r>
-          </a:p>
-          <a:p>
-            <a:pPr marL="114300" indent="0" algn="l">
-              <a:buNone/>
-            </a:pPr>
-            <a:r>
-              <a:rPr lang="en-US" sz="1800" dirty="0">
-                <a:solidFill>
-                  <a:srgbClr val="000000"/>
-                </a:solidFill>
-                <a:latin typeface="+mj-lt"/>
-              </a:rPr>
-              <a:t>To reference this object’s properties, we can use either dot notation or square </a:t>
-            </a:r>
-            <a:r>
-              <a:rPr lang="en-CA" sz="1800" dirty="0">
-                <a:solidFill>
-                  <a:srgbClr val="000000"/>
-                </a:solidFill>
-                <a:latin typeface="+mj-lt"/>
-              </a:rPr>
-              <a:t>bracket notation.</a:t>
-            </a:r>
-            <a:endParaRPr lang="en-US" sz="1800" dirty="0">
-              <a:solidFill>
-                <a:srgbClr val="000000"/>
-              </a:solidFill>
-              <a:latin typeface="+mj-lt"/>
-            </a:endParaRPr>
-          </a:p>
-          <a:p>
-            <a:pPr marL="571500" lvl="1" indent="0">
-              <a:spcBef>
-                <a:spcPts val="100"/>
-              </a:spcBef>
-              <a:buNone/>
-            </a:pPr>
-            <a:endParaRPr lang="en-CA" sz="1200" dirty="0">
-              <a:latin typeface="+mj-lt"/>
-            </a:endParaRPr>
-          </a:p>
-        </p:txBody>
-      </p:sp>
-      <p:sp>
-        <p:nvSpPr>
-          <p:cNvPr id="4" name="Text Placeholder 2">
-            <a:extLst>
-              <a:ext uri="{FF2B5EF4-FFF2-40B4-BE49-F238E27FC236}">
-                <a16:creationId xmlns:a16="http://schemas.microsoft.com/office/drawing/2014/main" id="{3147DEA1-F8F7-458C-8A56-1D2EC2594484}"/>
-              </a:ext>
-            </a:extLst>
-          </p:cNvPr>
-          <p:cNvSpPr txBox="1">
-            <a:spLocks/>
-          </p:cNvSpPr>
-          <p:nvPr/>
-        </p:nvSpPr>
-        <p:spPr>
-          <a:xfrm>
-            <a:off x="4572000" y="1053812"/>
-            <a:ext cx="4114800" cy="3532476"/>
-          </a:xfrm>
-          <a:prstGeom prst="rect">
-            <a:avLst/>
-          </a:prstGeom>
-          <a:noFill/>
-          <a:ln>
-            <a:noFill/>
-          </a:ln>
-        </p:spPr>
-        <p:txBody>
-          <a:bodyPr spcFirstLastPara="1" wrap="square" lIns="91425" tIns="91425" rIns="91425" bIns="91425" anchor="t" anchorCtr="0">
-            <a:noAutofit/>
-          </a:bodyPr>
-          <a:lstStyle>
-            <a:defPPr marR="0" lvl="0" algn="l" rtl="0">
-              <a:lnSpc>
-                <a:spcPct val="100000"/>
-              </a:lnSpc>
-              <a:spcBef>
-                <a:spcPts val="0"/>
-              </a:spcBef>
-              <a:spcAft>
-                <a:spcPts val="0"/>
-              </a:spcAft>
-            </a:defPPr>
-            <a:lvl1pPr marL="457200" marR="0" lvl="0" indent="-342900" algn="l" rtl="0">
-              <a:lnSpc>
-                <a:spcPct val="100000"/>
-              </a:lnSpc>
-              <a:spcBef>
-                <a:spcPts val="1500"/>
-              </a:spcBef>
-              <a:spcAft>
-                <a:spcPts val="0"/>
-              </a:spcAft>
-              <a:buClr>
-                <a:srgbClr val="007FA3"/>
-              </a:buClr>
-              <a:buSzPts val="1800"/>
-              <a:buFont typeface="Arial"/>
-              <a:buChar char="•"/>
-              <a:defRPr sz="1600" b="0" i="0" u="none" strike="noStrike" cap="none">
-                <a:solidFill>
-                  <a:schemeClr val="dk1"/>
-                </a:solidFill>
-                <a:latin typeface="Arial"/>
-                <a:ea typeface="Arial"/>
-                <a:cs typeface="Arial"/>
-                <a:sym typeface="Arial"/>
-              </a:defRPr>
-            </a:lvl1pPr>
-            <a:lvl2pPr marL="914400" marR="0" lvl="1" indent="-342900" algn="l" rtl="0">
-              <a:lnSpc>
-                <a:spcPct val="100000"/>
-              </a:lnSpc>
-              <a:spcBef>
-                <a:spcPts val="600"/>
-              </a:spcBef>
-              <a:spcAft>
-                <a:spcPts val="0"/>
-              </a:spcAft>
-              <a:buClr>
-                <a:srgbClr val="007FA3"/>
-              </a:buClr>
-              <a:buSzPts val="1800"/>
-              <a:buFont typeface="Arial"/>
-              <a:buChar char="–"/>
-              <a:defRPr sz="1600" b="0" i="0" u="none" strike="noStrike" cap="none">
-                <a:solidFill>
-                  <a:schemeClr val="dk1"/>
-                </a:solidFill>
-                <a:latin typeface="Arial"/>
-                <a:ea typeface="Arial"/>
-                <a:cs typeface="Arial"/>
-                <a:sym typeface="Arial"/>
-              </a:defRPr>
-            </a:lvl2pPr>
-            <a:lvl3pPr marL="1371600" marR="0" lvl="2" indent="-342900" algn="l" rtl="0">
-              <a:lnSpc>
-                <a:spcPct val="100000"/>
-              </a:lnSpc>
-              <a:spcBef>
-                <a:spcPts val="600"/>
-              </a:spcBef>
-              <a:spcAft>
-                <a:spcPts val="0"/>
-              </a:spcAft>
-              <a:buClr>
-                <a:srgbClr val="007FA3"/>
-              </a:buClr>
-              <a:buSzPts val="1800"/>
-              <a:buFont typeface="Noto Sans Symbols"/>
-              <a:buChar char="▪"/>
-              <a:defRPr sz="1600" b="0" i="0" u="none" strike="noStrike" cap="none">
-                <a:solidFill>
-                  <a:schemeClr val="dk1"/>
-                </a:solidFill>
-                <a:latin typeface="Arial"/>
-                <a:ea typeface="Arial"/>
-                <a:cs typeface="Arial"/>
-                <a:sym typeface="Arial"/>
-              </a:defRPr>
-            </a:lvl3pPr>
-            <a:lvl4pPr marL="1828800" marR="0" lvl="3" indent="-342900" algn="l" rtl="0">
-              <a:lnSpc>
-                <a:spcPct val="100000"/>
-              </a:lnSpc>
-              <a:spcBef>
-                <a:spcPts val="600"/>
-              </a:spcBef>
-              <a:spcAft>
-                <a:spcPts val="0"/>
-              </a:spcAft>
-              <a:buClr>
-                <a:srgbClr val="007FA3"/>
-              </a:buClr>
-              <a:buSzPts val="1800"/>
-              <a:buFont typeface="Arial"/>
-              <a:buChar char="–"/>
-              <a:defRPr sz="1600" b="0" i="0" u="none" strike="noStrike" cap="none">
-                <a:solidFill>
-                  <a:schemeClr val="dk1"/>
-                </a:solidFill>
-                <a:latin typeface="Arial"/>
-                <a:ea typeface="Arial"/>
-                <a:cs typeface="Arial"/>
-                <a:sym typeface="Arial"/>
-              </a:defRPr>
-            </a:lvl4pPr>
-            <a:lvl5pPr marL="2286000" marR="0" lvl="4" indent="-342900" algn="l" rtl="0">
-              <a:lnSpc>
-                <a:spcPct val="100000"/>
-              </a:lnSpc>
-              <a:spcBef>
-                <a:spcPts val="600"/>
-              </a:spcBef>
-              <a:spcAft>
-                <a:spcPts val="0"/>
-              </a:spcAft>
-              <a:buClr>
-                <a:srgbClr val="007FA3"/>
-              </a:buClr>
-              <a:buSzPts val="1800"/>
-              <a:buFont typeface="Arial"/>
-              <a:buChar char="•"/>
-              <a:defRPr sz="1600" b="0" i="0" u="none" strike="noStrike" cap="none">
-                <a:solidFill>
-                  <a:schemeClr val="dk1"/>
-                </a:solidFill>
-                <a:latin typeface="Arial"/>
-                <a:ea typeface="Arial"/>
-                <a:cs typeface="Arial"/>
-                <a:sym typeface="Arial"/>
-              </a:defRPr>
-            </a:lvl5pPr>
-            <a:lvl6pPr marL="2743200" marR="0" lvl="5" indent="-342900" algn="l" rtl="0">
-              <a:lnSpc>
-                <a:spcPct val="100000"/>
-              </a:lnSpc>
-              <a:spcBef>
-                <a:spcPts val="300"/>
-              </a:spcBef>
-              <a:spcAft>
-                <a:spcPts val="0"/>
-              </a:spcAft>
-              <a:buClr>
-                <a:srgbClr val="007FA3"/>
-              </a:buClr>
-              <a:buSzPts val="1800"/>
-              <a:buFont typeface="Arial"/>
-              <a:buChar char="•"/>
-              <a:defRPr sz="1600" b="0" i="0" u="none" strike="noStrike" cap="none">
-                <a:solidFill>
-                  <a:schemeClr val="dk1"/>
-                </a:solidFill>
-                <a:latin typeface="Arial"/>
-                <a:ea typeface="Arial"/>
-                <a:cs typeface="Arial"/>
-                <a:sym typeface="Arial"/>
-              </a:defRPr>
-            </a:lvl6pPr>
-            <a:lvl7pPr marL="3200400" marR="0" lvl="6" indent="-342900" algn="l" rtl="0">
-              <a:lnSpc>
-                <a:spcPct val="100000"/>
-              </a:lnSpc>
-              <a:spcBef>
-                <a:spcPts val="300"/>
-              </a:spcBef>
-              <a:spcAft>
-                <a:spcPts val="0"/>
-              </a:spcAft>
-              <a:buClr>
-                <a:srgbClr val="007FA3"/>
-              </a:buClr>
-              <a:buSzPts val="1800"/>
-              <a:buFont typeface="Arial"/>
-              <a:buChar char="•"/>
-              <a:defRPr sz="1600" b="0" i="0" u="none" strike="noStrike" cap="none">
-                <a:solidFill>
-                  <a:schemeClr val="dk1"/>
-                </a:solidFill>
-                <a:latin typeface="Arial"/>
-                <a:ea typeface="Arial"/>
-                <a:cs typeface="Arial"/>
-                <a:sym typeface="Arial"/>
-              </a:defRPr>
-            </a:lvl7pPr>
-            <a:lvl8pPr marL="3657600" marR="0" lvl="7" indent="-342900" algn="l" rtl="0">
-              <a:lnSpc>
-                <a:spcPct val="100000"/>
-              </a:lnSpc>
-              <a:spcBef>
-                <a:spcPts val="300"/>
-              </a:spcBef>
-              <a:spcAft>
-                <a:spcPts val="0"/>
-              </a:spcAft>
-              <a:buClr>
-                <a:srgbClr val="007FA3"/>
-              </a:buClr>
-              <a:buSzPts val="1800"/>
-              <a:buFont typeface="Arial"/>
-              <a:buChar char="•"/>
-              <a:defRPr sz="1600" b="0" i="0" u="none" strike="noStrike" cap="none">
-                <a:solidFill>
-                  <a:schemeClr val="dk1"/>
-                </a:solidFill>
-                <a:latin typeface="Arial"/>
-                <a:ea typeface="Arial"/>
-                <a:cs typeface="Arial"/>
-                <a:sym typeface="Arial"/>
-              </a:defRPr>
-            </a:lvl8pPr>
-            <a:lvl9pPr marL="4114800" marR="0" lvl="8" indent="-342900" algn="l" rtl="0">
-              <a:lnSpc>
-                <a:spcPct val="100000"/>
-              </a:lnSpc>
-              <a:spcBef>
-                <a:spcPts val="300"/>
-              </a:spcBef>
-              <a:spcAft>
-                <a:spcPts val="0"/>
-              </a:spcAft>
-              <a:buClr>
-                <a:srgbClr val="007FA3"/>
-              </a:buClr>
-              <a:buSzPts val="1800"/>
-              <a:buFont typeface="Arial"/>
-              <a:buChar char="•"/>
-              <a:defRPr sz="1600" b="0" i="0" u="none" strike="noStrike" cap="none">
-                <a:solidFill>
-                  <a:schemeClr val="dk1"/>
-                </a:solidFill>
-                <a:latin typeface="Arial"/>
-                <a:ea typeface="Arial"/>
-                <a:cs typeface="Arial"/>
-                <a:sym typeface="Arial"/>
-              </a:defRPr>
-            </a:lvl9pPr>
-          </a:lstStyle>
-          <a:p>
-            <a:pPr marL="571500" lvl="1" indent="0">
-              <a:spcBef>
-                <a:spcPts val="100"/>
-              </a:spcBef>
-              <a:buFont typeface="Arial"/>
-              <a:buNone/>
-            </a:pPr>
-            <a:endParaRPr lang="en-CA" sz="1400" dirty="0">
-              <a:solidFill>
-                <a:srgbClr val="000000"/>
-              </a:solidFill>
-              <a:latin typeface="+mj-lt"/>
-            </a:endParaRPr>
-          </a:p>
-          <a:p>
-            <a:pPr marL="571500" lvl="1" indent="0">
-              <a:spcBef>
-                <a:spcPts val="100"/>
-              </a:spcBef>
-              <a:buFont typeface="Arial"/>
-              <a:buNone/>
-            </a:pPr>
-            <a:r>
-              <a:rPr lang="en-CA" sz="1400" dirty="0">
-                <a:solidFill>
-                  <a:srgbClr val="000000"/>
-                </a:solidFill>
-                <a:latin typeface="+mj-lt"/>
-              </a:rPr>
-              <a:t>const </a:t>
-            </a:r>
-            <a:r>
-              <a:rPr lang="en-CA" sz="1400" dirty="0" err="1">
-                <a:solidFill>
-                  <a:srgbClr val="000000"/>
-                </a:solidFill>
-                <a:latin typeface="+mj-lt"/>
-              </a:rPr>
-              <a:t>objName</a:t>
-            </a:r>
-            <a:r>
-              <a:rPr lang="en-CA" sz="1400" dirty="0">
-                <a:solidFill>
-                  <a:srgbClr val="000000"/>
-                </a:solidFill>
-                <a:latin typeface="+mj-lt"/>
-              </a:rPr>
-              <a:t> = </a:t>
-            </a:r>
-            <a:r>
-              <a:rPr lang="en-CA" sz="1400" dirty="0">
-                <a:solidFill>
-                  <a:srgbClr val="7030A0"/>
-                </a:solidFill>
-                <a:latin typeface="+mj-lt"/>
-              </a:rPr>
-              <a:t>{</a:t>
-            </a:r>
-          </a:p>
-          <a:p>
-            <a:pPr marL="571500" lvl="1" indent="0">
-              <a:spcBef>
-                <a:spcPts val="100"/>
-              </a:spcBef>
-              <a:buFont typeface="Arial"/>
-              <a:buNone/>
-            </a:pPr>
-            <a:r>
-              <a:rPr lang="en-CA" sz="1400" dirty="0">
-                <a:solidFill>
-                  <a:srgbClr val="000000"/>
-                </a:solidFill>
-                <a:latin typeface="+mj-lt"/>
-              </a:rPr>
-              <a:t>	name1: </a:t>
-            </a:r>
-            <a:r>
-              <a:rPr lang="en-CA" sz="1400" i="1" dirty="0">
-                <a:solidFill>
-                  <a:srgbClr val="000000"/>
-                </a:solidFill>
-                <a:latin typeface="+mj-lt"/>
-              </a:rPr>
-              <a:t>value1</a:t>
-            </a:r>
-            <a:r>
-              <a:rPr lang="en-CA" sz="1400" dirty="0">
-                <a:solidFill>
-                  <a:srgbClr val="000000"/>
-                </a:solidFill>
-                <a:latin typeface="+mj-lt"/>
-              </a:rPr>
-              <a:t>,</a:t>
-            </a:r>
-          </a:p>
-          <a:p>
-            <a:pPr marL="571500" lvl="1" indent="0">
-              <a:spcBef>
-                <a:spcPts val="100"/>
-              </a:spcBef>
-              <a:buFont typeface="Arial"/>
-              <a:buNone/>
-            </a:pPr>
-            <a:r>
-              <a:rPr lang="en-CA" sz="1400" dirty="0">
-                <a:solidFill>
-                  <a:srgbClr val="000000"/>
-                </a:solidFill>
-                <a:latin typeface="+mj-lt"/>
-              </a:rPr>
-              <a:t>	name2: </a:t>
-            </a:r>
-            <a:r>
-              <a:rPr lang="en-CA" sz="1400" i="1" dirty="0">
-                <a:solidFill>
-                  <a:srgbClr val="000000"/>
-                </a:solidFill>
-                <a:latin typeface="+mj-lt"/>
-              </a:rPr>
-              <a:t>value2</a:t>
-            </a:r>
-            <a:r>
-              <a:rPr lang="en-CA" sz="1400" dirty="0">
-                <a:solidFill>
-                  <a:srgbClr val="000000"/>
-                </a:solidFill>
-                <a:latin typeface="+mj-lt"/>
-              </a:rPr>
-              <a:t>,</a:t>
-            </a:r>
-          </a:p>
-          <a:p>
-            <a:pPr marL="571500" lvl="1" indent="0">
-              <a:spcBef>
-                <a:spcPts val="100"/>
-              </a:spcBef>
-              <a:buFont typeface="Arial"/>
-              <a:buNone/>
-            </a:pPr>
-            <a:r>
-              <a:rPr lang="en-CA" sz="1400" dirty="0">
-                <a:solidFill>
-                  <a:srgbClr val="00A6A6"/>
-                </a:solidFill>
-                <a:latin typeface="+mj-lt"/>
-              </a:rPr>
-              <a:t>	// ...</a:t>
-            </a:r>
-          </a:p>
-          <a:p>
-            <a:pPr marL="571500" lvl="1" indent="0">
-              <a:spcBef>
-                <a:spcPts val="100"/>
-              </a:spcBef>
-              <a:buFont typeface="Arial"/>
-              <a:buNone/>
-            </a:pPr>
-            <a:r>
-              <a:rPr lang="en-CA" sz="1400" dirty="0">
-                <a:solidFill>
-                  <a:srgbClr val="000000"/>
-                </a:solidFill>
-                <a:latin typeface="+mj-lt"/>
-              </a:rPr>
-              <a:t>	</a:t>
-            </a:r>
-            <a:r>
-              <a:rPr lang="en-CA" sz="1400" dirty="0" err="1">
-                <a:solidFill>
-                  <a:srgbClr val="000000"/>
-                </a:solidFill>
-                <a:latin typeface="+mj-lt"/>
-              </a:rPr>
-              <a:t>nameN</a:t>
-            </a:r>
-            <a:r>
-              <a:rPr lang="en-CA" sz="1400" dirty="0">
-                <a:solidFill>
-                  <a:srgbClr val="000000"/>
-                </a:solidFill>
-                <a:latin typeface="+mj-lt"/>
-              </a:rPr>
-              <a:t>: </a:t>
-            </a:r>
-            <a:r>
-              <a:rPr lang="en-CA" sz="1400" i="1" dirty="0" err="1">
-                <a:solidFill>
-                  <a:srgbClr val="000000"/>
-                </a:solidFill>
-                <a:latin typeface="+mj-lt"/>
-              </a:rPr>
-              <a:t>valueN</a:t>
-            </a:r>
-            <a:endParaRPr lang="en-CA" sz="1400" i="1" dirty="0">
-              <a:solidFill>
-                <a:srgbClr val="000000"/>
-              </a:solidFill>
-              <a:latin typeface="+mj-lt"/>
-            </a:endParaRPr>
-          </a:p>
-          <a:p>
-            <a:pPr marL="571500" lvl="1" indent="0">
-              <a:spcBef>
-                <a:spcPts val="100"/>
-              </a:spcBef>
-              <a:buFont typeface="Arial"/>
-              <a:buNone/>
-            </a:pPr>
-            <a:r>
-              <a:rPr lang="en-CA" sz="1400" dirty="0">
-                <a:solidFill>
-                  <a:srgbClr val="7030A0"/>
-                </a:solidFill>
-                <a:latin typeface="+mj-lt"/>
-              </a:rPr>
-              <a:t>}</a:t>
-            </a:r>
-            <a:r>
-              <a:rPr lang="en-CA" sz="1400" dirty="0">
-                <a:solidFill>
-                  <a:srgbClr val="000000"/>
-                </a:solidFill>
-                <a:latin typeface="+mj-lt"/>
-              </a:rPr>
-              <a:t>;</a:t>
-            </a:r>
-            <a:br>
-              <a:rPr lang="en-CA" sz="1400" dirty="0">
-                <a:solidFill>
-                  <a:srgbClr val="000000"/>
-                </a:solidFill>
-                <a:latin typeface="+mj-lt"/>
-              </a:rPr>
-            </a:br>
-            <a:br>
-              <a:rPr lang="en-CA" sz="1400" dirty="0">
-                <a:solidFill>
-                  <a:srgbClr val="000000"/>
-                </a:solidFill>
-                <a:latin typeface="+mj-lt"/>
-              </a:rPr>
-            </a:br>
-            <a:endParaRPr lang="en-CA" sz="1400" dirty="0">
-              <a:solidFill>
-                <a:srgbClr val="000000"/>
-              </a:solidFill>
-              <a:latin typeface="+mj-lt"/>
-            </a:endParaRPr>
-          </a:p>
-          <a:p>
-            <a:pPr marL="571500" lvl="1" indent="0">
-              <a:spcBef>
-                <a:spcPts val="100"/>
-              </a:spcBef>
-              <a:buFont typeface="Arial"/>
-              <a:buNone/>
-            </a:pPr>
-            <a:r>
-              <a:rPr lang="en-CA" sz="1400" dirty="0">
-                <a:solidFill>
-                  <a:srgbClr val="000000"/>
-                </a:solidFill>
-                <a:latin typeface="+mj-lt"/>
-              </a:rPr>
-              <a:t>objName</a:t>
-            </a:r>
-            <a:r>
-              <a:rPr lang="en-CA" sz="6000" dirty="0">
-                <a:solidFill>
-                  <a:schemeClr val="tx2"/>
-                </a:solidFill>
-                <a:latin typeface="+mj-lt"/>
-              </a:rPr>
-              <a:t>.</a:t>
-            </a:r>
-            <a:r>
-              <a:rPr lang="en-CA" sz="1400" dirty="0">
-                <a:solidFill>
-                  <a:srgbClr val="000000"/>
-                </a:solidFill>
-                <a:latin typeface="+mj-lt"/>
-              </a:rPr>
-              <a:t>name1</a:t>
-            </a:r>
-          </a:p>
-          <a:p>
-            <a:pPr marL="571500" lvl="1" indent="0">
-              <a:spcBef>
-                <a:spcPts val="100"/>
-              </a:spcBef>
-              <a:buFont typeface="Arial"/>
-              <a:buNone/>
-            </a:pPr>
-            <a:r>
-              <a:rPr lang="en-CA" sz="1400" dirty="0" err="1">
-                <a:solidFill>
-                  <a:srgbClr val="000000"/>
-                </a:solidFill>
-                <a:latin typeface="+mj-lt"/>
-              </a:rPr>
-              <a:t>objName</a:t>
-            </a:r>
-            <a:r>
-              <a:rPr lang="en-CA" sz="1400" dirty="0">
-                <a:solidFill>
-                  <a:srgbClr val="000000"/>
-                </a:solidFill>
-                <a:latin typeface="+mj-lt"/>
-              </a:rPr>
-              <a:t>["name1"]</a:t>
-            </a:r>
-            <a:endParaRPr lang="en-CA" sz="1200" dirty="0">
-              <a:latin typeface="+mj-lt"/>
-            </a:endParaRPr>
-          </a:p>
-        </p:txBody>
-      </p:sp>
-    </p:spTree>
-    <p:extLst>
-      <p:ext uri="{BB962C8B-B14F-4D97-AF65-F5344CB8AC3E}">
-        <p14:creationId xmlns:p14="http://schemas.microsoft.com/office/powerpoint/2010/main" val="3574172069"/>
-      </p:ext>
-    </p:extLst>
-  </p:cSld>
-  <p:clrMapOvr>
-    <a:masterClrMapping/>
-  </p:clrMapOvr>
-</p:sld>
-</file>
-
-<file path=ppt/slides/slide7.xml><?xml version="1.0" encoding="utf-8"?>
-<p:sld xmlns:a="http://schemas.openxmlformats.org/drawingml/2006/main" xmlns:r="http://schemas.openxmlformats.org/officeDocument/2006/relationships" xmlns:p="http://schemas.openxmlformats.org/presentationml/2006/main">
-  <p:cSld>
-    <p:spTree>
-      <p:nvGrpSpPr>
-        <p:cNvPr id="1" name=""/>
-        <p:cNvGrpSpPr/>
-        <p:nvPr/>
-      </p:nvGrpSpPr>
-      <p:grpSpPr>
-        <a:xfrm>
-          <a:off x="0" y="0"/>
-          <a:ext cx="0" cy="0"/>
-          <a:chOff x="0" y="0"/>
-          <a:chExt cx="0" cy="0"/>
-        </a:xfrm>
-      </p:grpSpPr>
-      <p:sp>
-        <p:nvSpPr>
-          <p:cNvPr id="2" name="object 2"/>
-          <p:cNvSpPr txBox="1">
-            <a:spLocks noGrp="1"/>
-          </p:cNvSpPr>
-          <p:nvPr>
-            <p:ph type="title"/>
-          </p:nvPr>
-        </p:nvSpPr>
-        <p:spPr>
-          <a:xfrm>
-            <a:off x="457200" y="243388"/>
-            <a:ext cx="8229600" cy="741099"/>
-          </a:xfrm>
-          <a:prstGeom prst="rect">
-            <a:avLst/>
-          </a:prstGeom>
-        </p:spPr>
-        <p:txBody>
-          <a:bodyPr spcFirstLastPara="1" vert="horz" wrap="square" lIns="0" tIns="172592" rIns="0" bIns="0" rtlCol="0" anchor="b" anchorCtr="0">
-            <a:spAutoFit/>
-          </a:bodyPr>
-          <a:lstStyle/>
-          <a:p>
-            <a:pPr marL="3471386">
-              <a:buSzPts val="3600"/>
-            </a:pPr>
-            <a:r>
-              <a:rPr dirty="0">
-                <a:sym typeface="Arial"/>
-              </a:rPr>
-              <a:t>DOM</a:t>
-            </a:r>
-          </a:p>
-        </p:txBody>
-      </p:sp>
-      <p:sp>
-        <p:nvSpPr>
-          <p:cNvPr id="3" name="object 3"/>
-          <p:cNvSpPr txBox="1"/>
-          <p:nvPr/>
-        </p:nvSpPr>
-        <p:spPr>
-          <a:xfrm>
-            <a:off x="592456" y="1651635"/>
-            <a:ext cx="3296126" cy="600805"/>
-          </a:xfrm>
-          <a:prstGeom prst="rect">
-            <a:avLst/>
-          </a:prstGeom>
-        </p:spPr>
-        <p:txBody>
-          <a:bodyPr vert="horz" wrap="square" lIns="0" tIns="36195" rIns="0" bIns="0" rtlCol="0">
-            <a:spAutoFit/>
-          </a:bodyPr>
-          <a:lstStyle/>
-          <a:p>
-            <a:pPr marL="9525" marR="3810">
-              <a:lnSpc>
-                <a:spcPts val="2175"/>
-              </a:lnSpc>
-              <a:spcBef>
-                <a:spcPts val="285"/>
-              </a:spcBef>
-            </a:pPr>
-            <a:r>
-              <a:rPr sz="1950" spc="-101"/>
-              <a:t>Når</a:t>
-            </a:r>
-            <a:r>
-              <a:rPr sz="1950" spc="-75"/>
-              <a:t> </a:t>
-            </a:r>
-            <a:r>
-              <a:rPr sz="1950" spc="-83"/>
-              <a:t>browseren </a:t>
-            </a:r>
-            <a:r>
-              <a:rPr sz="1950" spc="-68"/>
-              <a:t>loader</a:t>
-            </a:r>
-            <a:r>
-              <a:rPr sz="1950" spc="-75"/>
-              <a:t> websiden, </a:t>
-            </a:r>
-            <a:r>
-              <a:rPr sz="1950" spc="-116"/>
-              <a:t>skaber</a:t>
-            </a:r>
-            <a:r>
-              <a:rPr sz="1950" spc="-79"/>
-              <a:t> </a:t>
-            </a:r>
-            <a:r>
-              <a:rPr sz="1950" spc="-94"/>
-              <a:t>den</a:t>
-            </a:r>
-            <a:r>
-              <a:rPr sz="1950" spc="-83"/>
-              <a:t> </a:t>
-            </a:r>
-            <a:r>
-              <a:rPr sz="1950" spc="-116"/>
-              <a:t>sidens</a:t>
-            </a:r>
-            <a:r>
-              <a:rPr sz="1950" spc="-83"/>
-              <a:t> </a:t>
-            </a:r>
-            <a:r>
-              <a:rPr sz="1950" spc="139"/>
-              <a:t>'DOM</a:t>
-            </a:r>
-            <a:r>
-              <a:rPr sz="1950" spc="139">
-                <a:latin typeface="Times New Roman"/>
-                <a:cs typeface="Times New Roman"/>
-              </a:rPr>
-              <a:t>’</a:t>
-            </a:r>
-            <a:r>
-              <a:rPr sz="1950" spc="139"/>
-              <a:t>,</a:t>
-            </a:r>
-            <a:endParaRPr sz="1950"/>
-          </a:p>
-        </p:txBody>
-      </p:sp>
-      <p:sp>
-        <p:nvSpPr>
-          <p:cNvPr id="4" name="object 4"/>
-          <p:cNvSpPr txBox="1"/>
-          <p:nvPr/>
-        </p:nvSpPr>
-        <p:spPr>
-          <a:xfrm>
-            <a:off x="592456" y="2250567"/>
-            <a:ext cx="1137761" cy="309700"/>
-          </a:xfrm>
-          <a:prstGeom prst="rect">
-            <a:avLst/>
-          </a:prstGeom>
-        </p:spPr>
-        <p:txBody>
-          <a:bodyPr vert="horz" wrap="square" lIns="0" tIns="9525" rIns="0" bIns="0" rtlCol="0">
-            <a:spAutoFit/>
-          </a:bodyPr>
-          <a:lstStyle/>
-          <a:p>
-            <a:pPr marL="9525">
-              <a:spcBef>
-                <a:spcPts val="75"/>
-              </a:spcBef>
-            </a:pPr>
-            <a:r>
-              <a:rPr sz="1950" spc="-64"/>
-              <a:t>der</a:t>
-            </a:r>
-            <a:r>
-              <a:rPr sz="1950" spc="-79"/>
-              <a:t> </a:t>
-            </a:r>
-            <a:r>
-              <a:rPr sz="1950" spc="-75"/>
-              <a:t>står</a:t>
-            </a:r>
-            <a:r>
-              <a:rPr sz="1950" spc="-79"/>
-              <a:t> </a:t>
-            </a:r>
-            <a:r>
-              <a:rPr sz="1950" spc="-19"/>
-              <a:t>for</a:t>
-            </a:r>
-            <a:endParaRPr sz="1950"/>
-          </a:p>
-        </p:txBody>
-      </p:sp>
-      <p:sp>
-        <p:nvSpPr>
-          <p:cNvPr id="5" name="object 5"/>
-          <p:cNvSpPr txBox="1"/>
-          <p:nvPr/>
-        </p:nvSpPr>
-        <p:spPr>
-          <a:xfrm>
-            <a:off x="1776889" y="2270199"/>
-            <a:ext cx="1049179" cy="294953"/>
-          </a:xfrm>
-          <a:prstGeom prst="rect">
-            <a:avLst/>
-          </a:prstGeom>
-          <a:solidFill>
-            <a:srgbClr val="00FF00"/>
-          </a:solidFill>
-        </p:spPr>
-        <p:txBody>
-          <a:bodyPr vert="horz" wrap="square" lIns="0" tIns="0" rIns="0" bIns="0" rtlCol="0">
-            <a:spAutoFit/>
-          </a:bodyPr>
-          <a:lstStyle/>
-          <a:p>
-            <a:pPr>
-              <a:lnSpc>
-                <a:spcPts val="2261"/>
-              </a:lnSpc>
-            </a:pPr>
-            <a:r>
-              <a:rPr sz="1950" spc="-90" dirty="0"/>
-              <a:t>Document</a:t>
-            </a:r>
-            <a:endParaRPr sz="1950" dirty="0"/>
-          </a:p>
-        </p:txBody>
-      </p:sp>
-      <p:sp>
-        <p:nvSpPr>
-          <p:cNvPr id="6" name="object 6"/>
-          <p:cNvSpPr txBox="1"/>
-          <p:nvPr/>
-        </p:nvSpPr>
-        <p:spPr>
-          <a:xfrm>
-            <a:off x="2825925" y="2270199"/>
-            <a:ext cx="1492091" cy="294953"/>
-          </a:xfrm>
-          <a:prstGeom prst="rect">
-            <a:avLst/>
-          </a:prstGeom>
-          <a:solidFill>
-            <a:srgbClr val="FFFF00"/>
-          </a:solidFill>
-        </p:spPr>
-        <p:txBody>
-          <a:bodyPr vert="horz" wrap="square" lIns="0" tIns="0" rIns="0" bIns="0" rtlCol="0">
-            <a:spAutoFit/>
-          </a:bodyPr>
-          <a:lstStyle/>
-          <a:p>
-            <a:pPr marL="55721">
-              <a:lnSpc>
-                <a:spcPts val="2261"/>
-              </a:lnSpc>
-            </a:pPr>
-            <a:r>
-              <a:rPr sz="1950" spc="-75" dirty="0">
-                <a:highlight>
-                  <a:srgbClr val="00FF00"/>
-                </a:highlight>
-              </a:rPr>
-              <a:t>Object</a:t>
-            </a:r>
-            <a:r>
-              <a:rPr sz="1950" spc="-94" dirty="0">
-                <a:highlight>
-                  <a:srgbClr val="00FF00"/>
-                </a:highlight>
-              </a:rPr>
-              <a:t> </a:t>
-            </a:r>
-            <a:r>
-              <a:rPr sz="1950" spc="-41" dirty="0">
-                <a:highlight>
-                  <a:srgbClr val="00FF00"/>
-                </a:highlight>
-              </a:rPr>
-              <a:t>Model.</a:t>
-            </a:r>
-            <a:endParaRPr sz="1950" dirty="0">
-              <a:highlight>
-                <a:srgbClr val="00FF00"/>
-              </a:highlight>
-            </a:endParaRPr>
-          </a:p>
-        </p:txBody>
-      </p:sp>
-      <p:sp>
-        <p:nvSpPr>
-          <p:cNvPr id="7" name="object 7"/>
-          <p:cNvSpPr txBox="1"/>
-          <p:nvPr/>
-        </p:nvSpPr>
-        <p:spPr>
-          <a:xfrm>
-            <a:off x="592456" y="2575179"/>
-            <a:ext cx="3602831" cy="1171796"/>
-          </a:xfrm>
-          <a:prstGeom prst="rect">
-            <a:avLst/>
-          </a:prstGeom>
-        </p:spPr>
-        <p:txBody>
-          <a:bodyPr vert="horz" wrap="square" lIns="0" tIns="42863" rIns="0" bIns="0" rtlCol="0">
-            <a:spAutoFit/>
-          </a:bodyPr>
-          <a:lstStyle/>
-          <a:p>
-            <a:pPr marL="9525" marR="271939">
-              <a:lnSpc>
-                <a:spcPts val="2108"/>
-              </a:lnSpc>
-              <a:spcBef>
-                <a:spcPts val="338"/>
-              </a:spcBef>
-            </a:pPr>
-            <a:r>
-              <a:rPr sz="1950" spc="-143"/>
-              <a:t>DOM</a:t>
-            </a:r>
-            <a:r>
-              <a:rPr sz="1950" spc="-86"/>
-              <a:t> </a:t>
-            </a:r>
-            <a:r>
-              <a:rPr sz="1950" spc="-53"/>
-              <a:t>er</a:t>
-            </a:r>
-            <a:r>
-              <a:rPr sz="1950" spc="-83"/>
-              <a:t> </a:t>
-            </a:r>
-            <a:r>
-              <a:rPr sz="1950" spc="-101"/>
-              <a:t>en</a:t>
-            </a:r>
-            <a:r>
-              <a:rPr sz="1950" spc="-90"/>
-              <a:t> </a:t>
-            </a:r>
-            <a:r>
-              <a:rPr sz="1950" spc="-34"/>
-              <a:t>struktureret</a:t>
-            </a:r>
-            <a:r>
-              <a:rPr sz="1950" spc="-86"/>
-              <a:t> </a:t>
-            </a:r>
-            <a:r>
-              <a:rPr sz="1950" spc="-71"/>
-              <a:t>model</a:t>
-            </a:r>
-            <a:r>
-              <a:rPr sz="1950" spc="-86"/>
-              <a:t> </a:t>
-            </a:r>
-            <a:r>
-              <a:rPr sz="1950" spc="-19"/>
-              <a:t>af </a:t>
-            </a:r>
-            <a:r>
-              <a:rPr sz="1950" spc="-8"/>
-              <a:t>websiden,</a:t>
-            </a:r>
-            <a:endParaRPr sz="1950"/>
-          </a:p>
-          <a:p>
-            <a:pPr marL="9525" marR="3810" indent="55721">
-              <a:lnSpc>
-                <a:spcPts val="2108"/>
-              </a:lnSpc>
-              <a:spcBef>
-                <a:spcPts val="428"/>
-              </a:spcBef>
-            </a:pPr>
-            <a:r>
-              <a:rPr sz="1950" spc="-101"/>
-              <a:t>en</a:t>
-            </a:r>
-            <a:r>
-              <a:rPr sz="1950" spc="-90"/>
-              <a:t> </a:t>
-            </a:r>
-            <a:r>
-              <a:rPr sz="1950" spc="-56"/>
-              <a:t>træ-</a:t>
-            </a:r>
-            <a:r>
-              <a:rPr sz="1950" spc="-26"/>
-              <a:t>struktur</a:t>
-            </a:r>
-            <a:r>
-              <a:rPr sz="1950" spc="-83"/>
-              <a:t> </a:t>
-            </a:r>
-            <a:r>
-              <a:rPr sz="1950" spc="-86"/>
-              <a:t>opsætning,</a:t>
-            </a:r>
-            <a:r>
-              <a:rPr sz="1950" spc="-83"/>
-              <a:t> </a:t>
-            </a:r>
-            <a:r>
-              <a:rPr sz="1950" spc="-127"/>
-              <a:t>som</a:t>
-            </a:r>
-            <a:r>
-              <a:rPr sz="1950" spc="-90"/>
-              <a:t> </a:t>
-            </a:r>
-            <a:r>
-              <a:rPr sz="1950" spc="-19"/>
-              <a:t>du </a:t>
-            </a:r>
-            <a:r>
-              <a:rPr sz="1950" spc="-94"/>
-              <a:t>kender</a:t>
-            </a:r>
-            <a:r>
-              <a:rPr sz="1950" spc="-83"/>
-              <a:t> </a:t>
-            </a:r>
-            <a:r>
-              <a:rPr sz="1950" spc="-45"/>
-              <a:t>fra</a:t>
-            </a:r>
-            <a:r>
-              <a:rPr sz="1950" spc="-86"/>
-              <a:t> </a:t>
-            </a:r>
-            <a:r>
-              <a:rPr sz="1950" spc="-109"/>
-              <a:t>f.eks.</a:t>
-            </a:r>
-            <a:r>
-              <a:rPr sz="1950" spc="-79"/>
-              <a:t> </a:t>
-            </a:r>
-            <a:r>
-              <a:rPr sz="1950" spc="-83"/>
-              <a:t>Windows</a:t>
-            </a:r>
-            <a:r>
-              <a:rPr sz="1950" spc="-90"/>
-              <a:t> </a:t>
-            </a:r>
-            <a:r>
-              <a:rPr sz="1950" spc="-8"/>
-              <a:t>stifinder.</a:t>
-            </a:r>
-            <a:endParaRPr sz="1950"/>
-          </a:p>
-        </p:txBody>
-      </p:sp>
-    </p:spTree>
-  </p:cSld>
-  <p:clrMapOvr>
-    <a:masterClrMapping/>
-  </p:clrMapOvr>
-</p:sld>
-</file>
-
-<file path=ppt/slides/slide8.xml><?xml version="1.0" encoding="utf-8"?>
-<p:sld xmlns:a="http://schemas.openxmlformats.org/drawingml/2006/main" xmlns:r="http://schemas.openxmlformats.org/officeDocument/2006/relationships" xmlns:p="http://schemas.openxmlformats.org/presentationml/2006/main">
-  <p:cSld>
-    <p:spTree>
-      <p:nvGrpSpPr>
-        <p:cNvPr id="1" name=""/>
-        <p:cNvGrpSpPr/>
-        <p:nvPr/>
-      </p:nvGrpSpPr>
-      <p:grpSpPr>
-        <a:xfrm>
-          <a:off x="0" y="0"/>
-          <a:ext cx="0" cy="0"/>
-          <a:chOff x="0" y="0"/>
-          <a:chExt cx="0" cy="0"/>
-        </a:xfrm>
-      </p:grpSpPr>
-      <p:sp>
-        <p:nvSpPr>
           <p:cNvPr id="2" name="object 2"/>
           <p:cNvSpPr txBox="1">
             <a:spLocks noGrp="1"/>
@@ -30380,7 +26927,7 @@
 </p:sld>
 </file>
 
-<file path=ppt/slides/slide9.xml><?xml version="1.0" encoding="utf-8"?>
+<file path=ppt/slides/slide4.xml><?xml version="1.0" encoding="utf-8"?>
 <p:sld xmlns:a="http://schemas.openxmlformats.org/drawingml/2006/main" xmlns:r="http://schemas.openxmlformats.org/officeDocument/2006/relationships" xmlns:p="http://schemas.openxmlformats.org/presentationml/2006/main">
   <p:cSld>
     <p:spTree>
@@ -31306,6 +27853,1654 @@
         </p:txBody>
       </p:sp>
     </p:spTree>
+  </p:cSld>
+  <p:clrMapOvr>
+    <a:masterClrMapping/>
+  </p:clrMapOvr>
+</p:sld>
+</file>
+
+<file path=ppt/slides/slide5.xml><?xml version="1.0" encoding="utf-8"?>
+<p:sld xmlns:a="http://schemas.openxmlformats.org/drawingml/2006/main" xmlns:r="http://schemas.openxmlformats.org/officeDocument/2006/relationships" xmlns:p="http://schemas.openxmlformats.org/presentationml/2006/main">
+  <p:cSld>
+    <p:spTree>
+      <p:nvGrpSpPr>
+        <p:cNvPr id="1" name=""/>
+        <p:cNvGrpSpPr/>
+        <p:nvPr/>
+      </p:nvGrpSpPr>
+      <p:grpSpPr>
+        <a:xfrm>
+          <a:off x="0" y="0"/>
+          <a:ext cx="0" cy="0"/>
+          <a:chOff x="0" y="0"/>
+          <a:chExt cx="0" cy="0"/>
+        </a:xfrm>
+      </p:grpSpPr>
+      <p:sp>
+        <p:nvSpPr>
+          <p:cNvPr id="2" name="object 2"/>
+          <p:cNvSpPr txBox="1">
+            <a:spLocks noGrp="1"/>
+          </p:cNvSpPr>
+          <p:nvPr>
+            <p:ph type="title"/>
+          </p:nvPr>
+        </p:nvSpPr>
+        <p:spPr>
+          <a:xfrm>
+            <a:off x="342900" y="161926"/>
+            <a:ext cx="6172200" cy="576440"/>
+          </a:xfrm>
+          <a:prstGeom prst="rect">
+            <a:avLst/>
+          </a:prstGeom>
+        </p:spPr>
+        <p:txBody>
+          <a:bodyPr spcFirstLastPara="1" vert="horz" wrap="square" lIns="0" tIns="9525" rIns="0" bIns="0" rtlCol="0" anchor="b" anchorCtr="0">
+            <a:spAutoFit/>
+          </a:bodyPr>
+          <a:lstStyle/>
+          <a:p>
+            <a:pPr marL="9525">
+              <a:spcBef>
+                <a:spcPts val="75"/>
+              </a:spcBef>
+            </a:pPr>
+            <a:r>
+              <a:t>Selection</a:t>
+            </a:r>
+            <a:r>
+              <a:rPr spc="4"/>
+              <a:t> </a:t>
+            </a:r>
+            <a:r>
+              <a:rPr spc="-8"/>
+              <a:t>Methods</a:t>
+            </a:r>
+          </a:p>
+        </p:txBody>
+      </p:sp>
+      <p:sp>
+        <p:nvSpPr>
+          <p:cNvPr id="3" name="object 3"/>
+          <p:cNvSpPr txBox="1">
+            <a:spLocks noGrp="1"/>
+          </p:cNvSpPr>
+          <p:nvPr>
+            <p:ph type="body" idx="1"/>
+          </p:nvPr>
+        </p:nvSpPr>
+        <p:spPr>
+          <a:xfrm>
+            <a:off x="342900" y="900113"/>
+            <a:ext cx="6172200" cy="1610826"/>
+          </a:xfrm>
+          <a:prstGeom prst="rect">
+            <a:avLst/>
+          </a:prstGeom>
+        </p:spPr>
+        <p:txBody>
+          <a:bodyPr spcFirstLastPara="1" vert="horz" wrap="square" lIns="0" tIns="9525" rIns="0" bIns="0" rtlCol="0" anchor="t" anchorCtr="0">
+            <a:spAutoFit/>
+          </a:bodyPr>
+          <a:lstStyle/>
+          <a:p>
+            <a:pPr marL="9525">
+              <a:spcBef>
+                <a:spcPts val="75"/>
+              </a:spcBef>
+            </a:pPr>
+            <a:r>
+              <a:rPr sz="1800" spc="-139"/>
+              <a:t>The</a:t>
+            </a:r>
+            <a:r>
+              <a:rPr sz="1800" spc="-75"/>
+              <a:t> </a:t>
+            </a:r>
+            <a:r>
+              <a:rPr sz="1800" spc="-71"/>
+              <a:t>most</a:t>
+            </a:r>
+            <a:r>
+              <a:rPr sz="1800" spc="-83"/>
+              <a:t> </a:t>
+            </a:r>
+            <a:r>
+              <a:rPr sz="1800" spc="-26"/>
+              <a:t>important</a:t>
+            </a:r>
+            <a:r>
+              <a:rPr sz="1800" spc="-79"/>
+              <a:t> </a:t>
+            </a:r>
+            <a:r>
+              <a:rPr sz="1800" spc="-135"/>
+              <a:t>DOM</a:t>
+            </a:r>
+            <a:r>
+              <a:rPr sz="1800" spc="-83"/>
+              <a:t> </a:t>
+            </a:r>
+            <a:r>
+              <a:rPr sz="1800" spc="-8"/>
+              <a:t>methods</a:t>
+            </a:r>
+            <a:endParaRPr sz="1800"/>
+          </a:p>
+          <a:p>
+            <a:pPr marL="9525" marR="3810">
+              <a:lnSpc>
+                <a:spcPct val="100800"/>
+              </a:lnSpc>
+              <a:spcBef>
+                <a:spcPts val="1492"/>
+              </a:spcBef>
+            </a:pPr>
+            <a:r>
+              <a:rPr sz="1800" spc="-131"/>
+              <a:t>They</a:t>
+            </a:r>
+            <a:r>
+              <a:rPr sz="1800" spc="-90"/>
+              <a:t> </a:t>
+            </a:r>
+            <a:r>
+              <a:rPr sz="1800" spc="-45"/>
+              <a:t>allow</a:t>
+            </a:r>
+            <a:r>
+              <a:rPr sz="1800" spc="-86"/>
+              <a:t> you </a:t>
+            </a:r>
+            <a:r>
+              <a:rPr sz="1800"/>
+              <a:t>to</a:t>
+            </a:r>
+            <a:r>
+              <a:rPr sz="1800" spc="-86"/>
+              <a:t> </a:t>
+            </a:r>
+            <a:r>
+              <a:rPr sz="1800" spc="-79"/>
+              <a:t>select</a:t>
+            </a:r>
+            <a:r>
+              <a:rPr sz="1800" spc="-86"/>
+              <a:t> </a:t>
+            </a:r>
+            <a:r>
+              <a:rPr sz="1800" spc="-83"/>
+              <a:t>one </a:t>
+            </a:r>
+            <a:r>
+              <a:rPr sz="1800" spc="-15"/>
+              <a:t>or</a:t>
+            </a:r>
+            <a:r>
+              <a:rPr sz="1800" spc="-83"/>
+              <a:t> </a:t>
+            </a:r>
+            <a:r>
+              <a:rPr sz="1800" spc="-64"/>
+              <a:t>more</a:t>
+            </a:r>
+            <a:r>
+              <a:rPr sz="1800" spc="-83"/>
+              <a:t> </a:t>
+            </a:r>
+            <a:r>
+              <a:rPr sz="1800" spc="-64"/>
+              <a:t>document</a:t>
+            </a:r>
+            <a:r>
+              <a:rPr sz="1800" spc="-86"/>
+              <a:t> </a:t>
+            </a:r>
+            <a:r>
+              <a:rPr sz="1800" spc="-71"/>
+              <a:t>elements.</a:t>
+            </a:r>
+            <a:r>
+              <a:rPr sz="1800" spc="-90"/>
+              <a:t> </a:t>
+            </a:r>
+            <a:r>
+              <a:rPr sz="1800" spc="-139"/>
+              <a:t>The</a:t>
+            </a:r>
+            <a:r>
+              <a:rPr sz="1800" spc="-83"/>
+              <a:t> </a:t>
+            </a:r>
+            <a:r>
+              <a:rPr sz="1800" spc="-60"/>
+              <a:t>oldest</a:t>
+            </a:r>
+            <a:r>
+              <a:rPr sz="1800" spc="-86"/>
+              <a:t> </a:t>
+            </a:r>
+            <a:r>
+              <a:rPr sz="1800" spc="-98"/>
+              <a:t>3</a:t>
+            </a:r>
+            <a:r>
+              <a:rPr sz="1800" spc="-86"/>
+              <a:t> </a:t>
+            </a:r>
+            <a:r>
+              <a:rPr sz="1800" spc="-15"/>
+              <a:t>are: </a:t>
+            </a:r>
+            <a:r>
+              <a:rPr sz="1800" b="1" spc="-109"/>
+              <a:t>getElementById("</a:t>
+            </a:r>
+            <a:r>
+              <a:rPr sz="1800" i="1" spc="-109"/>
+              <a:t>id</a:t>
+            </a:r>
+            <a:r>
+              <a:rPr sz="1800" b="1" spc="-109"/>
+              <a:t>"),</a:t>
+            </a:r>
+            <a:r>
+              <a:rPr sz="1800" b="1" spc="34"/>
+              <a:t> </a:t>
+            </a:r>
+            <a:r>
+              <a:rPr sz="1800" b="1" spc="-146"/>
+              <a:t>getElementsByClassName("</a:t>
+            </a:r>
+            <a:r>
+              <a:rPr sz="1800" i="1" spc="-146"/>
+              <a:t>name</a:t>
+            </a:r>
+            <a:r>
+              <a:rPr sz="1800" b="1" spc="-146"/>
+              <a:t>")</a:t>
+            </a:r>
+            <a:r>
+              <a:rPr sz="1800" b="1" spc="30"/>
+              <a:t> </a:t>
+            </a:r>
+            <a:r>
+              <a:rPr sz="1800" spc="-19"/>
+              <a:t>and </a:t>
+            </a:r>
+            <a:r>
+              <a:rPr sz="1800" b="1" spc="-113"/>
+              <a:t>getElementsByTagName("</a:t>
+            </a:r>
+            <a:r>
+              <a:rPr sz="1800" i="1" spc="-113"/>
+              <a:t>name</a:t>
+            </a:r>
+            <a:r>
+              <a:rPr sz="1800" b="1" spc="-113"/>
+              <a:t>")</a:t>
+            </a:r>
+            <a:endParaRPr sz="1800"/>
+          </a:p>
+        </p:txBody>
+      </p:sp>
+      <p:pic>
+        <p:nvPicPr>
+          <p:cNvPr id="4" name="object 4"/>
+          <p:cNvPicPr/>
+          <p:nvPr/>
+        </p:nvPicPr>
+        <p:blipFill>
+          <a:blip r:embed="rId2" cstate="print"/>
+          <a:stretch>
+            <a:fillRect/>
+          </a:stretch>
+        </p:blipFill>
+        <p:spPr>
+          <a:xfrm>
+            <a:off x="1972340" y="2758530"/>
+            <a:ext cx="5193675" cy="2046420"/>
+          </a:xfrm>
+          <a:prstGeom prst="rect">
+            <a:avLst/>
+          </a:prstGeom>
+        </p:spPr>
+      </p:pic>
+    </p:spTree>
+  </p:cSld>
+  <p:clrMapOvr>
+    <a:masterClrMapping/>
+  </p:clrMapOvr>
+</p:sld>
+</file>
+
+<file path=ppt/slides/slide6.xml><?xml version="1.0" encoding="utf-8"?>
+<p:sld xmlns:a="http://schemas.openxmlformats.org/drawingml/2006/main" xmlns:r="http://schemas.openxmlformats.org/officeDocument/2006/relationships" xmlns:p="http://schemas.openxmlformats.org/presentationml/2006/main">
+  <p:cSld>
+    <p:spTree>
+      <p:nvGrpSpPr>
+        <p:cNvPr id="1" name=""/>
+        <p:cNvGrpSpPr/>
+        <p:nvPr/>
+      </p:nvGrpSpPr>
+      <p:grpSpPr>
+        <a:xfrm>
+          <a:off x="0" y="0"/>
+          <a:ext cx="0" cy="0"/>
+          <a:chOff x="0" y="0"/>
+          <a:chExt cx="0" cy="0"/>
+        </a:xfrm>
+      </p:grpSpPr>
+      <p:sp>
+        <p:nvSpPr>
+          <p:cNvPr id="3" name="object 3"/>
+          <p:cNvSpPr txBox="1">
+            <a:spLocks noGrp="1"/>
+          </p:cNvSpPr>
+          <p:nvPr>
+            <p:ph type="title"/>
+          </p:nvPr>
+        </p:nvSpPr>
+        <p:spPr>
+          <a:xfrm>
+            <a:off x="516244" y="344043"/>
+            <a:ext cx="8708078" cy="576440"/>
+          </a:xfrm>
+          <a:prstGeom prst="rect">
+            <a:avLst/>
+          </a:prstGeom>
+        </p:spPr>
+        <p:txBody>
+          <a:bodyPr spcFirstLastPara="1" vert="horz" wrap="square" lIns="0" tIns="9525" rIns="0" bIns="0" rtlCol="0" anchor="t" anchorCtr="0">
+            <a:spAutoFit/>
+          </a:bodyPr>
+          <a:lstStyle/>
+          <a:p>
+            <a:pPr marL="9525">
+              <a:spcBef>
+                <a:spcPts val="75"/>
+              </a:spcBef>
+            </a:pPr>
+            <a:r>
+              <a:t>Query Selection</a:t>
+            </a:r>
+            <a:r>
+              <a:rPr spc="8"/>
+              <a:t> </a:t>
+            </a:r>
+            <a:r>
+              <a:rPr spc="-8"/>
+              <a:t>Methods(</a:t>
+            </a:r>
+            <a:r>
+              <a:rPr lang="en-US" spc="-8"/>
+              <a:t>recommend</a:t>
+            </a:r>
+            <a:r>
+              <a:rPr spc="-8"/>
+              <a:t>)</a:t>
+            </a:r>
+          </a:p>
+        </p:txBody>
+      </p:sp>
+      <p:sp>
+        <p:nvSpPr>
+          <p:cNvPr id="4" name="object 4"/>
+          <p:cNvSpPr txBox="1"/>
+          <p:nvPr/>
+        </p:nvSpPr>
+        <p:spPr>
+          <a:xfrm>
+            <a:off x="630544" y="1311783"/>
+            <a:ext cx="2667000" cy="1671611"/>
+          </a:xfrm>
+          <a:prstGeom prst="rect">
+            <a:avLst/>
+          </a:prstGeom>
+        </p:spPr>
+        <p:txBody>
+          <a:bodyPr vert="horz" wrap="square" lIns="0" tIns="9525" rIns="0" bIns="0" rtlCol="0">
+            <a:spAutoFit/>
+          </a:bodyPr>
+          <a:lstStyle/>
+          <a:p>
+            <a:pPr marL="9525" marR="3810">
+              <a:spcBef>
+                <a:spcPts val="75"/>
+              </a:spcBef>
+            </a:pPr>
+            <a:r>
+              <a:rPr sz="1800" spc="-139"/>
+              <a:t>The</a:t>
+            </a:r>
+            <a:r>
+              <a:rPr sz="1800" spc="-71"/>
+              <a:t> </a:t>
+            </a:r>
+            <a:r>
+              <a:rPr sz="1800" spc="-68"/>
+              <a:t>newer</a:t>
+            </a:r>
+            <a:r>
+              <a:rPr sz="1800" spc="-71"/>
+              <a:t> </a:t>
+            </a:r>
+            <a:r>
+              <a:rPr sz="1800" b="1" spc="-71"/>
+              <a:t>querySelector</a:t>
+            </a:r>
+            <a:r>
+              <a:rPr sz="1800" spc="-71"/>
+              <a:t>() </a:t>
+            </a:r>
+            <a:r>
+              <a:rPr sz="1800" spc="-94"/>
+              <a:t>and</a:t>
+            </a:r>
+            <a:r>
+              <a:rPr sz="1800" spc="-79"/>
+              <a:t> </a:t>
+            </a:r>
+            <a:r>
+              <a:rPr sz="1800" b="1" spc="-79"/>
+              <a:t>querySelectorAll</a:t>
+            </a:r>
+            <a:r>
+              <a:rPr sz="1800" spc="-79"/>
+              <a:t>() </a:t>
+            </a:r>
+            <a:r>
+              <a:rPr sz="1800" spc="-68"/>
+              <a:t>methods</a:t>
+            </a:r>
+            <a:r>
+              <a:rPr sz="1800" spc="-86"/>
+              <a:t> </a:t>
+            </a:r>
+            <a:r>
+              <a:rPr sz="1800" spc="-45"/>
+              <a:t>allow</a:t>
+            </a:r>
+            <a:r>
+              <a:rPr sz="1800" spc="-90"/>
+              <a:t> </a:t>
+            </a:r>
+            <a:r>
+              <a:rPr sz="1800" spc="-86"/>
+              <a:t>you </a:t>
+            </a:r>
+            <a:r>
+              <a:rPr sz="1800"/>
+              <a:t>to</a:t>
+            </a:r>
+            <a:r>
+              <a:rPr sz="1800" spc="-90"/>
+              <a:t> </a:t>
+            </a:r>
+            <a:r>
+              <a:rPr sz="1800" spc="-8"/>
+              <a:t>query for</a:t>
+            </a:r>
+            <a:r>
+              <a:rPr sz="1800" spc="-83"/>
+              <a:t> </a:t>
+            </a:r>
+            <a:r>
+              <a:rPr sz="1800" spc="-135"/>
+              <a:t>DOM</a:t>
+            </a:r>
+            <a:r>
+              <a:rPr sz="1800" spc="-83"/>
+              <a:t> </a:t>
+            </a:r>
+            <a:r>
+              <a:rPr sz="1800" spc="-75"/>
+              <a:t>elements</a:t>
+            </a:r>
+            <a:r>
+              <a:rPr sz="1800" spc="-83"/>
+              <a:t> </a:t>
+            </a:r>
+            <a:r>
+              <a:rPr sz="1800" spc="-94"/>
+              <a:t>much</a:t>
+            </a:r>
+            <a:r>
+              <a:rPr sz="1800" spc="-83"/>
+              <a:t> </a:t>
+            </a:r>
+            <a:r>
+              <a:rPr sz="1800" spc="-19"/>
+              <a:t>the </a:t>
+            </a:r>
+            <a:r>
+              <a:rPr sz="1800" spc="-135"/>
+              <a:t>same</a:t>
+            </a:r>
+            <a:r>
+              <a:rPr sz="1800" spc="-90"/>
+              <a:t> </a:t>
+            </a:r>
+            <a:r>
+              <a:rPr sz="1800" spc="-109"/>
+              <a:t>way</a:t>
+            </a:r>
+            <a:r>
+              <a:rPr sz="1800" spc="-86"/>
+              <a:t> you</a:t>
+            </a:r>
+            <a:r>
+              <a:rPr sz="1800" spc="-90"/>
+              <a:t> </a:t>
+            </a:r>
+            <a:r>
+              <a:rPr sz="1800" spc="-79"/>
+              <a:t>specify</a:t>
+            </a:r>
+            <a:r>
+              <a:rPr sz="1800" spc="-86"/>
+              <a:t> </a:t>
+            </a:r>
+            <a:r>
+              <a:rPr sz="1800" spc="-398"/>
+              <a:t>CSS</a:t>
+            </a:r>
+            <a:r>
+              <a:rPr sz="1800" spc="-8"/>
+              <a:t> styles</a:t>
+            </a:r>
+            <a:endParaRPr sz="1800"/>
+          </a:p>
+        </p:txBody>
+      </p:sp>
+      <p:pic>
+        <p:nvPicPr>
+          <p:cNvPr id="5" name="object 5"/>
+          <p:cNvPicPr/>
+          <p:nvPr/>
+        </p:nvPicPr>
+        <p:blipFill>
+          <a:blip r:embed="rId2" cstate="print"/>
+          <a:stretch>
+            <a:fillRect/>
+          </a:stretch>
+        </p:blipFill>
+        <p:spPr>
+          <a:xfrm>
+            <a:off x="3580164" y="984487"/>
+            <a:ext cx="5111976" cy="3750635"/>
+          </a:xfrm>
+          <a:prstGeom prst="rect">
+            <a:avLst/>
+          </a:prstGeom>
+        </p:spPr>
+      </p:pic>
+    </p:spTree>
+  </p:cSld>
+  <p:clrMapOvr>
+    <a:masterClrMapping/>
+  </p:clrMapOvr>
+</p:sld>
+</file>
+
+<file path=ppt/slides/slide7.xml><?xml version="1.0" encoding="utf-8"?>
+<p:sld xmlns:a="http://schemas.openxmlformats.org/drawingml/2006/main" xmlns:r="http://schemas.openxmlformats.org/officeDocument/2006/relationships" xmlns:p="http://schemas.openxmlformats.org/presentationml/2006/main">
+  <p:cSld>
+    <p:spTree>
+      <p:nvGrpSpPr>
+        <p:cNvPr id="1" name=""/>
+        <p:cNvGrpSpPr/>
+        <p:nvPr/>
+      </p:nvGrpSpPr>
+      <p:grpSpPr>
+        <a:xfrm>
+          <a:off x="0" y="0"/>
+          <a:ext cx="0" cy="0"/>
+          <a:chOff x="0" y="0"/>
+          <a:chExt cx="0" cy="0"/>
+        </a:xfrm>
+      </p:grpSpPr>
+      <p:sp>
+        <p:nvSpPr>
+          <p:cNvPr id="2" name="Title 1">
+            <a:extLst>
+              <a:ext uri="{FF2B5EF4-FFF2-40B4-BE49-F238E27FC236}">
+                <a16:creationId xmlns:a16="http://schemas.microsoft.com/office/drawing/2014/main" id="{4DC8DFB2-337A-47C3-8D0B-9EE0EFF89FFD}"/>
+              </a:ext>
+            </a:extLst>
+          </p:cNvPr>
+          <p:cNvSpPr>
+            <a:spLocks noGrp="1"/>
+          </p:cNvSpPr>
+          <p:nvPr>
+            <p:ph type="title"/>
+          </p:nvPr>
+        </p:nvSpPr>
+        <p:spPr/>
+        <p:txBody>
+          <a:bodyPr/>
+          <a:lstStyle/>
+          <a:p>
+            <a:r>
+              <a:rPr lang="en-CA" sz="3200"/>
+              <a:t>Some Essential Element Node Properties</a:t>
+            </a:r>
+          </a:p>
+        </p:txBody>
+      </p:sp>
+      <p:sp>
+        <p:nvSpPr>
+          <p:cNvPr id="3" name="Text Placeholder 2">
+            <a:extLst>
+              <a:ext uri="{FF2B5EF4-FFF2-40B4-BE49-F238E27FC236}">
+                <a16:creationId xmlns:a16="http://schemas.microsoft.com/office/drawing/2014/main" id="{8BF02019-E6D2-4D3A-ABAA-F387038A6E68}"/>
+              </a:ext>
+            </a:extLst>
+          </p:cNvPr>
+          <p:cNvSpPr>
+            <a:spLocks noGrp="1"/>
+          </p:cNvSpPr>
+          <p:nvPr>
+            <p:ph type="body" idx="1"/>
+          </p:nvPr>
+        </p:nvSpPr>
+        <p:spPr/>
+        <p:txBody>
+          <a:bodyPr/>
+          <a:lstStyle/>
+          <a:p>
+            <a:pPr algn="l"/>
+            <a:r>
+              <a:rPr lang="en-US" b="1" i="0" u="none" strike="noStrike" baseline="0" dirty="0" err="1">
+                <a:latin typeface="+mj-lt"/>
+              </a:rPr>
+              <a:t>classList</a:t>
+            </a:r>
+            <a:r>
+              <a:rPr lang="en-US" b="1" i="0" u="none" strike="noStrike" baseline="0" dirty="0">
+                <a:latin typeface="+mj-lt"/>
+              </a:rPr>
+              <a:t> </a:t>
+            </a:r>
+            <a:r>
+              <a:rPr lang="en-US" b="0" i="0" u="none" strike="noStrike" baseline="0" dirty="0">
+                <a:latin typeface="+mj-lt"/>
+              </a:rPr>
+              <a:t>A read-only list of CSS classes assigned to this element. This list has a variety of helper methods for manipulating this list.</a:t>
+            </a:r>
+          </a:p>
+          <a:p>
+            <a:pPr algn="l"/>
+            <a:r>
+              <a:rPr lang="en-US" b="1" i="0" u="none" strike="noStrike" baseline="0" dirty="0" err="1">
+                <a:latin typeface="+mj-lt"/>
+              </a:rPr>
+              <a:t>className</a:t>
+            </a:r>
+            <a:r>
+              <a:rPr lang="en-US" b="1" i="0" u="none" strike="noStrike" baseline="0" dirty="0">
+                <a:latin typeface="+mj-lt"/>
+              </a:rPr>
+              <a:t> </a:t>
+            </a:r>
+            <a:r>
+              <a:rPr lang="en-US" b="0" i="0" u="none" strike="noStrike" baseline="0" dirty="0">
+                <a:latin typeface="+mj-lt"/>
+              </a:rPr>
+              <a:t>The current value for the class attribute of this HTML element.</a:t>
+            </a:r>
+          </a:p>
+          <a:p>
+            <a:pPr algn="l"/>
+            <a:r>
+              <a:rPr lang="en-US" b="1" i="0" u="none" strike="noStrike" baseline="0" dirty="0">
+                <a:latin typeface="+mj-lt"/>
+              </a:rPr>
+              <a:t>id </a:t>
+            </a:r>
+            <a:r>
+              <a:rPr lang="en-US" b="0" i="0" u="none" strike="noStrike" baseline="0" dirty="0">
+                <a:latin typeface="+mj-lt"/>
+              </a:rPr>
+              <a:t>The current value for the id of this element.</a:t>
+            </a:r>
+          </a:p>
+          <a:p>
+            <a:pPr algn="l"/>
+            <a:r>
+              <a:rPr lang="en-US" b="1" i="0" u="none" strike="noStrike" baseline="0" dirty="0" err="1">
+                <a:latin typeface="+mj-lt"/>
+              </a:rPr>
+              <a:t>innerHTML</a:t>
+            </a:r>
+            <a:r>
+              <a:rPr lang="en-US" b="1" i="0" u="none" strike="noStrike" baseline="0" dirty="0">
+                <a:latin typeface="+mj-lt"/>
+              </a:rPr>
+              <a:t> </a:t>
+            </a:r>
+            <a:r>
+              <a:rPr lang="en-US" b="0" i="0" u="none" strike="noStrike" baseline="0" dirty="0">
+                <a:latin typeface="+mj-lt"/>
+              </a:rPr>
+              <a:t>Represents all the content (text and tags) of the element.</a:t>
+            </a:r>
+          </a:p>
+          <a:p>
+            <a:pPr algn="l"/>
+            <a:r>
+              <a:rPr lang="en-US" b="1" i="0" u="none" strike="noStrike" baseline="0" dirty="0">
+                <a:latin typeface="+mj-lt"/>
+              </a:rPr>
+              <a:t>style </a:t>
+            </a:r>
+            <a:r>
+              <a:rPr lang="en-US" b="0" i="0" u="none" strike="noStrike" baseline="0" dirty="0">
+                <a:latin typeface="+mj-lt"/>
+              </a:rPr>
+              <a:t>The style attribute of an element. This returns a </a:t>
+            </a:r>
+            <a:r>
+              <a:rPr lang="en-US" b="0" i="0" u="none" strike="noStrike" baseline="0" dirty="0" err="1">
+                <a:latin typeface="+mj-lt"/>
+              </a:rPr>
+              <a:t>CSSStyleDeclaration</a:t>
+            </a:r>
+            <a:r>
+              <a:rPr lang="en-US" b="0" i="0" u="none" strike="noStrike" baseline="0" dirty="0">
+                <a:latin typeface="+mj-lt"/>
+              </a:rPr>
+              <a:t> object that contains sub-properties that correspond to the various CSS properties.</a:t>
+            </a:r>
+          </a:p>
+          <a:p>
+            <a:pPr algn="l"/>
+            <a:r>
+              <a:rPr lang="en-US" b="1" i="0" u="none" strike="noStrike" baseline="0" dirty="0" err="1">
+                <a:latin typeface="+mj-lt"/>
+              </a:rPr>
+              <a:t>tagName</a:t>
+            </a:r>
+            <a:r>
+              <a:rPr lang="en-US" b="1" i="0" u="none" strike="noStrike" baseline="0" dirty="0">
+                <a:latin typeface="+mj-lt"/>
+              </a:rPr>
+              <a:t> </a:t>
+            </a:r>
+            <a:r>
+              <a:rPr lang="en-US" b="0" i="0" u="none" strike="noStrike" baseline="0" dirty="0">
+                <a:latin typeface="+mj-lt"/>
+              </a:rPr>
+              <a:t>The tag name for the element.</a:t>
+            </a:r>
+            <a:endParaRPr lang="en-CA" sz="1400" dirty="0">
+              <a:latin typeface="+mj-lt"/>
+            </a:endParaRPr>
+          </a:p>
+        </p:txBody>
+      </p:sp>
+    </p:spTree>
+    <p:extLst>
+      <p:ext uri="{BB962C8B-B14F-4D97-AF65-F5344CB8AC3E}">
+        <p14:creationId xmlns:p14="http://schemas.microsoft.com/office/powerpoint/2010/main" val="468013702"/>
+      </p:ext>
+    </p:extLst>
+  </p:cSld>
+  <p:clrMapOvr>
+    <a:masterClrMapping/>
+  </p:clrMapOvr>
+</p:sld>
+</file>
+
+<file path=ppt/slides/slide8.xml><?xml version="1.0" encoding="utf-8"?>
+<p:sld xmlns:a="http://schemas.openxmlformats.org/drawingml/2006/main" xmlns:r="http://schemas.openxmlformats.org/officeDocument/2006/relationships" xmlns:p="http://schemas.openxmlformats.org/presentationml/2006/main">
+  <p:cSld>
+    <p:spTree>
+      <p:nvGrpSpPr>
+        <p:cNvPr id="1" name=""/>
+        <p:cNvGrpSpPr/>
+        <p:nvPr/>
+      </p:nvGrpSpPr>
+      <p:grpSpPr>
+        <a:xfrm>
+          <a:off x="0" y="0"/>
+          <a:ext cx="0" cy="0"/>
+          <a:chOff x="0" y="0"/>
+          <a:chExt cx="0" cy="0"/>
+        </a:xfrm>
+      </p:grpSpPr>
+      <p:sp>
+        <p:nvSpPr>
+          <p:cNvPr id="2" name="object 2"/>
+          <p:cNvSpPr txBox="1">
+            <a:spLocks noGrp="1"/>
+          </p:cNvSpPr>
+          <p:nvPr>
+            <p:ph type="title"/>
+          </p:nvPr>
+        </p:nvSpPr>
+        <p:spPr>
+          <a:xfrm>
+            <a:off x="516243" y="331219"/>
+            <a:ext cx="8111513" cy="576440"/>
+          </a:xfrm>
+          <a:prstGeom prst="rect">
+            <a:avLst/>
+          </a:prstGeom>
+        </p:spPr>
+        <p:txBody>
+          <a:bodyPr spcFirstLastPara="1" vert="horz" wrap="square" lIns="0" tIns="9525" rIns="0" bIns="0" rtlCol="0" anchor="b" anchorCtr="0">
+            <a:spAutoFit/>
+          </a:bodyPr>
+          <a:lstStyle/>
+          <a:p>
+            <a:pPr marL="9525">
+              <a:spcBef>
+                <a:spcPts val="75"/>
+              </a:spcBef>
+            </a:pPr>
+            <a:r>
+              <a:rPr dirty="0"/>
+              <a:t>Changing</a:t>
+            </a:r>
+            <a:r>
+              <a:rPr spc="-38" dirty="0"/>
+              <a:t> </a:t>
+            </a:r>
+            <a:r>
+              <a:rPr dirty="0"/>
+              <a:t>an</a:t>
+            </a:r>
+            <a:r>
+              <a:rPr spc="-30" dirty="0"/>
+              <a:t> </a:t>
+            </a:r>
+            <a:r>
+              <a:rPr dirty="0"/>
+              <a:t>Element’s</a:t>
+            </a:r>
+            <a:r>
+              <a:rPr spc="-30" dirty="0"/>
+              <a:t> </a:t>
+            </a:r>
+            <a:r>
+              <a:rPr lang="da-DK" spc="-30" dirty="0"/>
+              <a:t>CSS </a:t>
+            </a:r>
+            <a:r>
+              <a:rPr spc="-8" dirty="0"/>
+              <a:t>Style</a:t>
+            </a:r>
+          </a:p>
+        </p:txBody>
+      </p:sp>
+      <p:sp>
+        <p:nvSpPr>
+          <p:cNvPr id="3" name="object 3"/>
+          <p:cNvSpPr txBox="1"/>
+          <p:nvPr/>
+        </p:nvSpPr>
+        <p:spPr>
+          <a:xfrm>
+            <a:off x="630545" y="1311783"/>
+            <a:ext cx="7881461" cy="2390046"/>
+          </a:xfrm>
+          <a:prstGeom prst="rect">
+            <a:avLst/>
+          </a:prstGeom>
+        </p:spPr>
+        <p:txBody>
+          <a:bodyPr vert="horz" wrap="square" lIns="0" tIns="7144" rIns="0" bIns="0" rtlCol="0" anchor="t">
+            <a:spAutoFit/>
+          </a:bodyPr>
+          <a:lstStyle/>
+          <a:p>
+            <a:pPr marL="9525" marR="3810">
+              <a:lnSpc>
+                <a:spcPct val="100800"/>
+              </a:lnSpc>
+              <a:spcBef>
+                <a:spcPts val="56"/>
+              </a:spcBef>
+            </a:pPr>
+            <a:r>
+              <a:rPr sz="1800" spc="-225" dirty="0"/>
+              <a:t>To</a:t>
+            </a:r>
+            <a:r>
+              <a:rPr sz="1800" spc="-90" dirty="0"/>
+              <a:t> </a:t>
+            </a:r>
+            <a:r>
+              <a:rPr sz="1800" spc="-68" dirty="0"/>
+              <a:t>programmatically</a:t>
+            </a:r>
+            <a:r>
+              <a:rPr sz="1800" spc="-83" dirty="0"/>
+              <a:t> </a:t>
+            </a:r>
+            <a:r>
+              <a:rPr sz="1800" spc="-41" dirty="0"/>
+              <a:t>modify</a:t>
+            </a:r>
+            <a:r>
+              <a:rPr sz="1800" spc="-83" dirty="0"/>
+              <a:t> </a:t>
+            </a:r>
+            <a:r>
+              <a:rPr sz="1800" spc="-26" dirty="0"/>
+              <a:t>the</a:t>
+            </a:r>
+            <a:r>
+              <a:rPr sz="1800" spc="-79" dirty="0"/>
+              <a:t> </a:t>
+            </a:r>
+            <a:r>
+              <a:rPr sz="1800" spc="-86" dirty="0"/>
+              <a:t>styles</a:t>
+            </a:r>
+            <a:r>
+              <a:rPr sz="1800" spc="-83" dirty="0"/>
+              <a:t> </a:t>
+            </a:r>
+            <a:r>
+              <a:rPr sz="1800" spc="-101" dirty="0"/>
+              <a:t>associated</a:t>
+            </a:r>
+            <a:r>
+              <a:rPr sz="1800" spc="-83" dirty="0"/>
+              <a:t> </a:t>
+            </a:r>
+            <a:r>
+              <a:rPr sz="1800" dirty="0"/>
+              <a:t>with</a:t>
+            </a:r>
+            <a:r>
+              <a:rPr sz="1800" spc="-83" dirty="0"/>
+              <a:t> </a:t>
+            </a:r>
+            <a:r>
+              <a:rPr sz="1800" spc="-146" dirty="0"/>
+              <a:t>a</a:t>
+            </a:r>
+            <a:r>
+              <a:rPr sz="1800" spc="-83" dirty="0"/>
+              <a:t> </a:t>
+            </a:r>
+            <a:r>
+              <a:rPr sz="1800" spc="-41" dirty="0"/>
+              <a:t>particular</a:t>
+            </a:r>
+            <a:r>
+              <a:rPr sz="1800" spc="-83" dirty="0"/>
+              <a:t> </a:t>
+            </a:r>
+            <a:r>
+              <a:rPr sz="1800" spc="-56" dirty="0"/>
+              <a:t>element</a:t>
+            </a:r>
+            <a:r>
+              <a:rPr sz="1800" spc="-86" dirty="0"/>
+              <a:t> </a:t>
+            </a:r>
+            <a:r>
+              <a:rPr sz="1800" spc="-83" dirty="0"/>
+              <a:t>one</a:t>
+            </a:r>
+            <a:r>
+              <a:rPr sz="1800" spc="-79" dirty="0"/>
+              <a:t> </a:t>
+            </a:r>
+            <a:r>
+              <a:rPr sz="1800" spc="-15" dirty="0"/>
+              <a:t>must </a:t>
+            </a:r>
+            <a:r>
+              <a:rPr sz="1800" spc="-116" dirty="0"/>
+              <a:t>change</a:t>
+            </a:r>
+            <a:r>
+              <a:rPr sz="1800" spc="-94" dirty="0"/>
+              <a:t> </a:t>
+            </a:r>
+            <a:r>
+              <a:rPr sz="1800" spc="-26" dirty="0"/>
+              <a:t>the</a:t>
+            </a:r>
+            <a:r>
+              <a:rPr sz="1800" spc="-94" dirty="0"/>
+              <a:t> </a:t>
+            </a:r>
+            <a:r>
+              <a:rPr sz="1800" spc="-49" dirty="0"/>
+              <a:t>properties</a:t>
+            </a:r>
+            <a:r>
+              <a:rPr sz="1800" spc="-98" dirty="0"/>
+              <a:t> </a:t>
+            </a:r>
+            <a:r>
+              <a:rPr sz="1800" dirty="0"/>
+              <a:t>of</a:t>
+            </a:r>
+            <a:r>
+              <a:rPr sz="1800" spc="-94" dirty="0"/>
+              <a:t> </a:t>
+            </a:r>
+            <a:r>
+              <a:rPr sz="1800" spc="-26" dirty="0"/>
+              <a:t>the</a:t>
+            </a:r>
+            <a:r>
+              <a:rPr sz="1800" spc="-94" dirty="0"/>
+              <a:t> </a:t>
+            </a:r>
+            <a:r>
+              <a:rPr sz="1800" spc="-64" dirty="0"/>
+              <a:t>style</a:t>
+            </a:r>
+            <a:r>
+              <a:rPr sz="1800" spc="-94" dirty="0"/>
+              <a:t> </a:t>
+            </a:r>
+            <a:r>
+              <a:rPr sz="1800" spc="-38" dirty="0"/>
+              <a:t>property</a:t>
+            </a:r>
+            <a:r>
+              <a:rPr sz="1800" spc="-98" dirty="0"/>
+              <a:t> </a:t>
+            </a:r>
+            <a:r>
+              <a:rPr sz="1800" spc="-8" dirty="0"/>
+              <a:t>for</a:t>
+            </a:r>
+            <a:r>
+              <a:rPr sz="1800" spc="-94" dirty="0"/>
+              <a:t> </a:t>
+            </a:r>
+            <a:r>
+              <a:rPr sz="1800" dirty="0"/>
+              <a:t>that</a:t>
+            </a:r>
+            <a:r>
+              <a:rPr sz="1800" spc="-101" dirty="0"/>
+              <a:t> </a:t>
+            </a:r>
+            <a:r>
+              <a:rPr sz="1800" spc="-8" dirty="0"/>
+              <a:t>element</a:t>
+            </a:r>
+            <a:endParaRPr sz="1800" dirty="0"/>
+          </a:p>
+          <a:p>
+            <a:pPr marL="9525" marR="91916">
+              <a:lnSpc>
+                <a:spcPct val="100800"/>
+              </a:lnSpc>
+              <a:spcBef>
+                <a:spcPts val="1496"/>
+              </a:spcBef>
+            </a:pPr>
+            <a:r>
+              <a:rPr sz="1800" spc="-120" dirty="0"/>
+              <a:t>For</a:t>
+            </a:r>
+            <a:r>
+              <a:rPr sz="1800" spc="-79" dirty="0"/>
+              <a:t> </a:t>
+            </a:r>
+            <a:r>
+              <a:rPr sz="1800" spc="-83" dirty="0"/>
+              <a:t>instance,</a:t>
+            </a:r>
+            <a:r>
+              <a:rPr sz="1800" spc="-79" dirty="0"/>
+              <a:t> </a:t>
+            </a:r>
+            <a:r>
+              <a:rPr sz="1800" dirty="0"/>
+              <a:t>to</a:t>
+            </a:r>
+            <a:r>
+              <a:rPr sz="1800" spc="-79" dirty="0"/>
+              <a:t> </a:t>
+            </a:r>
+            <a:r>
+              <a:rPr sz="1800" spc="-116" dirty="0"/>
+              <a:t>change</a:t>
+            </a:r>
+            <a:r>
+              <a:rPr sz="1800" spc="-75" dirty="0"/>
+              <a:t> </a:t>
+            </a:r>
+            <a:r>
+              <a:rPr sz="1800" spc="-105" dirty="0"/>
+              <a:t>an</a:t>
+            </a:r>
+            <a:r>
+              <a:rPr sz="1800" spc="-75" dirty="0"/>
+              <a:t> </a:t>
+            </a:r>
+            <a:r>
+              <a:rPr sz="1800" spc="-68" dirty="0"/>
+              <a:t>element’s</a:t>
+            </a:r>
+            <a:r>
+              <a:rPr sz="1800" spc="-79" dirty="0"/>
+              <a:t> </a:t>
+            </a:r>
+            <a:r>
+              <a:rPr lang="en-US" sz="1800" spc="-90" dirty="0"/>
+              <a:t>style</a:t>
+            </a:r>
+            <a:r>
+              <a:rPr sz="1800" spc="-19" dirty="0"/>
+              <a:t>, </a:t>
+            </a:r>
+            <a:r>
+              <a:rPr sz="1800" spc="-83" dirty="0"/>
+              <a:t>we</a:t>
+            </a:r>
+            <a:r>
+              <a:rPr sz="1800" spc="-79" dirty="0"/>
+              <a:t> </a:t>
+            </a:r>
+            <a:r>
+              <a:rPr sz="1800" spc="-75" dirty="0"/>
+              <a:t>could</a:t>
+            </a:r>
+            <a:r>
+              <a:rPr sz="1800" spc="-79" dirty="0"/>
+              <a:t> </a:t>
+            </a:r>
+            <a:r>
+              <a:rPr sz="1800" spc="-131" dirty="0"/>
+              <a:t>use</a:t>
+            </a:r>
+            <a:r>
+              <a:rPr sz="1800" spc="-75" dirty="0"/>
+              <a:t> </a:t>
+            </a:r>
+            <a:r>
+              <a:rPr sz="1800" spc="-26" dirty="0"/>
+              <a:t>the</a:t>
+            </a:r>
+            <a:r>
+              <a:rPr sz="1800" spc="-75" dirty="0"/>
+              <a:t> </a:t>
+            </a:r>
+            <a:r>
+              <a:rPr sz="1800" spc="-41" dirty="0"/>
+              <a:t>following</a:t>
+            </a:r>
+            <a:r>
+              <a:rPr sz="1800" spc="-86" dirty="0"/>
+              <a:t> </a:t>
+            </a:r>
+            <a:r>
+              <a:rPr sz="1800" spc="-8" dirty="0"/>
+              <a:t>code:</a:t>
+            </a:r>
+            <a:endParaRPr sz="1800" dirty="0"/>
+          </a:p>
+          <a:p>
+            <a:pPr marL="466725" marR="3010853">
+              <a:lnSpc>
+                <a:spcPct val="256700"/>
+              </a:lnSpc>
+              <a:spcBef>
+                <a:spcPts val="420"/>
+              </a:spcBef>
+            </a:pPr>
+            <a:r>
+              <a:rPr lang="en-GB" sz="1800" dirty="0">
+                <a:latin typeface="Times New Roman"/>
+                <a:cs typeface="Times New Roman"/>
+              </a:rPr>
+              <a:t>https://www.w3schools.com/</a:t>
+            </a:r>
+            <a:r>
+              <a:rPr lang="en-GB" sz="1800" dirty="0" err="1">
+                <a:latin typeface="Times New Roman"/>
+                <a:cs typeface="Times New Roman"/>
+              </a:rPr>
+              <a:t>js</a:t>
+            </a:r>
+            <a:r>
+              <a:rPr lang="en-GB" sz="1800" dirty="0">
+                <a:latin typeface="Times New Roman"/>
+                <a:cs typeface="Times New Roman"/>
+              </a:rPr>
+              <a:t>/</a:t>
+            </a:r>
+            <a:r>
+              <a:rPr lang="en-GB" sz="1800" dirty="0" err="1">
+                <a:latin typeface="Times New Roman"/>
+                <a:cs typeface="Times New Roman"/>
+              </a:rPr>
+              <a:t>tryit.asp?filename</a:t>
+            </a:r>
+            <a:r>
+              <a:rPr lang="en-GB" sz="1800" dirty="0">
+                <a:latin typeface="Times New Roman"/>
+                <a:cs typeface="Times New Roman"/>
+              </a:rPr>
+              <a:t>=</a:t>
+            </a:r>
+            <a:r>
+              <a:rPr lang="en-GB" sz="1800" dirty="0" err="1">
+                <a:latin typeface="Times New Roman"/>
+                <a:cs typeface="Times New Roman"/>
+              </a:rPr>
+              <a:t>tryjs_change_style</a:t>
+            </a:r>
+            <a:endParaRPr sz="1800" dirty="0">
+              <a:latin typeface="Times New Roman"/>
+              <a:cs typeface="Times New Roman"/>
+            </a:endParaRPr>
+          </a:p>
+        </p:txBody>
+      </p:sp>
+    </p:spTree>
+  </p:cSld>
+  <p:clrMapOvr>
+    <a:masterClrMapping/>
+  </p:clrMapOvr>
+</p:sld>
+</file>
+
+<file path=ppt/slides/slide9.xml><?xml version="1.0" encoding="utf-8"?>
+<p:sld xmlns:a="http://schemas.openxmlformats.org/drawingml/2006/main" xmlns:r="http://schemas.openxmlformats.org/officeDocument/2006/relationships" xmlns:p="http://schemas.openxmlformats.org/presentationml/2006/main">
+  <p:cSld>
+    <p:spTree>
+      <p:nvGrpSpPr>
+        <p:cNvPr id="1" name=""/>
+        <p:cNvGrpSpPr/>
+        <p:nvPr/>
+      </p:nvGrpSpPr>
+      <p:grpSpPr>
+        <a:xfrm>
+          <a:off x="0" y="0"/>
+          <a:ext cx="0" cy="0"/>
+          <a:chOff x="0" y="0"/>
+          <a:chExt cx="0" cy="0"/>
+        </a:xfrm>
+      </p:grpSpPr>
+      <p:sp>
+        <p:nvSpPr>
+          <p:cNvPr id="2" name="object 2"/>
+          <p:cNvSpPr txBox="1">
+            <a:spLocks noGrp="1"/>
+          </p:cNvSpPr>
+          <p:nvPr>
+            <p:ph type="title"/>
+          </p:nvPr>
+        </p:nvSpPr>
+        <p:spPr>
+          <a:xfrm>
+            <a:off x="516243" y="331220"/>
+            <a:ext cx="8111513" cy="765721"/>
+          </a:xfrm>
+          <a:prstGeom prst="rect">
+            <a:avLst/>
+          </a:prstGeom>
+        </p:spPr>
+        <p:txBody>
+          <a:bodyPr spcFirstLastPara="1" vert="horz" wrap="square" lIns="0" tIns="196976" rIns="0" bIns="0" rtlCol="0" anchor="b" anchorCtr="0">
+            <a:spAutoFit/>
+          </a:bodyPr>
+          <a:lstStyle/>
+          <a:p>
+            <a:pPr marL="93821">
+              <a:spcBef>
+                <a:spcPts val="75"/>
+              </a:spcBef>
+            </a:pPr>
+            <a:r>
+              <a:rPr dirty="0"/>
+              <a:t>DOM</a:t>
+            </a:r>
+            <a:r>
+              <a:rPr spc="-23" dirty="0"/>
+              <a:t> </a:t>
+            </a:r>
+            <a:r>
+              <a:rPr spc="-8" dirty="0"/>
+              <a:t>Manipulation</a:t>
+            </a:r>
+            <a:r>
+              <a:rPr lang="da-DK" spc="-8" dirty="0"/>
+              <a:t>-HTML</a:t>
+            </a:r>
+            <a:endParaRPr dirty="0"/>
+          </a:p>
+        </p:txBody>
+      </p:sp>
+      <p:sp>
+        <p:nvSpPr>
+          <p:cNvPr id="3" name="object 3"/>
+          <p:cNvSpPr txBox="1"/>
+          <p:nvPr/>
+        </p:nvSpPr>
+        <p:spPr>
+          <a:xfrm>
+            <a:off x="630544" y="1667638"/>
+            <a:ext cx="7187089" cy="1535870"/>
+          </a:xfrm>
+          <a:prstGeom prst="rect">
+            <a:avLst/>
+          </a:prstGeom>
+        </p:spPr>
+        <p:txBody>
+          <a:bodyPr vert="horz" wrap="square" lIns="0" tIns="9525" rIns="0" bIns="0" rtlCol="0">
+            <a:spAutoFit/>
+          </a:bodyPr>
+          <a:lstStyle/>
+          <a:p>
+            <a:pPr marL="9525" marR="3810">
+              <a:lnSpc>
+                <a:spcPct val="153700"/>
+              </a:lnSpc>
+              <a:spcBef>
+                <a:spcPts val="75"/>
+              </a:spcBef>
+            </a:pPr>
+            <a:r>
+              <a:rPr sz="1425" spc="-153" dirty="0"/>
+              <a:t>For</a:t>
+            </a:r>
+            <a:r>
+              <a:rPr sz="1425" spc="-116" dirty="0"/>
+              <a:t> </a:t>
+            </a:r>
+            <a:r>
+              <a:rPr sz="1425" spc="-105" dirty="0"/>
+              <a:t>instance,</a:t>
+            </a:r>
+            <a:r>
+              <a:rPr sz="1425" spc="-109" dirty="0"/>
+              <a:t> you </a:t>
+            </a:r>
+            <a:r>
+              <a:rPr sz="1425" spc="-94" dirty="0"/>
+              <a:t>could</a:t>
+            </a:r>
+            <a:r>
+              <a:rPr sz="1425" spc="-105" dirty="0"/>
+              <a:t> </a:t>
+            </a:r>
+            <a:r>
+              <a:rPr sz="1425" spc="-158" dirty="0"/>
+              <a:t>change</a:t>
+            </a:r>
+            <a:r>
+              <a:rPr sz="1425" spc="-113" dirty="0"/>
+              <a:t> </a:t>
+            </a:r>
+            <a:r>
+              <a:rPr sz="1425" spc="-30" dirty="0"/>
+              <a:t>the</a:t>
+            </a:r>
+            <a:r>
+              <a:rPr sz="1425" spc="-116" dirty="0"/>
+              <a:t> </a:t>
+            </a:r>
+            <a:r>
+              <a:rPr sz="1425" spc="-64" dirty="0"/>
+              <a:t>content</a:t>
+            </a:r>
+            <a:r>
+              <a:rPr sz="1425" spc="-109" dirty="0"/>
+              <a:t> </a:t>
+            </a:r>
+            <a:r>
+              <a:rPr sz="1425" dirty="0"/>
+              <a:t>of</a:t>
+            </a:r>
+            <a:r>
+              <a:rPr sz="1425" spc="-116" dirty="0"/>
+              <a:t> </a:t>
+            </a:r>
+            <a:r>
+              <a:rPr sz="1425" spc="-30" dirty="0"/>
+              <a:t>the</a:t>
+            </a:r>
+            <a:r>
+              <a:rPr sz="1425" spc="-113" dirty="0"/>
+              <a:t> </a:t>
+            </a:r>
+            <a:r>
+              <a:rPr sz="1425" spc="-124" dirty="0"/>
+              <a:t>&lt;div&gt;</a:t>
+            </a:r>
+            <a:r>
+              <a:rPr sz="1425" spc="-105" dirty="0"/>
+              <a:t> </a:t>
+            </a:r>
+            <a:r>
+              <a:rPr sz="1425" spc="-19" dirty="0"/>
+              <a:t>in </a:t>
+            </a:r>
+            <a:r>
+              <a:rPr sz="1425" spc="-131" dirty="0"/>
+              <a:t>using</a:t>
+            </a:r>
+            <a:r>
+              <a:rPr sz="1425" spc="-109" dirty="0"/>
+              <a:t> </a:t>
+            </a:r>
+            <a:r>
+              <a:rPr sz="1425" spc="-30" dirty="0"/>
+              <a:t>the</a:t>
+            </a:r>
+            <a:r>
+              <a:rPr sz="1425" spc="-113" dirty="0"/>
+              <a:t> </a:t>
+            </a:r>
+            <a:r>
+              <a:rPr sz="1425" spc="-8" dirty="0"/>
+              <a:t>following:</a:t>
+            </a:r>
+            <a:endParaRPr sz="1425" dirty="0"/>
+          </a:p>
+          <a:p>
+            <a:pPr>
+              <a:spcBef>
+                <a:spcPts val="15"/>
+              </a:spcBef>
+            </a:pPr>
+            <a:endParaRPr sz="1425" dirty="0"/>
+          </a:p>
+          <a:p>
+            <a:pPr marL="466725" marR="812483">
+              <a:lnSpc>
+                <a:spcPct val="121400"/>
+              </a:lnSpc>
+              <a:spcBef>
+                <a:spcPts val="4"/>
+              </a:spcBef>
+            </a:pPr>
+            <a:r>
+              <a:rPr sz="1425" spc="-98" dirty="0"/>
+              <a:t>const</a:t>
+            </a:r>
+            <a:r>
+              <a:rPr sz="1425" spc="-94" dirty="0"/>
+              <a:t> </a:t>
+            </a:r>
+            <a:r>
+              <a:rPr sz="1425" spc="-60" dirty="0"/>
+              <a:t>div</a:t>
+            </a:r>
+            <a:r>
+              <a:rPr sz="1425" spc="-94" dirty="0"/>
+              <a:t> </a:t>
+            </a:r>
+            <a:r>
+              <a:rPr sz="1425" spc="-191" dirty="0"/>
+              <a:t>=</a:t>
+            </a:r>
+            <a:r>
+              <a:rPr sz="1425" spc="-94" dirty="0"/>
+              <a:t> </a:t>
+            </a:r>
+            <a:r>
+              <a:rPr sz="1425" spc="-45" dirty="0" err="1"/>
+              <a:t>document.querySelector</a:t>
+            </a:r>
+            <a:r>
+              <a:rPr sz="1425" spc="-45" dirty="0"/>
+              <a:t>("#main"); </a:t>
+            </a:r>
+            <a:r>
+              <a:rPr sz="1425" spc="-139" dirty="0" err="1"/>
+              <a:t>div.</a:t>
+            </a:r>
+            <a:r>
+              <a:rPr sz="1425" b="1" spc="-139" dirty="0" err="1"/>
+              <a:t>innerHTML</a:t>
+            </a:r>
+            <a:r>
+              <a:rPr sz="1425" b="1" spc="-83" dirty="0"/>
+              <a:t> </a:t>
+            </a:r>
+            <a:r>
+              <a:rPr sz="1425" spc="-191" dirty="0"/>
+              <a:t>=</a:t>
+            </a:r>
+            <a:r>
+              <a:rPr sz="1425" spc="-75" dirty="0"/>
+              <a:t> </a:t>
+            </a:r>
+            <a:r>
+              <a:rPr sz="1425" spc="-105" dirty="0"/>
+              <a:t>'&lt;a</a:t>
+            </a:r>
+            <a:r>
+              <a:rPr sz="1425" spc="-86" dirty="0"/>
+              <a:t> </a:t>
+            </a:r>
+            <a:r>
+              <a:rPr sz="1425" spc="-75" dirty="0" err="1"/>
+              <a:t>href</a:t>
+            </a:r>
+            <a:r>
+              <a:rPr sz="1425" spc="-75" dirty="0"/>
+              <a:t>="#"&gt;&lt;</a:t>
+            </a:r>
+            <a:r>
+              <a:rPr sz="1425" spc="-75" dirty="0" err="1"/>
+              <a:t>img</a:t>
+            </a:r>
+            <a:r>
+              <a:rPr sz="1425" spc="-86" dirty="0"/>
+              <a:t> </a:t>
+            </a:r>
+            <a:r>
+              <a:rPr sz="1425" spc="-60" dirty="0" err="1"/>
+              <a:t>src</a:t>
+            </a:r>
+            <a:r>
+              <a:rPr sz="1425" spc="-60" dirty="0"/>
+              <a:t>="</a:t>
+            </a:r>
+            <a:r>
+              <a:rPr sz="1425" spc="-60" dirty="0" err="1"/>
+              <a:t>ab.gif</a:t>
+            </a:r>
+            <a:r>
+              <a:rPr sz="1425" spc="-60" dirty="0"/>
+              <a:t>"&gt;&lt;/a&gt;’;</a:t>
+            </a:r>
+            <a:endParaRPr sz="1425" dirty="0"/>
+          </a:p>
+          <a:p>
+            <a:pPr>
+              <a:spcBef>
+                <a:spcPts val="8"/>
+              </a:spcBef>
+            </a:pPr>
+            <a:endParaRPr sz="1425" dirty="0"/>
+          </a:p>
+          <a:p>
+            <a:pPr marL="9525"/>
+            <a:r>
+              <a:rPr sz="1425" spc="-165" dirty="0"/>
+              <a:t>This</a:t>
+            </a:r>
+            <a:r>
+              <a:rPr sz="1425" spc="-109" dirty="0"/>
+              <a:t> </a:t>
+            </a:r>
+            <a:r>
+              <a:rPr sz="1425" spc="-127" dirty="0"/>
+              <a:t>replaces</a:t>
+            </a:r>
+            <a:r>
+              <a:rPr sz="1425" spc="-105" dirty="0"/>
+              <a:t> </a:t>
+            </a:r>
+            <a:r>
+              <a:rPr sz="1425" spc="-30" dirty="0"/>
+              <a:t>the</a:t>
+            </a:r>
+            <a:r>
+              <a:rPr sz="1425" spc="-105" dirty="0"/>
+              <a:t> existing</a:t>
+            </a:r>
+            <a:r>
+              <a:rPr sz="1425" spc="-101" dirty="0"/>
+              <a:t> </a:t>
+            </a:r>
+            <a:r>
+              <a:rPr sz="1425" spc="-64" dirty="0"/>
+              <a:t>content</a:t>
+            </a:r>
+            <a:r>
+              <a:rPr sz="1425" spc="-101" dirty="0"/>
+              <a:t> </a:t>
+            </a:r>
+            <a:r>
+              <a:rPr sz="1425" dirty="0"/>
+              <a:t>with</a:t>
+            </a:r>
+            <a:r>
+              <a:rPr sz="1425" spc="-98" dirty="0"/>
+              <a:t> </a:t>
+            </a:r>
+            <a:r>
+              <a:rPr sz="1425" spc="-30" dirty="0"/>
+              <a:t>the</a:t>
+            </a:r>
+            <a:r>
+              <a:rPr sz="1425" spc="-109" dirty="0"/>
+              <a:t> </a:t>
+            </a:r>
+            <a:r>
+              <a:rPr sz="1425" spc="-98" dirty="0"/>
+              <a:t>new</a:t>
+            </a:r>
+            <a:r>
+              <a:rPr sz="1425" spc="-105" dirty="0"/>
+              <a:t> </a:t>
+            </a:r>
+            <a:r>
+              <a:rPr sz="1425" spc="-8" dirty="0"/>
+              <a:t>content.</a:t>
+            </a:r>
+            <a:endParaRPr sz="1425" dirty="0"/>
+          </a:p>
+        </p:txBody>
+      </p:sp>
+    </p:spTree>
+    <p:extLst>
+      <p:ext uri="{BB962C8B-B14F-4D97-AF65-F5344CB8AC3E}">
+        <p14:creationId xmlns:p14="http://schemas.microsoft.com/office/powerpoint/2010/main" val="389533580"/>
+      </p:ext>
+    </p:extLst>
   </p:cSld>
   <p:clrMapOvr>
     <a:masterClrMapping/>
